--- a/05-faster_feedback_with_unit_testing.pptx
+++ b/05-faster_feedback_with_unit_testing.pptx
@@ -313,7 +313,7 @@
               <a:pPr>
                 <a:defRPr/>
               </a:pPr>
-              <a:t>2016-02-25</a:t>
+              <a:t>2016-02-27</a:t>
             </a:fld>
             <a:endParaRPr lang="en-US" dirty="0"/>
           </a:p>
@@ -496,7 +496,7 @@
               <a:pPr>
                 <a:defRPr/>
               </a:pPr>
-              <a:t>2016-02-25</a:t>
+              <a:t>2016-02-27</a:t>
             </a:fld>
             <a:endParaRPr lang="en-US" dirty="0"/>
           </a:p>
@@ -7276,7 +7276,7 @@
               <a:buFont typeface="Arial" pitchFamily="34" charset="0"/>
               <a:buNone/>
               <a:tabLst/>
-              <a:defRPr sz="2800">
+              <a:defRPr sz="2800" b="1">
                 <a:latin typeface="Courier New" panose="02070309020205020404" pitchFamily="49" charset="0"/>
                 <a:cs typeface="Courier New" panose="02070309020205020404" pitchFamily="49" charset="0"/>
               </a:defRPr>
@@ -7589,14 +7589,14 @@
           </a:ln>
           <a:extLst>
             <a:ext uri="{909E8E84-426E-40dd-AFC4-6F175D3DCCD1}">
-              <a14:hiddenFill xmlns="" xmlns:a14="http://schemas.microsoft.com/office/drawing/2010/main">
+              <a14:hiddenFill xmlns:a14="http://schemas.microsoft.com/office/drawing/2010/main" xmlns="">
                 <a:solidFill>
                   <a:srgbClr val="FFFFFF"/>
                 </a:solidFill>
               </a14:hiddenFill>
             </a:ext>
             <a:ext uri="{91240B29-F687-4f45-9708-019B960494DF}">
-              <a14:hiddenLine xmlns="" xmlns:a14="http://schemas.microsoft.com/office/drawing/2010/main" w="9525">
+              <a14:hiddenLine xmlns:a14="http://schemas.microsoft.com/office/drawing/2010/main" xmlns="" w="9525">
                 <a:solidFill>
                   <a:srgbClr val="000000"/>
                 </a:solidFill>
@@ -7744,14 +7744,14 @@
           </a:ln>
           <a:extLst>
             <a:ext uri="{909E8E84-426E-40dd-AFC4-6F175D3DCCD1}">
-              <a14:hiddenFill xmlns="" xmlns:a14="http://schemas.microsoft.com/office/drawing/2010/main">
+              <a14:hiddenFill xmlns:a14="http://schemas.microsoft.com/office/drawing/2010/main" xmlns="">
                 <a:solidFill>
                   <a:srgbClr val="FFFFFF"/>
                 </a:solidFill>
               </a14:hiddenFill>
             </a:ext>
             <a:ext uri="{91240B29-F687-4f45-9708-019B960494DF}">
-              <a14:hiddenLine xmlns="" xmlns:a14="http://schemas.microsoft.com/office/drawing/2010/main" w="9525">
+              <a14:hiddenLine xmlns:a14="http://schemas.microsoft.com/office/drawing/2010/main" xmlns="" w="9525">
                 <a:solidFill>
                   <a:srgbClr val="000000"/>
                 </a:solidFill>
@@ -8242,14 +8242,14 @@
           </a:ln>
           <a:extLst>
             <a:ext uri="{909E8E84-426E-40dd-AFC4-6F175D3DCCD1}">
-              <a14:hiddenFill xmlns="" xmlns:a14="http://schemas.microsoft.com/office/drawing/2010/main">
+              <a14:hiddenFill xmlns:a14="http://schemas.microsoft.com/office/drawing/2010/main" xmlns="">
                 <a:solidFill>
                   <a:srgbClr val="FFFFFF"/>
                 </a:solidFill>
               </a14:hiddenFill>
             </a:ext>
             <a:ext uri="{91240B29-F687-4f45-9708-019B960494DF}">
-              <a14:hiddenLine xmlns="" xmlns:a14="http://schemas.microsoft.com/office/drawing/2010/main" w="9525">
+              <a14:hiddenLine xmlns:a14="http://schemas.microsoft.com/office/drawing/2010/main" xmlns="" w="9525">
                 <a:solidFill>
                   <a:srgbClr val="000000"/>
                 </a:solidFill>
@@ -9698,14 +9698,14 @@
           </a:ln>
           <a:extLst>
             <a:ext uri="{909E8E84-426E-40dd-AFC4-6F175D3DCCD1}">
-              <a14:hiddenFill xmlns="" xmlns:a14="http://schemas.microsoft.com/office/drawing/2010/main">
+              <a14:hiddenFill xmlns:a14="http://schemas.microsoft.com/office/drawing/2010/main" xmlns="">
                 <a:solidFill>
                   <a:srgbClr val="FFFFFF"/>
                 </a:solidFill>
               </a14:hiddenFill>
             </a:ext>
             <a:ext uri="{91240B29-F687-4f45-9708-019B960494DF}">
-              <a14:hiddenLine xmlns="" xmlns:a14="http://schemas.microsoft.com/office/drawing/2010/main" w="9525">
+              <a14:hiddenLine xmlns:a14="http://schemas.microsoft.com/office/drawing/2010/main" xmlns="" w="9525">
                 <a:solidFill>
                   <a:srgbClr val="000000"/>
                 </a:solidFill>
@@ -11059,14 +11059,14 @@
           </a:ln>
           <a:extLst>
             <a:ext uri="{909E8E84-426E-40dd-AFC4-6F175D3DCCD1}">
-              <a14:hiddenFill xmlns="" xmlns:a14="http://schemas.microsoft.com/office/drawing/2010/main">
+              <a14:hiddenFill xmlns:a14="http://schemas.microsoft.com/office/drawing/2010/main" xmlns="">
                 <a:solidFill>
                   <a:srgbClr val="FFFFFF"/>
                 </a:solidFill>
               </a14:hiddenFill>
             </a:ext>
             <a:ext uri="{91240B29-F687-4f45-9708-019B960494DF}">
-              <a14:hiddenLine xmlns="" xmlns:a14="http://schemas.microsoft.com/office/drawing/2010/main" w="9525">
+              <a14:hiddenLine xmlns:a14="http://schemas.microsoft.com/office/drawing/2010/main" xmlns="" w="9525">
                 <a:solidFill>
                   <a:srgbClr val="000000"/>
                 </a:solidFill>
@@ -11158,7 +11158,7 @@
               <a:buFont typeface="Arial" pitchFamily="34" charset="0"/>
               <a:buNone/>
               <a:tabLst/>
-              <a:defRPr sz="2800">
+              <a:defRPr sz="2800" b="1">
                 <a:solidFill>
                   <a:srgbClr val="FFFFFF"/>
                 </a:solidFill>
@@ -11460,7 +11460,7 @@
               <a:buFont typeface="Wingdings" charset="0"/>
               <a:buNone/>
               <a:tabLst/>
-              <a:defRPr sz="2800" baseline="0">
+              <a:defRPr sz="2800" b="1" baseline="0">
                 <a:solidFill>
                   <a:schemeClr val="bg1"/>
                 </a:solidFill>
@@ -11624,14 +11624,14 @@
           </a:ln>
           <a:extLst>
             <a:ext uri="{909E8E84-426E-40dd-AFC4-6F175D3DCCD1}">
-              <a14:hiddenFill xmlns="" xmlns:a14="http://schemas.microsoft.com/office/drawing/2010/main">
+              <a14:hiddenFill xmlns:a14="http://schemas.microsoft.com/office/drawing/2010/main" xmlns="">
                 <a:solidFill>
                   <a:srgbClr val="FFFFFF"/>
                 </a:solidFill>
               </a14:hiddenFill>
             </a:ext>
             <a:ext uri="{91240B29-F687-4f45-9708-019B960494DF}">
-              <a14:hiddenLine xmlns="" xmlns:a14="http://schemas.microsoft.com/office/drawing/2010/main" w="9525">
+              <a14:hiddenLine xmlns:a14="http://schemas.microsoft.com/office/drawing/2010/main" xmlns="" w="9525">
                 <a:solidFill>
                   <a:srgbClr val="000000"/>
                 </a:solidFill>
@@ -11757,7 +11757,7 @@
               <a:buFont typeface="Arial" pitchFamily="34" charset="0"/>
               <a:buNone/>
               <a:tabLst/>
-              <a:defRPr sz="2800">
+              <a:defRPr sz="2800" b="1">
                 <a:solidFill>
                   <a:srgbClr val="FFFFFF"/>
                 </a:solidFill>
@@ -12034,7 +12034,7 @@
               <a:buFont typeface="Arial" pitchFamily="34" charset="0"/>
               <a:buNone/>
               <a:tabLst/>
-              <a:defRPr sz="3200" baseline="0">
+              <a:defRPr sz="3200" b="1" baseline="0">
                 <a:solidFill>
                   <a:schemeClr val="bg1"/>
                 </a:solidFill>
@@ -12198,14 +12198,14 @@
           </a:ln>
           <a:extLst>
             <a:ext uri="{909E8E84-426E-40dd-AFC4-6F175D3DCCD1}">
-              <a14:hiddenFill xmlns="" xmlns:a14="http://schemas.microsoft.com/office/drawing/2010/main">
+              <a14:hiddenFill xmlns:a14="http://schemas.microsoft.com/office/drawing/2010/main" xmlns="">
                 <a:solidFill>
                   <a:srgbClr val="FFFFFF"/>
                 </a:solidFill>
               </a14:hiddenFill>
             </a:ext>
             <a:ext uri="{91240B29-F687-4f45-9708-019B960494DF}">
-              <a14:hiddenLine xmlns="" xmlns:a14="http://schemas.microsoft.com/office/drawing/2010/main" w="9525">
+              <a14:hiddenLine xmlns:a14="http://schemas.microsoft.com/office/drawing/2010/main" xmlns="" w="9525">
                 <a:solidFill>
                   <a:srgbClr val="000000"/>
                 </a:solidFill>
@@ -12291,7 +12291,7 @@
               <a:buFont typeface="Arial" pitchFamily="34" charset="0"/>
               <a:buNone/>
               <a:tabLst/>
-              <a:defRPr sz="2800">
+              <a:defRPr sz="2800" b="1">
                 <a:latin typeface="Courier New" panose="02070309020205020404" pitchFamily="49" charset="0"/>
                 <a:cs typeface="Courier New" panose="02070309020205020404" pitchFamily="49" charset="0"/>
               </a:defRPr>
@@ -12588,7 +12588,7 @@
               <a:buFont typeface="Arial" pitchFamily="34" charset="0"/>
               <a:buNone/>
               <a:tabLst/>
-              <a:defRPr sz="2800" baseline="0">
+              <a:defRPr sz="2800" b="1" baseline="0">
                 <a:latin typeface="Courier New" panose="02070309020205020404" pitchFamily="49" charset="0"/>
                 <a:cs typeface="Courier New" panose="02070309020205020404" pitchFamily="49" charset="0"/>
               </a:defRPr>
@@ -12816,7 +12816,7 @@
               <a:buFont typeface="Arial" pitchFamily="34" charset="0"/>
               <a:buNone/>
               <a:tabLst/>
-              <a:defRPr sz="2800">
+              <a:defRPr sz="2800" b="1">
                 <a:latin typeface="Courier New" panose="02070309020205020404" pitchFamily="49" charset="0"/>
                 <a:cs typeface="Courier New" panose="02070309020205020404" pitchFamily="49" charset="0"/>
               </a:defRPr>
@@ -13145,14 +13145,14 @@
           </a:ln>
           <a:extLst>
             <a:ext uri="{909E8E84-426E-40dd-AFC4-6F175D3DCCD1}">
-              <a14:hiddenFill xmlns="" xmlns:a14="http://schemas.microsoft.com/office/drawing/2010/main">
+              <a14:hiddenFill xmlns:a14="http://schemas.microsoft.com/office/drawing/2010/main" xmlns="">
                 <a:solidFill>
                   <a:srgbClr val="FFFFFF"/>
                 </a:solidFill>
               </a14:hiddenFill>
             </a:ext>
             <a:ext uri="{91240B29-F687-4f45-9708-019B960494DF}">
-              <a14:hiddenLine xmlns="" xmlns:a14="http://schemas.microsoft.com/office/drawing/2010/main" w="9525">
+              <a14:hiddenLine xmlns:a14="http://schemas.microsoft.com/office/drawing/2010/main" xmlns="" w="9525">
                 <a:solidFill>
                   <a:srgbClr val="000000"/>
                 </a:solidFill>
@@ -13925,14 +13925,14 @@
           </a:ln>
           <a:extLst>
             <a:ext uri="{909E8E84-426E-40dd-AFC4-6F175D3DCCD1}">
-              <a14:hiddenFill xmlns="" xmlns:a14="http://schemas.microsoft.com/office/drawing/2010/main">
+              <a14:hiddenFill xmlns:a14="http://schemas.microsoft.com/office/drawing/2010/main" xmlns="">
                 <a:solidFill>
                   <a:srgbClr val="FFFFFF"/>
                 </a:solidFill>
               </a14:hiddenFill>
             </a:ext>
             <a:ext uri="{91240B29-F687-4f45-9708-019B960494DF}">
-              <a14:hiddenLine xmlns="" xmlns:a14="http://schemas.microsoft.com/office/drawing/2010/main" w="9525">
+              <a14:hiddenLine xmlns:a14="http://schemas.microsoft.com/office/drawing/2010/main" xmlns="" w="9525">
                 <a:solidFill>
                   <a:srgbClr val="000000"/>
                 </a:solidFill>
@@ -14706,8 +14706,12 @@
           <a:lstStyle/>
           <a:p>
             <a:r>
-              <a:rPr lang="en-US" dirty="0" smtClean="0"/>
-              <a:t>Faster Feedback with Unit Testing</a:t>
+              <a:rPr lang="en-US" smtClean="0"/>
+              <a:t>Faster </a:t>
+            </a:r>
+            <a:r>
+              <a:rPr lang="en-US" dirty="0" smtClean="0"/>
+              <a:t>Feedback with Unit Testing</a:t>
             </a:r>
             <a:endParaRPr lang="en-US" dirty="0"/>
           </a:p>
@@ -18516,11 +18520,6 @@
               </a:rPr>
               <a:t>passing example</a:t>
             </a:r>
-            <a:endParaRPr lang="en-US" sz="2800" dirty="0" smtClean="0">
-              <a:solidFill>
-                <a:schemeClr val="bg1"/>
-              </a:solidFill>
-            </a:endParaRPr>
           </a:p>
         </p:txBody>
       </p:sp>
@@ -19694,11 +19693,6 @@
               </a:rPr>
               <a:t>pending example</a:t>
             </a:r>
-            <a:endParaRPr lang="en-US" sz="2800" dirty="0" smtClean="0">
-              <a:solidFill>
-                <a:schemeClr val="bg1"/>
-              </a:solidFill>
-            </a:endParaRPr>
           </a:p>
         </p:txBody>
       </p:sp>
@@ -26126,71 +26120,6 @@
               <a:t>Execute Tests</a:t>
             </a:r>
             <a:endParaRPr lang="en-US" sz="2400" b="1" dirty="0" smtClean="0">
-              <a:gradFill>
-                <a:gsLst>
-                  <a:gs pos="0">
-                    <a:srgbClr val="FFFFFF"/>
-                  </a:gs>
-                  <a:gs pos="100000">
-                    <a:srgbClr val="FFFFFF"/>
-                  </a:gs>
-                </a:gsLst>
-                <a:lin ang="5400000" scaled="0"/>
-              </a:gradFill>
-            </a:endParaRPr>
-          </a:p>
-        </p:txBody>
-      </p:sp>
-      <p:sp>
-        <p:nvSpPr>
-          <p:cNvPr id="4" name="Rectangle 3"/>
-          <p:cNvSpPr/>
-          <p:nvPr/>
-        </p:nvSpPr>
-        <p:spPr bwMode="auto">
-          <a:xfrm>
-            <a:off x="11545386" y="1605071"/>
-            <a:ext cx="4098471" cy="3560053"/>
-          </a:xfrm>
-          <a:prstGeom prst="rect">
-            <a:avLst/>
-          </a:prstGeom>
-          <a:solidFill>
-            <a:schemeClr val="bg1">
-              <a:alpha val="60000"/>
-            </a:schemeClr>
-          </a:solidFill>
-          <a:ln>
-            <a:noFill/>
-            <a:headEnd type="none" w="med" len="med"/>
-            <a:tailEnd type="none" w="med" len="med"/>
-          </a:ln>
-          <a:effectLst/>
-        </p:spPr>
-        <p:style>
-          <a:lnRef idx="1">
-            <a:schemeClr val="accent4"/>
-          </a:lnRef>
-          <a:fillRef idx="3">
-            <a:schemeClr val="accent4"/>
-          </a:fillRef>
-          <a:effectRef idx="2">
-            <a:schemeClr val="accent4"/>
-          </a:effectRef>
-          <a:fontRef idx="minor">
-            <a:schemeClr val="lt1"/>
-          </a:fontRef>
-        </p:style>
-        <p:txBody>
-          <a:bodyPr vert="horz" wrap="square" lIns="91436" tIns="45718" rIns="91436" bIns="45718" numCol="1" rtlCol="0" anchor="ctr" anchorCtr="0" compatLnSpc="1">
-            <a:prstTxWarp prst="textNoShape">
-              <a:avLst/>
-            </a:prstTxWarp>
-          </a:bodyPr>
-          <a:lstStyle/>
-          <a:p>
-            <a:pPr algn="ctr" defTabSz="914099"/>
-            <a:endParaRPr lang="en-US" sz="2400" dirty="0" err="1" smtClean="0">
               <a:gradFill>
                 <a:gsLst>
                   <a:gs pos="0">
@@ -26493,6 +26422,188 @@
               <a:rPr lang="en-US" dirty="0" smtClean="0"/>
               <a:t>The resource collection is a list of all the resources and recipes loaded across all the recipes within the run list.</a:t>
             </a:r>
+          </a:p>
+        </p:txBody>
+      </p:sp>
+      <p:sp>
+        <p:nvSpPr>
+          <p:cNvPr id="19" name="Rounded Rectangle 18"/>
+          <p:cNvSpPr/>
+          <p:nvPr/>
+        </p:nvSpPr>
+        <p:spPr bwMode="auto">
+          <a:xfrm>
+            <a:off x="11545386" y="716388"/>
+            <a:ext cx="4098471" cy="689548"/>
+          </a:xfrm>
+          <a:prstGeom prst="roundRect">
+            <a:avLst/>
+          </a:prstGeom>
+          <a:solidFill>
+            <a:srgbClr val="C00000"/>
+          </a:solidFill>
+          <a:ln>
+            <a:noFill/>
+            <a:headEnd type="none" w="med" len="med"/>
+            <a:tailEnd type="none" w="med" len="med"/>
+          </a:ln>
+          <a:effectLst>
+            <a:outerShdw blurRad="50800" dist="76200" dir="5400000" algn="t" rotWithShape="0">
+              <a:prstClr val="black">
+                <a:alpha val="40000"/>
+              </a:prstClr>
+            </a:outerShdw>
+          </a:effectLst>
+        </p:spPr>
+        <p:style>
+          <a:lnRef idx="1">
+            <a:schemeClr val="accent4"/>
+          </a:lnRef>
+          <a:fillRef idx="3">
+            <a:schemeClr val="accent4"/>
+          </a:fillRef>
+          <a:effectRef idx="2">
+            <a:schemeClr val="accent4"/>
+          </a:effectRef>
+          <a:fontRef idx="minor">
+            <a:schemeClr val="lt1"/>
+          </a:fontRef>
+        </p:style>
+        <p:txBody>
+          <a:bodyPr vert="horz" wrap="square" lIns="91436" tIns="45718" rIns="91436" bIns="45718" numCol="1" rtlCol="0" anchor="ctr" anchorCtr="0" compatLnSpc="1">
+            <a:prstTxWarp prst="textNoShape">
+              <a:avLst/>
+            </a:prstTxWarp>
+          </a:bodyPr>
+          <a:lstStyle/>
+          <a:p>
+            <a:pPr algn="ctr" defTabSz="914099"/>
+            <a:r>
+              <a:rPr lang="en-US" b="1" dirty="0" smtClean="0">
+                <a:gradFill>
+                  <a:gsLst>
+                    <a:gs pos="0">
+                      <a:srgbClr val="FFFFFF"/>
+                    </a:gs>
+                    <a:gs pos="100000">
+                      <a:srgbClr val="FFFFFF"/>
+                    </a:gs>
+                  </a:gsLst>
+                  <a:lin ang="5400000" scaled="0"/>
+                </a:gradFill>
+              </a:rPr>
+              <a:t>Create </a:t>
+            </a:r>
+            <a:r>
+              <a:rPr lang="en-US" b="1" dirty="0" err="1" smtClean="0">
+                <a:gradFill>
+                  <a:gsLst>
+                    <a:gs pos="0">
+                      <a:srgbClr val="FFFFFF"/>
+                    </a:gs>
+                    <a:gs pos="100000">
+                      <a:srgbClr val="FFFFFF"/>
+                    </a:gs>
+                  </a:gsLst>
+                  <a:lin ang="5400000" scaled="0"/>
+                </a:gradFill>
+              </a:rPr>
+              <a:t>CentOS</a:t>
+            </a:r>
+            <a:r>
+              <a:rPr lang="en-US" b="1" dirty="0" smtClean="0">
+                <a:gradFill>
+                  <a:gsLst>
+                    <a:gs pos="0">
+                      <a:srgbClr val="FFFFFF"/>
+                    </a:gs>
+                    <a:gs pos="100000">
+                      <a:srgbClr val="FFFFFF"/>
+                    </a:gs>
+                  </a:gsLst>
+                  <a:lin ang="5400000" scaled="0"/>
+                </a:gradFill>
+              </a:rPr>
+              <a:t> Instance</a:t>
+            </a:r>
+            <a:endParaRPr lang="en-US" sz="2400" b="1" dirty="0" smtClean="0">
+              <a:gradFill>
+                <a:gsLst>
+                  <a:gs pos="0">
+                    <a:srgbClr val="FFFFFF"/>
+                  </a:gs>
+                  <a:gs pos="100000">
+                    <a:srgbClr val="FFFFFF"/>
+                  </a:gs>
+                </a:gsLst>
+                <a:lin ang="5400000" scaled="0"/>
+              </a:gradFill>
+            </a:endParaRPr>
+          </a:p>
+        </p:txBody>
+      </p:sp>
+      <p:sp>
+        <p:nvSpPr>
+          <p:cNvPr id="4" name="Rectangle 3"/>
+          <p:cNvSpPr/>
+          <p:nvPr/>
+        </p:nvSpPr>
+        <p:spPr bwMode="auto">
+          <a:xfrm>
+            <a:off x="11545386" y="716389"/>
+            <a:ext cx="4098471" cy="4448736"/>
+          </a:xfrm>
+          <a:prstGeom prst="rect">
+            <a:avLst/>
+          </a:prstGeom>
+          <a:solidFill>
+            <a:schemeClr val="bg1">
+              <a:alpha val="60000"/>
+            </a:schemeClr>
+          </a:solidFill>
+          <a:ln>
+            <a:noFill/>
+            <a:headEnd type="none" w="med" len="med"/>
+            <a:tailEnd type="none" w="med" len="med"/>
+          </a:ln>
+          <a:effectLst/>
+        </p:spPr>
+        <p:style>
+          <a:lnRef idx="1">
+            <a:schemeClr val="accent4"/>
+          </a:lnRef>
+          <a:fillRef idx="3">
+            <a:schemeClr val="accent4"/>
+          </a:fillRef>
+          <a:effectRef idx="2">
+            <a:schemeClr val="accent4"/>
+          </a:effectRef>
+          <a:fontRef idx="minor">
+            <a:schemeClr val="lt1"/>
+          </a:fontRef>
+        </p:style>
+        <p:txBody>
+          <a:bodyPr vert="horz" wrap="square" lIns="91436" tIns="45718" rIns="91436" bIns="45718" numCol="1" rtlCol="0" anchor="ctr" anchorCtr="0" compatLnSpc="1">
+            <a:prstTxWarp prst="textNoShape">
+              <a:avLst/>
+            </a:prstTxWarp>
+          </a:bodyPr>
+          <a:lstStyle/>
+          <a:p>
+            <a:pPr algn="ctr" defTabSz="914099"/>
+            <a:endParaRPr lang="en-US" sz="2400" dirty="0" err="1" smtClean="0">
+              <a:gradFill>
+                <a:gsLst>
+                  <a:gs pos="0">
+                    <a:srgbClr val="FFFFFF"/>
+                  </a:gs>
+                  <a:gs pos="100000">
+                    <a:srgbClr val="FFFFFF"/>
+                  </a:gs>
+                </a:gsLst>
+                <a:lin ang="5400000" scaled="0"/>
+              </a:gradFill>
+            </a:endParaRPr>
           </a:p>
         </p:txBody>
       </p:sp>

--- a/05-faster_feedback_with_unit_testing.pptx
+++ b/05-faster_feedback_with_unit_testing.pptx
@@ -313,7 +313,7 @@
               <a:pPr>
                 <a:defRPr/>
               </a:pPr>
-              <a:t>2016-02-27</a:t>
+              <a:t>2016-02-28</a:t>
             </a:fld>
             <a:endParaRPr lang="en-US" dirty="0"/>
           </a:p>
@@ -496,7 +496,7 @@
               <a:pPr>
                 <a:defRPr/>
               </a:pPr>
-              <a:t>2016-02-27</a:t>
+              <a:t>2016-02-28</a:t>
             </a:fld>
             <a:endParaRPr lang="en-US" dirty="0"/>
           </a:p>
@@ -7589,14 +7589,14 @@
           </a:ln>
           <a:extLst>
             <a:ext uri="{909E8E84-426E-40dd-AFC4-6F175D3DCCD1}">
-              <a14:hiddenFill xmlns:a14="http://schemas.microsoft.com/office/drawing/2010/main" xmlns="">
+              <a14:hiddenFill xmlns="" xmlns:a14="http://schemas.microsoft.com/office/drawing/2010/main">
                 <a:solidFill>
                   <a:srgbClr val="FFFFFF"/>
                 </a:solidFill>
               </a14:hiddenFill>
             </a:ext>
             <a:ext uri="{91240B29-F687-4f45-9708-019B960494DF}">
-              <a14:hiddenLine xmlns:a14="http://schemas.microsoft.com/office/drawing/2010/main" xmlns="" w="9525">
+              <a14:hiddenLine xmlns="" xmlns:a14="http://schemas.microsoft.com/office/drawing/2010/main" w="9525">
                 <a:solidFill>
                   <a:srgbClr val="000000"/>
                 </a:solidFill>
@@ -7744,14 +7744,14 @@
           </a:ln>
           <a:extLst>
             <a:ext uri="{909E8E84-426E-40dd-AFC4-6F175D3DCCD1}">
-              <a14:hiddenFill xmlns:a14="http://schemas.microsoft.com/office/drawing/2010/main" xmlns="">
+              <a14:hiddenFill xmlns="" xmlns:a14="http://schemas.microsoft.com/office/drawing/2010/main">
                 <a:solidFill>
                   <a:srgbClr val="FFFFFF"/>
                 </a:solidFill>
               </a14:hiddenFill>
             </a:ext>
             <a:ext uri="{91240B29-F687-4f45-9708-019B960494DF}">
-              <a14:hiddenLine xmlns:a14="http://schemas.microsoft.com/office/drawing/2010/main" xmlns="" w="9525">
+              <a14:hiddenLine xmlns="" xmlns:a14="http://schemas.microsoft.com/office/drawing/2010/main" w="9525">
                 <a:solidFill>
                   <a:srgbClr val="000000"/>
                 </a:solidFill>
@@ -8242,14 +8242,14 @@
           </a:ln>
           <a:extLst>
             <a:ext uri="{909E8E84-426E-40dd-AFC4-6F175D3DCCD1}">
-              <a14:hiddenFill xmlns:a14="http://schemas.microsoft.com/office/drawing/2010/main" xmlns="">
+              <a14:hiddenFill xmlns="" xmlns:a14="http://schemas.microsoft.com/office/drawing/2010/main">
                 <a:solidFill>
                   <a:srgbClr val="FFFFFF"/>
                 </a:solidFill>
               </a14:hiddenFill>
             </a:ext>
             <a:ext uri="{91240B29-F687-4f45-9708-019B960494DF}">
-              <a14:hiddenLine xmlns:a14="http://schemas.microsoft.com/office/drawing/2010/main" xmlns="" w="9525">
+              <a14:hiddenLine xmlns="" xmlns:a14="http://schemas.microsoft.com/office/drawing/2010/main" w="9525">
                 <a:solidFill>
                   <a:srgbClr val="000000"/>
                 </a:solidFill>
@@ -9698,14 +9698,14 @@
           </a:ln>
           <a:extLst>
             <a:ext uri="{909E8E84-426E-40dd-AFC4-6F175D3DCCD1}">
-              <a14:hiddenFill xmlns:a14="http://schemas.microsoft.com/office/drawing/2010/main" xmlns="">
+              <a14:hiddenFill xmlns="" xmlns:a14="http://schemas.microsoft.com/office/drawing/2010/main">
                 <a:solidFill>
                   <a:srgbClr val="FFFFFF"/>
                 </a:solidFill>
               </a14:hiddenFill>
             </a:ext>
             <a:ext uri="{91240B29-F687-4f45-9708-019B960494DF}">
-              <a14:hiddenLine xmlns:a14="http://schemas.microsoft.com/office/drawing/2010/main" xmlns="" w="9525">
+              <a14:hiddenLine xmlns="" xmlns:a14="http://schemas.microsoft.com/office/drawing/2010/main" w="9525">
                 <a:solidFill>
                   <a:srgbClr val="000000"/>
                 </a:solidFill>
@@ -11059,14 +11059,14 @@
           </a:ln>
           <a:extLst>
             <a:ext uri="{909E8E84-426E-40dd-AFC4-6F175D3DCCD1}">
-              <a14:hiddenFill xmlns:a14="http://schemas.microsoft.com/office/drawing/2010/main" xmlns="">
+              <a14:hiddenFill xmlns="" xmlns:a14="http://schemas.microsoft.com/office/drawing/2010/main">
                 <a:solidFill>
                   <a:srgbClr val="FFFFFF"/>
                 </a:solidFill>
               </a14:hiddenFill>
             </a:ext>
             <a:ext uri="{91240B29-F687-4f45-9708-019B960494DF}">
-              <a14:hiddenLine xmlns:a14="http://schemas.microsoft.com/office/drawing/2010/main" xmlns="" w="9525">
+              <a14:hiddenLine xmlns="" xmlns:a14="http://schemas.microsoft.com/office/drawing/2010/main" w="9525">
                 <a:solidFill>
                   <a:srgbClr val="000000"/>
                 </a:solidFill>
@@ -11624,14 +11624,14 @@
           </a:ln>
           <a:extLst>
             <a:ext uri="{909E8E84-426E-40dd-AFC4-6F175D3DCCD1}">
-              <a14:hiddenFill xmlns:a14="http://schemas.microsoft.com/office/drawing/2010/main" xmlns="">
+              <a14:hiddenFill xmlns="" xmlns:a14="http://schemas.microsoft.com/office/drawing/2010/main">
                 <a:solidFill>
                   <a:srgbClr val="FFFFFF"/>
                 </a:solidFill>
               </a14:hiddenFill>
             </a:ext>
             <a:ext uri="{91240B29-F687-4f45-9708-019B960494DF}">
-              <a14:hiddenLine xmlns:a14="http://schemas.microsoft.com/office/drawing/2010/main" xmlns="" w="9525">
+              <a14:hiddenLine xmlns="" xmlns:a14="http://schemas.microsoft.com/office/drawing/2010/main" w="9525">
                 <a:solidFill>
                   <a:srgbClr val="000000"/>
                 </a:solidFill>
@@ -12198,14 +12198,14 @@
           </a:ln>
           <a:extLst>
             <a:ext uri="{909E8E84-426E-40dd-AFC4-6F175D3DCCD1}">
-              <a14:hiddenFill xmlns:a14="http://schemas.microsoft.com/office/drawing/2010/main" xmlns="">
+              <a14:hiddenFill xmlns="" xmlns:a14="http://schemas.microsoft.com/office/drawing/2010/main">
                 <a:solidFill>
                   <a:srgbClr val="FFFFFF"/>
                 </a:solidFill>
               </a14:hiddenFill>
             </a:ext>
             <a:ext uri="{91240B29-F687-4f45-9708-019B960494DF}">
-              <a14:hiddenLine xmlns:a14="http://schemas.microsoft.com/office/drawing/2010/main" xmlns="" w="9525">
+              <a14:hiddenLine xmlns="" xmlns:a14="http://schemas.microsoft.com/office/drawing/2010/main" w="9525">
                 <a:solidFill>
                   <a:srgbClr val="000000"/>
                 </a:solidFill>
@@ -13145,14 +13145,14 @@
           </a:ln>
           <a:extLst>
             <a:ext uri="{909E8E84-426E-40dd-AFC4-6F175D3DCCD1}">
-              <a14:hiddenFill xmlns:a14="http://schemas.microsoft.com/office/drawing/2010/main" xmlns="">
+              <a14:hiddenFill xmlns="" xmlns:a14="http://schemas.microsoft.com/office/drawing/2010/main">
                 <a:solidFill>
                   <a:srgbClr val="FFFFFF"/>
                 </a:solidFill>
               </a14:hiddenFill>
             </a:ext>
             <a:ext uri="{91240B29-F687-4f45-9708-019B960494DF}">
-              <a14:hiddenLine xmlns:a14="http://schemas.microsoft.com/office/drawing/2010/main" xmlns="" w="9525">
+              <a14:hiddenLine xmlns="" xmlns:a14="http://schemas.microsoft.com/office/drawing/2010/main" w="9525">
                 <a:solidFill>
                   <a:srgbClr val="000000"/>
                 </a:solidFill>
@@ -13925,14 +13925,14 @@
           </a:ln>
           <a:extLst>
             <a:ext uri="{909E8E84-426E-40dd-AFC4-6F175D3DCCD1}">
-              <a14:hiddenFill xmlns:a14="http://schemas.microsoft.com/office/drawing/2010/main" xmlns="">
+              <a14:hiddenFill xmlns="" xmlns:a14="http://schemas.microsoft.com/office/drawing/2010/main">
                 <a:solidFill>
                   <a:srgbClr val="FFFFFF"/>
                 </a:solidFill>
               </a14:hiddenFill>
             </a:ext>
             <a:ext uri="{91240B29-F687-4f45-9708-019B960494DF}">
-              <a14:hiddenLine xmlns:a14="http://schemas.microsoft.com/office/drawing/2010/main" xmlns="" w="9525">
+              <a14:hiddenLine xmlns="" xmlns:a14="http://schemas.microsoft.com/office/drawing/2010/main" w="9525">
                 <a:solidFill>
                   <a:srgbClr val="000000"/>
                 </a:solidFill>

--- a/05-faster_feedback_with_unit_testing.pptx
+++ b/05-faster_feedback_with_unit_testing.pptx
@@ -182,7 +182,7 @@
   </p:defaultTextStyle>
   <p:extLst>
     <p:ext uri="{EFAFB233-063F-42B5-8137-9DF3F51BA10A}">
-      <p15:sldGuideLst xmlns:p15="http://schemas.microsoft.com/office/powerpoint/2012/main">
+      <p15:sldGuideLst xmlns="" xmlns:p15="http://schemas.microsoft.com/office/powerpoint/2012/main">
         <p15:guide id="1" orient="horz" pos="894">
           <p15:clr>
             <a:srgbClr val="A4A3A4"/>
@@ -196,7 +196,7 @@
       </p15:sldGuideLst>
     </p:ext>
     <p:ext uri="{2D200454-40CA-4A62-9FC3-DE9A4176ACB9}">
-      <p15:notesGuideLst xmlns:p15="http://schemas.microsoft.com/office/powerpoint/2012/main"/>
+      <p15:notesGuideLst xmlns="" xmlns:p15="http://schemas.microsoft.com/office/powerpoint/2012/main"/>
     </p:ext>
   </p:extLst>
 </p:presentation>
@@ -313,7 +313,7 @@
               <a:pPr>
                 <a:defRPr/>
               </a:pPr>
-              <a:t>2016-02-28</a:t>
+              <a:t>5/10/16</a:t>
             </a:fld>
             <a:endParaRPr lang="en-US" dirty="0"/>
           </a:p>
@@ -496,7 +496,7 @@
               <a:pPr>
                 <a:defRPr/>
               </a:pPr>
-              <a:t>2016-02-28</a:t>
+              <a:t>5/10/16</a:t>
             </a:fld>
             <a:endParaRPr lang="en-US" dirty="0"/>
           </a:p>
@@ -7161,7 +7161,7 @@
   <p:clrMapOvr>
     <a:masterClrMapping/>
   </p:clrMapOvr>
-  <p:transition spd="med">
+  <p:transition xmlns:p14="http://schemas.microsoft.com/office/powerpoint/2010/main" spd="med">
     <p:fade/>
   </p:transition>
 </p:sldLayout>
@@ -7456,7 +7456,7 @@
   <p:clrMapOvr>
     <a:overrideClrMapping bg1="lt1" tx1="dk1" bg2="lt2" tx2="dk2" accent1="accent1" accent2="accent2" accent3="accent3" accent4="accent4" accent5="accent5" accent6="accent6" hlink="hlink" folHlink="folHlink"/>
   </p:clrMapOvr>
-  <p:transition spd="med">
+  <p:transition xmlns:p14="http://schemas.microsoft.com/office/powerpoint/2010/main" spd="med">
     <p:fade/>
   </p:transition>
 </p:sldLayout>
@@ -7589,14 +7589,14 @@
           </a:ln>
           <a:extLst>
             <a:ext uri="{909E8E84-426E-40dd-AFC4-6F175D3DCCD1}">
-              <a14:hiddenFill xmlns="" xmlns:a14="http://schemas.microsoft.com/office/drawing/2010/main">
+              <a14:hiddenFill xmlns:a14="http://schemas.microsoft.com/office/drawing/2010/main">
                 <a:solidFill>
                   <a:srgbClr val="FFFFFF"/>
                 </a:solidFill>
               </a14:hiddenFill>
             </a:ext>
             <a:ext uri="{91240B29-F687-4f45-9708-019B960494DF}">
-              <a14:hiddenLine xmlns="" xmlns:a14="http://schemas.microsoft.com/office/drawing/2010/main" w="9525">
+              <a14:hiddenLine xmlns:a14="http://schemas.microsoft.com/office/drawing/2010/main" w="9525">
                 <a:solidFill>
                   <a:srgbClr val="000000"/>
                 </a:solidFill>
@@ -7744,14 +7744,14 @@
           </a:ln>
           <a:extLst>
             <a:ext uri="{909E8E84-426E-40dd-AFC4-6F175D3DCCD1}">
-              <a14:hiddenFill xmlns="" xmlns:a14="http://schemas.microsoft.com/office/drawing/2010/main">
+              <a14:hiddenFill xmlns:a14="http://schemas.microsoft.com/office/drawing/2010/main">
                 <a:solidFill>
                   <a:srgbClr val="FFFFFF"/>
                 </a:solidFill>
               </a14:hiddenFill>
             </a:ext>
             <a:ext uri="{91240B29-F687-4f45-9708-019B960494DF}">
-              <a14:hiddenLine xmlns="" xmlns:a14="http://schemas.microsoft.com/office/drawing/2010/main" w="9525">
+              <a14:hiddenLine xmlns:a14="http://schemas.microsoft.com/office/drawing/2010/main" w="9525">
                 <a:solidFill>
                   <a:srgbClr val="000000"/>
                 </a:solidFill>
@@ -8149,7 +8149,7 @@
   <p:clrMapOvr>
     <a:overrideClrMapping bg1="lt1" tx1="dk1" bg2="lt2" tx2="dk2" accent1="accent1" accent2="accent2" accent3="accent3" accent4="accent4" accent5="accent5" accent6="accent6" hlink="hlink" folHlink="folHlink"/>
   </p:clrMapOvr>
-  <p:transition spd="med">
+  <p:transition xmlns:p14="http://schemas.microsoft.com/office/powerpoint/2010/main" spd="med">
     <p:fade/>
   </p:transition>
 </p:sldLayout>
@@ -8242,14 +8242,14 @@
           </a:ln>
           <a:extLst>
             <a:ext uri="{909E8E84-426E-40dd-AFC4-6F175D3DCCD1}">
-              <a14:hiddenFill xmlns="" xmlns:a14="http://schemas.microsoft.com/office/drawing/2010/main">
+              <a14:hiddenFill xmlns:a14="http://schemas.microsoft.com/office/drawing/2010/main">
                 <a:solidFill>
                   <a:srgbClr val="FFFFFF"/>
                 </a:solidFill>
               </a14:hiddenFill>
             </a:ext>
             <a:ext uri="{91240B29-F687-4f45-9708-019B960494DF}">
-              <a14:hiddenLine xmlns="" xmlns:a14="http://schemas.microsoft.com/office/drawing/2010/main" w="9525">
+              <a14:hiddenLine xmlns:a14="http://schemas.microsoft.com/office/drawing/2010/main" w="9525">
                 <a:solidFill>
                   <a:srgbClr val="000000"/>
                 </a:solidFill>
@@ -8271,7 +8271,7 @@
   <p:clrMapOvr>
     <a:masterClrMapping/>
   </p:clrMapOvr>
-  <p:transition spd="med">
+  <p:transition xmlns:p14="http://schemas.microsoft.com/office/powerpoint/2010/main" spd="med">
     <p:fade/>
   </p:transition>
 </p:sldLayout>
@@ -8558,7 +8558,7 @@
   <p:clrMapOvr>
     <a:masterClrMapping/>
   </p:clrMapOvr>
-  <p:transition spd="med">
+  <p:transition xmlns:p14="http://schemas.microsoft.com/office/powerpoint/2010/main" spd="med">
     <p:fade/>
   </p:transition>
 </p:sldLayout>
@@ -8845,7 +8845,7 @@
   <p:clrMapOvr>
     <a:masterClrMapping/>
   </p:clrMapOvr>
-  <p:transition spd="med">
+  <p:transition xmlns:p14="http://schemas.microsoft.com/office/powerpoint/2010/main" spd="med">
     <p:fade/>
   </p:transition>
 </p:sldLayout>
@@ -9194,7 +9194,7 @@
   <p:clrMapOvr>
     <a:masterClrMapping/>
   </p:clrMapOvr>
-  <p:transition spd="med">
+  <p:transition xmlns:p14="http://schemas.microsoft.com/office/powerpoint/2010/main" spd="med">
     <p:fade/>
   </p:transition>
 </p:sldLayout>
@@ -9481,7 +9481,7 @@
   <p:clrMapOvr>
     <a:masterClrMapping/>
   </p:clrMapOvr>
-  <p:transition spd="med">
+  <p:transition xmlns:p14="http://schemas.microsoft.com/office/powerpoint/2010/main" spd="med">
     <p:fade/>
   </p:transition>
 </p:sldLayout>
@@ -9698,14 +9698,14 @@
           </a:ln>
           <a:extLst>
             <a:ext uri="{909E8E84-426E-40dd-AFC4-6F175D3DCCD1}">
-              <a14:hiddenFill xmlns="" xmlns:a14="http://schemas.microsoft.com/office/drawing/2010/main">
+              <a14:hiddenFill xmlns:a14="http://schemas.microsoft.com/office/drawing/2010/main">
                 <a:solidFill>
                   <a:srgbClr val="FFFFFF"/>
                 </a:solidFill>
               </a14:hiddenFill>
             </a:ext>
             <a:ext uri="{91240B29-F687-4f45-9708-019B960494DF}">
-              <a14:hiddenLine xmlns="" xmlns:a14="http://schemas.microsoft.com/office/drawing/2010/main" w="9525">
+              <a14:hiddenLine xmlns:a14="http://schemas.microsoft.com/office/drawing/2010/main" w="9525">
                 <a:solidFill>
                   <a:srgbClr val="000000"/>
                 </a:solidFill>
@@ -9902,7 +9902,7 @@
   <p:clrMapOvr>
     <a:masterClrMapping/>
   </p:clrMapOvr>
-  <p:transition spd="med">
+  <p:transition xmlns:p14="http://schemas.microsoft.com/office/powerpoint/2010/main" spd="med">
     <p:fade/>
   </p:transition>
 </p:sldLayout>
@@ -10190,7 +10190,7 @@
   <p:clrMapOvr>
     <a:masterClrMapping/>
   </p:clrMapOvr>
-  <p:transition spd="med">
+  <p:transition xmlns:p14="http://schemas.microsoft.com/office/powerpoint/2010/main" spd="med">
     <p:fade/>
   </p:transition>
 </p:sldLayout>
@@ -10502,7 +10502,7 @@
   <p:clrMapOvr>
     <a:masterClrMapping/>
   </p:clrMapOvr>
-  <p:transition spd="med">
+  <p:transition xmlns:p14="http://schemas.microsoft.com/office/powerpoint/2010/main" spd="med">
     <p:fade/>
   </p:transition>
 </p:sldLayout>
@@ -10679,7 +10679,7 @@
   <p:clrMapOvr>
     <a:masterClrMapping/>
   </p:clrMapOvr>
-  <p:transition spd="med">
+  <p:transition xmlns:p14="http://schemas.microsoft.com/office/powerpoint/2010/main" spd="med">
     <p:fade/>
   </p:transition>
 </p:sldLayout>
@@ -10983,7 +10983,7 @@
   <p:clrMapOvr>
     <a:masterClrMapping/>
   </p:clrMapOvr>
-  <p:transition spd="med">
+  <p:transition xmlns:p14="http://schemas.microsoft.com/office/powerpoint/2010/main" spd="med">
     <p:fade/>
   </p:transition>
 </p:sldLayout>
@@ -11059,14 +11059,14 @@
           </a:ln>
           <a:extLst>
             <a:ext uri="{909E8E84-426E-40dd-AFC4-6F175D3DCCD1}">
-              <a14:hiddenFill xmlns="" xmlns:a14="http://schemas.microsoft.com/office/drawing/2010/main">
+              <a14:hiddenFill xmlns:a14="http://schemas.microsoft.com/office/drawing/2010/main">
                 <a:solidFill>
                   <a:srgbClr val="FFFFFF"/>
                 </a:solidFill>
               </a14:hiddenFill>
             </a:ext>
             <a:ext uri="{91240B29-F687-4f45-9708-019B960494DF}">
-              <a14:hiddenLine xmlns="" xmlns:a14="http://schemas.microsoft.com/office/drawing/2010/main" w="9525">
+              <a14:hiddenLine xmlns:a14="http://schemas.microsoft.com/office/drawing/2010/main" w="9525">
                 <a:solidFill>
                   <a:srgbClr val="000000"/>
                 </a:solidFill>
@@ -11342,7 +11342,7 @@
   <p:clrMapOvr>
     <a:overrideClrMapping bg1="lt1" tx1="dk1" bg2="lt2" tx2="dk2" accent1="accent1" accent2="accent2" accent3="accent3" accent4="accent4" accent5="accent5" accent6="accent6" hlink="hlink" folHlink="folHlink"/>
   </p:clrMapOvr>
-  <p:transition spd="med">
+  <p:transition xmlns:p14="http://schemas.microsoft.com/office/powerpoint/2010/main" spd="med">
     <p:fade/>
   </p:transition>
 </p:sldLayout>
@@ -11548,7 +11548,7 @@
   <p:clrMapOvr>
     <a:overrideClrMapping bg1="lt1" tx1="dk1" bg2="lt2" tx2="dk2" accent1="accent1" accent2="accent2" accent3="accent3" accent4="accent4" accent5="accent5" accent6="accent6" hlink="hlink" folHlink="folHlink"/>
   </p:clrMapOvr>
-  <p:transition spd="med">
+  <p:transition xmlns:p14="http://schemas.microsoft.com/office/powerpoint/2010/main" spd="med">
     <p:fade/>
   </p:transition>
 </p:sldLayout>
@@ -11624,14 +11624,14 @@
           </a:ln>
           <a:extLst>
             <a:ext uri="{909E8E84-426E-40dd-AFC4-6F175D3DCCD1}">
-              <a14:hiddenFill xmlns="" xmlns:a14="http://schemas.microsoft.com/office/drawing/2010/main">
+              <a14:hiddenFill xmlns:a14="http://schemas.microsoft.com/office/drawing/2010/main">
                 <a:solidFill>
                   <a:srgbClr val="FFFFFF"/>
                 </a:solidFill>
               </a14:hiddenFill>
             </a:ext>
             <a:ext uri="{91240B29-F687-4f45-9708-019B960494DF}">
-              <a14:hiddenLine xmlns="" xmlns:a14="http://schemas.microsoft.com/office/drawing/2010/main" w="9525">
+              <a14:hiddenLine xmlns:a14="http://schemas.microsoft.com/office/drawing/2010/main" w="9525">
                 <a:solidFill>
                   <a:srgbClr val="000000"/>
                 </a:solidFill>
@@ -11914,7 +11914,7 @@
   <p:clrMapOvr>
     <a:overrideClrMapping bg1="lt1" tx1="dk1" bg2="lt2" tx2="dk2" accent1="accent1" accent2="accent2" accent3="accent3" accent4="accent4" accent5="accent5" accent6="accent6" hlink="hlink" folHlink="folHlink"/>
   </p:clrMapOvr>
-  <p:transition spd="med">
+  <p:transition xmlns:p14="http://schemas.microsoft.com/office/powerpoint/2010/main" spd="med">
     <p:fade/>
   </p:transition>
 </p:sldLayout>
@@ -12122,7 +12122,7 @@
   <p:clrMapOvr>
     <a:overrideClrMapping bg1="lt1" tx1="dk1" bg2="lt2" tx2="dk2" accent1="accent1" accent2="accent2" accent3="accent3" accent4="accent4" accent5="accent5" accent6="accent6" hlink="hlink" folHlink="folHlink"/>
   </p:clrMapOvr>
-  <p:transition spd="med">
+  <p:transition xmlns:p14="http://schemas.microsoft.com/office/powerpoint/2010/main" spd="med">
     <p:fade/>
   </p:transition>
 </p:sldLayout>
@@ -12198,14 +12198,14 @@
           </a:ln>
           <a:extLst>
             <a:ext uri="{909E8E84-426E-40dd-AFC4-6F175D3DCCD1}">
-              <a14:hiddenFill xmlns="" xmlns:a14="http://schemas.microsoft.com/office/drawing/2010/main">
+              <a14:hiddenFill xmlns:a14="http://schemas.microsoft.com/office/drawing/2010/main">
                 <a:solidFill>
                   <a:srgbClr val="FFFFFF"/>
                 </a:solidFill>
               </a14:hiddenFill>
             </a:ext>
             <a:ext uri="{91240B29-F687-4f45-9708-019B960494DF}">
-              <a14:hiddenLine xmlns="" xmlns:a14="http://schemas.microsoft.com/office/drawing/2010/main" w="9525">
+              <a14:hiddenLine xmlns:a14="http://schemas.microsoft.com/office/drawing/2010/main" w="9525">
                 <a:solidFill>
                   <a:srgbClr val="000000"/>
                 </a:solidFill>
@@ -12473,7 +12473,7 @@
   <p:clrMapOvr>
     <a:overrideClrMapping bg1="lt1" tx1="dk1" bg2="lt2" tx2="dk2" accent1="accent1" accent2="accent2" accent3="accent3" accent4="accent4" accent5="accent5" accent6="accent6" hlink="hlink" folHlink="folHlink"/>
   </p:clrMapOvr>
-  <p:transition spd="med">
+  <p:transition xmlns:p14="http://schemas.microsoft.com/office/powerpoint/2010/main" spd="med">
     <p:fade/>
   </p:transition>
 </p:sldLayout>
@@ -12701,7 +12701,7 @@
   <p:clrMapOvr>
     <a:overrideClrMapping bg1="lt1" tx1="dk1" bg2="lt2" tx2="dk2" accent1="accent1" accent2="accent2" accent3="accent3" accent4="accent4" accent5="accent5" accent6="accent6" hlink="hlink" folHlink="folHlink"/>
   </p:clrMapOvr>
-  <p:transition spd="med">
+  <p:transition xmlns:p14="http://schemas.microsoft.com/office/powerpoint/2010/main" spd="med">
     <p:fade/>
   </p:transition>
 </p:sldLayout>
@@ -12989,7 +12989,7 @@
   <p:clrMapOvr>
     <a:overrideClrMapping bg1="lt1" tx1="dk1" bg2="lt2" tx2="dk2" accent1="accent1" accent2="accent2" accent3="accent3" accent4="accent4" accent5="accent5" accent6="accent6" hlink="hlink" folHlink="folHlink"/>
   </p:clrMapOvr>
-  <p:transition spd="med">
+  <p:transition xmlns:p14="http://schemas.microsoft.com/office/powerpoint/2010/main" spd="med">
     <p:fade/>
   </p:transition>
 </p:sldLayout>
@@ -13145,14 +13145,14 @@
           </a:ln>
           <a:extLst>
             <a:ext uri="{909E8E84-426E-40dd-AFC4-6F175D3DCCD1}">
-              <a14:hiddenFill xmlns="" xmlns:a14="http://schemas.microsoft.com/office/drawing/2010/main">
+              <a14:hiddenFill xmlns:a14="http://schemas.microsoft.com/office/drawing/2010/main">
                 <a:solidFill>
                   <a:srgbClr val="FFFFFF"/>
                 </a:solidFill>
               </a14:hiddenFill>
             </a:ext>
             <a:ext uri="{91240B29-F687-4f45-9708-019B960494DF}">
-              <a14:hiddenLine xmlns="" xmlns:a14="http://schemas.microsoft.com/office/drawing/2010/main" w="9525">
+              <a14:hiddenLine xmlns:a14="http://schemas.microsoft.com/office/drawing/2010/main" w="9525">
                 <a:solidFill>
                   <a:srgbClr val="000000"/>
                 </a:solidFill>
@@ -13391,13 +13391,13 @@
     <p:sldLayoutId id="2147483841" r:id="rId11"/>
     <p:sldLayoutId id="2147483843" r:id="rId12"/>
   </p:sldLayoutIdLst>
-  <p:transition spd="med">
+  <p:transition xmlns:p14="http://schemas.microsoft.com/office/powerpoint/2010/main" spd="med">
     <p:fade/>
   </p:transition>
   <p:timing>
     <p:tnLst>
       <p:par>
-        <p:cTn id="1" dur="indefinite" restart="never" nodeType="tmRoot"/>
+        <p:cTn xmlns:p14="http://schemas.microsoft.com/office/powerpoint/2010/main" id="1" dur="indefinite" restart="never" nodeType="tmRoot"/>
       </p:par>
     </p:tnLst>
   </p:timing>
@@ -13925,14 +13925,14 @@
           </a:ln>
           <a:extLst>
             <a:ext uri="{909E8E84-426E-40dd-AFC4-6F175D3DCCD1}">
-              <a14:hiddenFill xmlns="" xmlns:a14="http://schemas.microsoft.com/office/drawing/2010/main">
+              <a14:hiddenFill xmlns:a14="http://schemas.microsoft.com/office/drawing/2010/main">
                 <a:solidFill>
                   <a:srgbClr val="FFFFFF"/>
                 </a:solidFill>
               </a14:hiddenFill>
             </a:ext>
             <a:ext uri="{91240B29-F687-4f45-9708-019B960494DF}">
-              <a14:hiddenLine xmlns="" xmlns:a14="http://schemas.microsoft.com/office/drawing/2010/main" w="9525">
+              <a14:hiddenLine xmlns:a14="http://schemas.microsoft.com/office/drawing/2010/main" w="9525">
                 <a:solidFill>
                   <a:srgbClr val="000000"/>
                 </a:solidFill>
@@ -14242,13 +14242,13 @@
     <p:sldLayoutId id="2147483856" r:id="rId7"/>
     <p:sldLayoutId id="2147483866" r:id="rId8"/>
   </p:sldLayoutIdLst>
-  <p:transition spd="med">
+  <p:transition xmlns:p14="http://schemas.microsoft.com/office/powerpoint/2010/main" spd="med">
     <p:fade/>
   </p:transition>
   <p:timing>
     <p:tnLst>
       <p:par>
-        <p:cTn id="1" dur="indefinite" restart="never" nodeType="tmRoot"/>
+        <p:cTn xmlns:p14="http://schemas.microsoft.com/office/powerpoint/2010/main" id="1" dur="indefinite" restart="never" nodeType="tmRoot"/>
       </p:par>
     </p:tnLst>
   </p:timing>
@@ -14746,13 +14746,13 @@
   <p:clrMapOvr>
     <a:masterClrMapping/>
   </p:clrMapOvr>
-  <p:transition spd="med">
+  <p:transition xmlns:p14="http://schemas.microsoft.com/office/powerpoint/2010/main" spd="med">
     <p:fade/>
   </p:transition>
   <p:timing>
     <p:tnLst>
       <p:par>
-        <p:cTn id="1" dur="indefinite" restart="never" nodeType="tmRoot"/>
+        <p:cTn xmlns:p14="http://schemas.microsoft.com/office/powerpoint/2010/main" id="1" dur="indefinite" restart="never" nodeType="tmRoot"/>
       </p:par>
     </p:tnLst>
   </p:timing>
@@ -14963,13 +14963,13 @@
   <p:clrMapOvr>
     <a:masterClrMapping/>
   </p:clrMapOvr>
-  <p:transition spd="med">
+  <p:transition xmlns:p14="http://schemas.microsoft.com/office/powerpoint/2010/main" spd="med">
     <p:fade/>
   </p:transition>
   <p:timing>
     <p:tnLst>
       <p:par>
-        <p:cTn id="1" dur="indefinite" restart="never" nodeType="tmRoot"/>
+        <p:cTn xmlns:p14="http://schemas.microsoft.com/office/powerpoint/2010/main" id="1" dur="indefinite" restart="never" nodeType="tmRoot"/>
       </p:par>
     </p:tnLst>
   </p:timing>
@@ -15232,13 +15232,13 @@
   <p:clrMapOvr>
     <a:masterClrMapping/>
   </p:clrMapOvr>
-  <p:transition spd="med">
+  <p:transition xmlns:p14="http://schemas.microsoft.com/office/powerpoint/2010/main" spd="med">
     <p:fade/>
   </p:transition>
   <p:timing>
     <p:tnLst>
       <p:par>
-        <p:cTn id="1" dur="indefinite" restart="never" nodeType="tmRoot"/>
+        <p:cTn xmlns:p14="http://schemas.microsoft.com/office/powerpoint/2010/main" id="1" dur="indefinite" restart="never" nodeType="tmRoot"/>
       </p:par>
     </p:tnLst>
   </p:timing>
@@ -16137,13 +16137,13 @@
   <p:clrMapOvr>
     <a:masterClrMapping/>
   </p:clrMapOvr>
-  <p:transition spd="med">
+  <p:transition xmlns:p14="http://schemas.microsoft.com/office/powerpoint/2010/main" spd="med">
     <p:fade/>
   </p:transition>
   <p:timing>
     <p:tnLst>
       <p:par>
-        <p:cTn id="1" dur="indefinite" restart="never" nodeType="tmRoot"/>
+        <p:cTn xmlns:p14="http://schemas.microsoft.com/office/powerpoint/2010/main" id="1" dur="indefinite" restart="never" nodeType="tmRoot"/>
       </p:par>
     </p:tnLst>
   </p:timing>
@@ -16833,7 +16833,7 @@
         </p:nvCxnSpPr>
         <p:spPr>
           <a:xfrm>
-            <a:off x="2279374" y="6433999"/>
+            <a:off x="2279374" y="6473278"/>
             <a:ext cx="7036904" cy="0"/>
           </a:xfrm>
           <a:prstGeom prst="line">
@@ -16951,13 +16951,13 @@
   <p:clrMapOvr>
     <a:masterClrMapping/>
   </p:clrMapOvr>
-  <p:transition spd="med">
+  <p:transition xmlns:p14="http://schemas.microsoft.com/office/powerpoint/2010/main" spd="med">
     <p:fade/>
   </p:transition>
   <p:timing>
     <p:tnLst>
       <p:par>
-        <p:cTn id="1" dur="indefinite" restart="never" nodeType="tmRoot"/>
+        <p:cTn xmlns:p14="http://schemas.microsoft.com/office/powerpoint/2010/main" id="1" dur="indefinite" restart="never" nodeType="tmRoot"/>
       </p:par>
     </p:tnLst>
   </p:timing>
@@ -18178,13 +18178,13 @@
   <p:clrMapOvr>
     <a:masterClrMapping/>
   </p:clrMapOvr>
-  <p:transition spd="med">
+  <p:transition xmlns:p14="http://schemas.microsoft.com/office/powerpoint/2010/main" spd="med">
     <p:fade/>
   </p:transition>
   <p:timing>
     <p:tnLst>
       <p:par>
-        <p:cTn id="1" dur="indefinite" restart="never" nodeType="tmRoot"/>
+        <p:cTn xmlns:p14="http://schemas.microsoft.com/office/powerpoint/2010/main" id="1" dur="indefinite" restart="never" nodeType="tmRoot"/>
       </p:par>
     </p:tnLst>
   </p:timing>
@@ -18605,13 +18605,13 @@
   <p:clrMapOvr>
     <a:masterClrMapping/>
   </p:clrMapOvr>
-  <p:transition spd="med">
+  <p:transition xmlns:p14="http://schemas.microsoft.com/office/powerpoint/2010/main" spd="med">
     <p:fade/>
   </p:transition>
   <p:timing>
     <p:tnLst>
       <p:par>
-        <p:cTn id="1" dur="indefinite" restart="never" nodeType="tmRoot"/>
+        <p:cTn xmlns:p14="http://schemas.microsoft.com/office/powerpoint/2010/main" id="1" dur="indefinite" restart="never" nodeType="tmRoot"/>
       </p:par>
     </p:tnLst>
   </p:timing>
@@ -18761,13 +18761,13 @@
   <p:clrMapOvr>
     <a:masterClrMapping/>
   </p:clrMapOvr>
-  <p:transition spd="med">
+  <p:transition xmlns:p14="http://schemas.microsoft.com/office/powerpoint/2010/main" spd="med">
     <p:fade/>
   </p:transition>
   <p:timing>
     <p:tnLst>
       <p:par>
-        <p:cTn id="1" dur="indefinite" restart="never" nodeType="tmRoot"/>
+        <p:cTn xmlns:p14="http://schemas.microsoft.com/office/powerpoint/2010/main" id="1" dur="indefinite" restart="never" nodeType="tmRoot"/>
       </p:par>
     </p:tnLst>
   </p:timing>
@@ -18810,7 +18810,15 @@
           <a:p>
             <a:r>
               <a:rPr lang="en-US" dirty="0" smtClean="0"/>
-              <a:t>These are the Two Things to Test</a:t>
+              <a:t>These are </a:t>
+            </a:r>
+            <a:r>
+              <a:rPr lang="en-US" smtClean="0"/>
+              <a:t>the Three Things </a:t>
+            </a:r>
+            <a:r>
+              <a:rPr lang="en-US" dirty="0" smtClean="0"/>
+              <a:t>to Test</a:t>
             </a:r>
             <a:endParaRPr lang="en-US" dirty="0"/>
           </a:p>
@@ -19065,13 +19073,13 @@
   <p:clrMapOvr>
     <a:masterClrMapping/>
   </p:clrMapOvr>
-  <p:transition spd="med">
+  <p:transition xmlns:p14="http://schemas.microsoft.com/office/powerpoint/2010/main" spd="med">
     <p:fade/>
   </p:transition>
   <p:timing>
     <p:tnLst>
       <p:par>
-        <p:cTn id="1" dur="indefinite" restart="never" nodeType="tmRoot"/>
+        <p:cTn xmlns:p14="http://schemas.microsoft.com/office/powerpoint/2010/main" id="1" dur="indefinite" restart="never" nodeType="tmRoot"/>
       </p:par>
     </p:tnLst>
   </p:timing>
@@ -19287,13 +19295,13 @@
   <p:clrMapOvr>
     <a:masterClrMapping/>
   </p:clrMapOvr>
-  <p:transition spd="med">
+  <p:transition xmlns:p14="http://schemas.microsoft.com/office/powerpoint/2010/main" spd="med">
     <p:fade/>
   </p:transition>
   <p:timing>
     <p:tnLst>
       <p:par>
-        <p:cTn id="1" dur="indefinite" restart="never" nodeType="tmRoot"/>
+        <p:cTn xmlns:p14="http://schemas.microsoft.com/office/powerpoint/2010/main" id="1" dur="indefinite" restart="never" nodeType="tmRoot"/>
       </p:par>
     </p:tnLst>
   </p:timing>
@@ -19776,13 +19784,13 @@
   <p:clrMapOvr>
     <a:masterClrMapping/>
   </p:clrMapOvr>
-  <p:transition spd="med">
+  <p:transition xmlns:p14="http://schemas.microsoft.com/office/powerpoint/2010/main" spd="med">
     <p:fade/>
   </p:transition>
   <p:timing>
     <p:tnLst>
       <p:par>
-        <p:cTn id="1" dur="indefinite" restart="never" nodeType="tmRoot"/>
+        <p:cTn xmlns:p14="http://schemas.microsoft.com/office/powerpoint/2010/main" id="1" dur="indefinite" restart="never" nodeType="tmRoot"/>
       </p:par>
     </p:tnLst>
   </p:timing>
@@ -19864,13 +19872,13 @@
   <p:clrMapOvr>
     <a:masterClrMapping/>
   </p:clrMapOvr>
-  <p:transition spd="med">
+  <p:transition xmlns:p14="http://schemas.microsoft.com/office/powerpoint/2010/main" spd="med">
     <p:fade/>
   </p:transition>
   <p:timing>
     <p:tnLst>
       <p:par>
-        <p:cTn id="1" dur="indefinite" restart="never" nodeType="tmRoot"/>
+        <p:cTn xmlns:p14="http://schemas.microsoft.com/office/powerpoint/2010/main" id="1" dur="indefinite" restart="never" nodeType="tmRoot"/>
       </p:par>
     </p:tnLst>
   </p:timing>
@@ -20572,13 +20580,13 @@
   <p:clrMapOvr>
     <a:masterClrMapping/>
   </p:clrMapOvr>
-  <p:transition spd="med">
+  <p:transition xmlns:p14="http://schemas.microsoft.com/office/powerpoint/2010/main" spd="med">
     <p:fade/>
   </p:transition>
   <p:timing>
     <p:tnLst>
       <p:par>
-        <p:cTn id="1" dur="indefinite" restart="never" nodeType="tmRoot"/>
+        <p:cTn xmlns:p14="http://schemas.microsoft.com/office/powerpoint/2010/main" id="1" dur="indefinite" restart="never" nodeType="tmRoot"/>
       </p:par>
     </p:tnLst>
   </p:timing>
@@ -20754,13 +20762,13 @@
   <p:clrMapOvr>
     <a:masterClrMapping/>
   </p:clrMapOvr>
-  <p:transition spd="med">
+  <p:transition xmlns:p14="http://schemas.microsoft.com/office/powerpoint/2010/main" spd="med">
     <p:fade/>
   </p:transition>
   <p:timing>
     <p:tnLst>
       <p:par>
-        <p:cTn id="1" dur="indefinite" restart="never" nodeType="tmRoot"/>
+        <p:cTn xmlns:p14="http://schemas.microsoft.com/office/powerpoint/2010/main" id="1" dur="indefinite" restart="never" nodeType="tmRoot"/>
       </p:par>
     </p:tnLst>
   </p:timing>
@@ -20910,13 +20918,13 @@
   <p:clrMapOvr>
     <a:masterClrMapping/>
   </p:clrMapOvr>
-  <p:transition spd="med">
+  <p:transition xmlns:p14="http://schemas.microsoft.com/office/powerpoint/2010/main" spd="med">
     <p:fade/>
   </p:transition>
   <p:timing>
     <p:tnLst>
       <p:par>
-        <p:cTn id="1" dur="indefinite" restart="never" nodeType="tmRoot"/>
+        <p:cTn xmlns:p14="http://schemas.microsoft.com/office/powerpoint/2010/main" id="1" dur="indefinite" restart="never" nodeType="tmRoot"/>
       </p:par>
     </p:tnLst>
   </p:timing>
@@ -21086,13 +21094,13 @@
   <p:clrMapOvr>
     <a:masterClrMapping/>
   </p:clrMapOvr>
-  <p:transition spd="med">
+  <p:transition xmlns:p14="http://schemas.microsoft.com/office/powerpoint/2010/main" spd="med">
     <p:fade/>
   </p:transition>
   <p:timing>
     <p:tnLst>
       <p:par>
-        <p:cTn id="1" dur="indefinite" restart="never" nodeType="tmRoot"/>
+        <p:cTn xmlns:p14="http://schemas.microsoft.com/office/powerpoint/2010/main" id="1" dur="indefinite" restart="never" nodeType="tmRoot"/>
       </p:par>
     </p:tnLst>
   </p:timing>
@@ -21347,13 +21355,13 @@
   <p:clrMapOvr>
     <a:masterClrMapping/>
   </p:clrMapOvr>
-  <p:transition spd="med">
+  <p:transition xmlns:p14="http://schemas.microsoft.com/office/powerpoint/2010/main" spd="med">
     <p:fade/>
   </p:transition>
   <p:timing>
     <p:tnLst>
       <p:par>
-        <p:cTn id="1" dur="indefinite" restart="never" nodeType="tmRoot"/>
+        <p:cTn xmlns:p14="http://schemas.microsoft.com/office/powerpoint/2010/main" id="1" dur="indefinite" restart="never" nodeType="tmRoot"/>
       </p:par>
     </p:tnLst>
   </p:timing>
@@ -21862,13 +21870,13 @@
   <p:clrMapOvr>
     <a:masterClrMapping/>
   </p:clrMapOvr>
-  <p:transition spd="med">
+  <p:transition xmlns:p14="http://schemas.microsoft.com/office/powerpoint/2010/main" spd="med">
     <p:fade/>
   </p:transition>
   <p:timing>
     <p:tnLst>
       <p:par>
-        <p:cTn id="1" dur="indefinite" restart="never" nodeType="tmRoot"/>
+        <p:cTn xmlns:p14="http://schemas.microsoft.com/office/powerpoint/2010/main" id="1" dur="indefinite" restart="never" nodeType="tmRoot"/>
       </p:par>
     </p:tnLst>
   </p:timing>
@@ -22015,13 +22023,13 @@
   <p:clrMapOvr>
     <a:masterClrMapping/>
   </p:clrMapOvr>
-  <p:transition spd="med">
+  <p:transition xmlns:p14="http://schemas.microsoft.com/office/powerpoint/2010/main" spd="med">
     <p:fade/>
   </p:transition>
   <p:timing>
     <p:tnLst>
       <p:par>
-        <p:cTn id="1" dur="indefinite" restart="never" nodeType="tmRoot"/>
+        <p:cTn xmlns:p14="http://schemas.microsoft.com/office/powerpoint/2010/main" id="1" dur="indefinite" restart="never" nodeType="tmRoot"/>
       </p:par>
     </p:tnLst>
   </p:timing>
@@ -22267,13 +22275,13 @@
   <p:clrMapOvr>
     <a:masterClrMapping/>
   </p:clrMapOvr>
-  <p:transition spd="med">
+  <p:transition xmlns:p14="http://schemas.microsoft.com/office/powerpoint/2010/main" spd="med">
     <p:fade/>
   </p:transition>
   <p:timing>
     <p:tnLst>
       <p:par>
-        <p:cTn id="1" dur="indefinite" restart="never" nodeType="tmRoot"/>
+        <p:cTn xmlns:p14="http://schemas.microsoft.com/office/powerpoint/2010/main" id="1" dur="indefinite" restart="never" nodeType="tmRoot"/>
       </p:par>
     </p:tnLst>
   </p:timing>
@@ -22440,13 +22448,13 @@
   <p:clrMapOvr>
     <a:masterClrMapping/>
   </p:clrMapOvr>
-  <p:transition spd="med">
+  <p:transition xmlns:p14="http://schemas.microsoft.com/office/powerpoint/2010/main" spd="med">
     <p:fade/>
   </p:transition>
   <p:timing>
     <p:tnLst>
       <p:par>
-        <p:cTn id="1" dur="indefinite" restart="never" nodeType="tmRoot"/>
+        <p:cTn xmlns:p14="http://schemas.microsoft.com/office/powerpoint/2010/main" id="1" dur="indefinite" restart="never" nodeType="tmRoot"/>
       </p:par>
     </p:tnLst>
   </p:timing>
@@ -22596,13 +22604,13 @@
   <p:clrMapOvr>
     <a:masterClrMapping/>
   </p:clrMapOvr>
-  <p:transition spd="med">
+  <p:transition xmlns:p14="http://schemas.microsoft.com/office/powerpoint/2010/main" spd="med">
     <p:fade/>
   </p:transition>
   <p:timing>
     <p:tnLst>
       <p:par>
-        <p:cTn id="1" dur="indefinite" restart="never" nodeType="tmRoot"/>
+        <p:cTn xmlns:p14="http://schemas.microsoft.com/office/powerpoint/2010/main" id="1" dur="indefinite" restart="never" nodeType="tmRoot"/>
       </p:par>
     </p:tnLst>
   </p:timing>
@@ -22725,13 +22733,13 @@
   <p:clrMapOvr>
     <a:masterClrMapping/>
   </p:clrMapOvr>
-  <p:transition spd="med">
+  <p:transition xmlns:p14="http://schemas.microsoft.com/office/powerpoint/2010/main" spd="med">
     <p:fade/>
   </p:transition>
   <p:timing>
     <p:tnLst>
       <p:par>
-        <p:cTn id="1" dur="indefinite" restart="never" nodeType="tmRoot"/>
+        <p:cTn xmlns:p14="http://schemas.microsoft.com/office/powerpoint/2010/main" id="1" dur="indefinite" restart="never" nodeType="tmRoot"/>
       </p:par>
     </p:tnLst>
   </p:timing>
@@ -22925,13 +22933,13 @@
   <p:clrMapOvr>
     <a:masterClrMapping/>
   </p:clrMapOvr>
-  <p:transition spd="med">
+  <p:transition xmlns:p14="http://schemas.microsoft.com/office/powerpoint/2010/main" spd="med">
     <p:fade/>
   </p:transition>
   <p:timing>
     <p:tnLst>
       <p:par>
-        <p:cTn id="1" dur="indefinite" restart="never" nodeType="tmRoot"/>
+        <p:cTn xmlns:p14="http://schemas.microsoft.com/office/powerpoint/2010/main" id="1" dur="indefinite" restart="never" nodeType="tmRoot"/>
       </p:par>
     </p:tnLst>
   </p:timing>
@@ -23173,13 +23181,13 @@
   <p:clrMapOvr>
     <a:masterClrMapping/>
   </p:clrMapOvr>
-  <p:transition spd="med">
+  <p:transition xmlns:p14="http://schemas.microsoft.com/office/powerpoint/2010/main" spd="med">
     <p:fade/>
   </p:transition>
   <p:timing>
     <p:tnLst>
       <p:par>
-        <p:cTn id="1" dur="indefinite" restart="never" nodeType="tmRoot"/>
+        <p:cTn xmlns:p14="http://schemas.microsoft.com/office/powerpoint/2010/main" id="1" dur="indefinite" restart="never" nodeType="tmRoot"/>
       </p:par>
     </p:tnLst>
   </p:timing>
@@ -23444,13 +23452,13 @@
   <p:clrMapOvr>
     <a:masterClrMapping/>
   </p:clrMapOvr>
-  <p:transition spd="med">
+  <p:transition xmlns:p14="http://schemas.microsoft.com/office/powerpoint/2010/main" spd="med">
     <p:fade/>
   </p:transition>
   <p:timing>
     <p:tnLst>
       <p:par>
-        <p:cTn id="1" dur="indefinite" restart="never" nodeType="tmRoot"/>
+        <p:cTn xmlns:p14="http://schemas.microsoft.com/office/powerpoint/2010/main" id="1" dur="indefinite" restart="never" nodeType="tmRoot"/>
       </p:par>
     </p:tnLst>
   </p:timing>
@@ -23687,13 +23695,13 @@
   <p:clrMapOvr>
     <a:masterClrMapping/>
   </p:clrMapOvr>
-  <p:transition spd="med">
+  <p:transition xmlns:p14="http://schemas.microsoft.com/office/powerpoint/2010/main" spd="med">
     <p:fade/>
   </p:transition>
   <p:timing>
     <p:tnLst>
       <p:par>
-        <p:cTn id="1" dur="indefinite" restart="never" nodeType="tmRoot"/>
+        <p:cTn xmlns:p14="http://schemas.microsoft.com/office/powerpoint/2010/main" id="1" dur="indefinite" restart="never" nodeType="tmRoot"/>
       </p:par>
     </p:tnLst>
   </p:timing>
@@ -23930,13 +23938,13 @@
   <p:clrMapOvr>
     <a:masterClrMapping/>
   </p:clrMapOvr>
-  <p:transition spd="med">
+  <p:transition xmlns:p14="http://schemas.microsoft.com/office/powerpoint/2010/main" spd="med">
     <p:fade/>
   </p:transition>
   <p:timing>
     <p:tnLst>
       <p:par>
-        <p:cTn id="1" dur="indefinite" restart="never" nodeType="tmRoot"/>
+        <p:cTn xmlns:p14="http://schemas.microsoft.com/office/powerpoint/2010/main" id="1" dur="indefinite" restart="never" nodeType="tmRoot"/>
       </p:par>
     </p:tnLst>
   </p:timing>
@@ -24101,13 +24109,13 @@
   <p:clrMapOvr>
     <a:masterClrMapping/>
   </p:clrMapOvr>
-  <p:transition spd="med">
+  <p:transition xmlns:p14="http://schemas.microsoft.com/office/powerpoint/2010/main" spd="med">
     <p:fade/>
   </p:transition>
   <p:timing>
     <p:tnLst>
       <p:par>
-        <p:cTn id="1" dur="indefinite" restart="never" nodeType="tmRoot"/>
+        <p:cTn xmlns:p14="http://schemas.microsoft.com/office/powerpoint/2010/main" id="1" dur="indefinite" restart="never" nodeType="tmRoot"/>
       </p:par>
     </p:tnLst>
   </p:timing>
@@ -24306,13 +24314,13 @@
   <p:clrMapOvr>
     <a:masterClrMapping/>
   </p:clrMapOvr>
-  <p:transition spd="med">
+  <p:transition xmlns:p14="http://schemas.microsoft.com/office/powerpoint/2010/main" spd="med">
     <p:fade/>
   </p:transition>
   <p:timing>
     <p:tnLst>
       <p:par>
-        <p:cTn id="1" dur="indefinite" restart="never" nodeType="tmRoot"/>
+        <p:cTn xmlns:p14="http://schemas.microsoft.com/office/powerpoint/2010/main" id="1" dur="indefinite" restart="never" nodeType="tmRoot"/>
       </p:par>
     </p:tnLst>
   </p:timing>
@@ -24442,13 +24450,13 @@
   <p:clrMapOvr>
     <a:masterClrMapping/>
   </p:clrMapOvr>
-  <p:transition spd="med">
+  <p:transition xmlns:p14="http://schemas.microsoft.com/office/powerpoint/2010/main" spd="med">
     <p:fade/>
   </p:transition>
   <p:timing>
     <p:tnLst>
       <p:par>
-        <p:cTn id="1" dur="indefinite" restart="never" nodeType="tmRoot"/>
+        <p:cTn xmlns:p14="http://schemas.microsoft.com/office/powerpoint/2010/main" id="1" dur="indefinite" restart="never" nodeType="tmRoot"/>
       </p:par>
     </p:tnLst>
   </p:timing>
@@ -24530,13 +24538,13 @@
   <p:clrMapOvr>
     <a:masterClrMapping/>
   </p:clrMapOvr>
-  <p:transition spd="med">
+  <p:transition xmlns:p14="http://schemas.microsoft.com/office/powerpoint/2010/main" spd="med">
     <p:fade/>
   </p:transition>
   <p:timing>
     <p:tnLst>
       <p:par>
-        <p:cTn id="1" dur="indefinite" restart="never" nodeType="tmRoot"/>
+        <p:cTn xmlns:p14="http://schemas.microsoft.com/office/powerpoint/2010/main" id="1" dur="indefinite" restart="never" nodeType="tmRoot"/>
       </p:par>
     </p:tnLst>
   </p:timing>
@@ -24700,13 +24708,13 @@
   <p:clrMapOvr>
     <a:masterClrMapping/>
   </p:clrMapOvr>
-  <p:transition spd="med">
+  <p:transition xmlns:p14="http://schemas.microsoft.com/office/powerpoint/2010/main" spd="med">
     <p:fade/>
   </p:transition>
   <p:timing>
     <p:tnLst>
       <p:par>
-        <p:cTn id="1" dur="indefinite" restart="never" nodeType="tmRoot"/>
+        <p:cTn xmlns:p14="http://schemas.microsoft.com/office/powerpoint/2010/main" id="1" dur="indefinite" restart="never" nodeType="tmRoot"/>
       </p:par>
     </p:tnLst>
   </p:timing>
@@ -25490,13 +25498,13 @@
   <p:clrMapOvr>
     <a:masterClrMapping/>
   </p:clrMapOvr>
-  <p:transition spd="med">
+  <p:transition xmlns:p14="http://schemas.microsoft.com/office/powerpoint/2010/main" spd="med">
     <p:fade/>
   </p:transition>
   <p:timing>
     <p:tnLst>
       <p:par>
-        <p:cTn id="1" dur="indefinite" restart="never" nodeType="tmRoot"/>
+        <p:cTn xmlns:p14="http://schemas.microsoft.com/office/powerpoint/2010/main" id="1" dur="indefinite" restart="never" nodeType="tmRoot"/>
       </p:par>
     </p:tnLst>
   </p:timing>
@@ -25530,13 +25538,13 @@
   <p:clrMapOvr>
     <a:masterClrMapping/>
   </p:clrMapOvr>
-  <p:transition spd="med">
+  <p:transition xmlns:p14="http://schemas.microsoft.com/office/powerpoint/2010/main" spd="med">
     <p:fade/>
   </p:transition>
   <p:timing>
     <p:tnLst>
       <p:par>
-        <p:cTn id="1" dur="indefinite" restart="never" nodeType="tmRoot"/>
+        <p:cTn xmlns:p14="http://schemas.microsoft.com/office/powerpoint/2010/main" id="1" dur="indefinite" restart="never" nodeType="tmRoot"/>
       </p:par>
     </p:tnLst>
   </p:timing>
@@ -26617,13 +26625,13 @@
   <p:clrMapOvr>
     <a:masterClrMapping/>
   </p:clrMapOvr>
-  <p:transition spd="med">
+  <p:transition xmlns:p14="http://schemas.microsoft.com/office/powerpoint/2010/main" spd="med">
     <p:fade/>
   </p:transition>
   <p:timing>
     <p:tnLst>
       <p:par>
-        <p:cTn id="1" dur="indefinite" restart="never" nodeType="tmRoot"/>
+        <p:cTn xmlns:p14="http://schemas.microsoft.com/office/powerpoint/2010/main" id="1" dur="indefinite" restart="never" nodeType="tmRoot"/>
       </p:par>
     </p:tnLst>
   </p:timing>
@@ -28227,9 +28235,16 @@
   <p:clrMapOvr>
     <a:masterClrMapping/>
   </p:clrMapOvr>
-  <p:transition spd="med">
+  <p:transition xmlns:p14="http://schemas.microsoft.com/office/powerpoint/2010/main" spd="med">
     <p:fade/>
   </p:transition>
+  <p:timing>
+    <p:tnLst>
+      <p:par>
+        <p:cTn xmlns:p14="http://schemas.microsoft.com/office/powerpoint/2010/main" id="1" dur="indefinite" restart="never" nodeType="tmRoot"/>
+      </p:par>
+    </p:tnLst>
+  </p:timing>
 </p:sld>
 </file>
 
@@ -28693,13 +28708,13 @@
   <p:clrMapOvr>
     <a:masterClrMapping/>
   </p:clrMapOvr>
-  <p:transition spd="med">
+  <p:transition xmlns:p14="http://schemas.microsoft.com/office/powerpoint/2010/main" spd="med">
     <p:fade/>
   </p:transition>
   <p:timing>
     <p:tnLst>
       <p:par>
-        <p:cTn id="1" dur="indefinite" restart="never" nodeType="tmRoot"/>
+        <p:cTn xmlns:p14="http://schemas.microsoft.com/office/powerpoint/2010/main" id="1" dur="indefinite" restart="never" nodeType="tmRoot"/>
       </p:par>
     </p:tnLst>
   </p:timing>
@@ -29893,13 +29908,13 @@
   <p:clrMapOvr>
     <a:masterClrMapping/>
   </p:clrMapOvr>
-  <p:transition spd="med">
+  <p:transition xmlns:p14="http://schemas.microsoft.com/office/powerpoint/2010/main" spd="med">
     <p:fade/>
   </p:transition>
   <p:timing>
     <p:tnLst>
       <p:par>
-        <p:cTn id="1" dur="indefinite" restart="never" nodeType="tmRoot"/>
+        <p:cTn xmlns:p14="http://schemas.microsoft.com/office/powerpoint/2010/main" id="1" dur="indefinite" restart="never" nodeType="tmRoot"/>
       </p:par>
     </p:tnLst>
   </p:timing>
@@ -30046,13 +30061,13 @@
   <p:clrMapOvr>
     <a:masterClrMapping/>
   </p:clrMapOvr>
-  <p:transition spd="med">
+  <p:transition xmlns:p14="http://schemas.microsoft.com/office/powerpoint/2010/main" spd="med">
     <p:fade/>
   </p:transition>
   <p:timing>
     <p:tnLst>
       <p:par>
-        <p:cTn id="1" dur="indefinite" restart="never" nodeType="tmRoot"/>
+        <p:cTn xmlns:p14="http://schemas.microsoft.com/office/powerpoint/2010/main" id="1" dur="indefinite" restart="never" nodeType="tmRoot"/>
       </p:par>
     </p:tnLst>
   </p:timing>
@@ -30435,7 +30450,7 @@
   <a:extraClrSchemeLst/>
   <a:extLst>
     <a:ext uri="{05A4C25C-085E-4340-85A3-A5531E510DB2}">
-      <thm15:themeFamily xmlns:thm15="http://schemas.microsoft.com/office/thememl/2012/main" name="Chef-TemplateComps_v09-16x9-Light.potx" id="{078CEFDB-FA7A-4E36-9964-13EF367585CB}" vid="{8B87B0F3-7308-43D5-8388-E1B49EA02652}"/>
+      <thm15:themeFamily xmlns="" xmlns:thm15="http://schemas.microsoft.com/office/thememl/2012/main" name="Chef-TemplateComps_v09-16x9-Light.potx" id="{078CEFDB-FA7A-4E36-9964-13EF367585CB}" vid="{8B87B0F3-7308-43D5-8388-E1B49EA02652}"/>
     </a:ext>
   </a:extLst>
 </a:theme>
@@ -30817,7 +30832,7 @@
   <a:extraClrSchemeLst/>
   <a:extLst>
     <a:ext uri="{05A4C25C-085E-4340-85A3-A5531E510DB2}">
-      <thm15:themeFamily xmlns:thm15="http://schemas.microsoft.com/office/thememl/2012/main" name="Chef-TemplateComps_v09-16x9-Light.potx" id="{078CEFDB-FA7A-4E36-9964-13EF367585CB}" vid="{8B87B0F3-7308-43D5-8388-E1B49EA02652}"/>
+      <thm15:themeFamily xmlns="" xmlns:thm15="http://schemas.microsoft.com/office/thememl/2012/main" name="Chef-TemplateComps_v09-16x9-Light.potx" id="{078CEFDB-FA7A-4E36-9964-13EF367585CB}" vid="{8B87B0F3-7308-43D5-8388-E1B49EA02652}"/>
     </a:ext>
   </a:extLst>
 </a:theme>

--- a/05-faster_feedback_with_unit_testing.pptx
+++ b/05-faster_feedback_with_unit_testing.pptx
@@ -182,7 +182,7 @@
   </p:defaultTextStyle>
   <p:extLst>
     <p:ext uri="{EFAFB233-063F-42B5-8137-9DF3F51BA10A}">
-      <p15:sldGuideLst xmlns="" xmlns:p15="http://schemas.microsoft.com/office/powerpoint/2012/main">
+      <p15:sldGuideLst xmlns:p15="http://schemas.microsoft.com/office/powerpoint/2012/main">
         <p15:guide id="1" orient="horz" pos="894">
           <p15:clr>
             <a:srgbClr val="A4A3A4"/>
@@ -196,7 +196,7 @@
       </p15:sldGuideLst>
     </p:ext>
     <p:ext uri="{2D200454-40CA-4A62-9FC3-DE9A4176ACB9}">
-      <p15:notesGuideLst xmlns="" xmlns:p15="http://schemas.microsoft.com/office/powerpoint/2012/main"/>
+      <p15:notesGuideLst xmlns:p15="http://schemas.microsoft.com/office/powerpoint/2012/main"/>
     </p:ext>
   </p:extLst>
 </p:presentation>
@@ -313,7 +313,7 @@
               <a:pPr>
                 <a:defRPr/>
               </a:pPr>
-              <a:t>5/10/16</a:t>
+              <a:t>2016-08-29</a:t>
             </a:fld>
             <a:endParaRPr lang="en-US" dirty="0"/>
           </a:p>
@@ -496,7 +496,7 @@
               <a:pPr>
                 <a:defRPr/>
               </a:pPr>
-              <a:t>5/10/16</a:t>
+              <a:t>2016-08-29</a:t>
             </a:fld>
             <a:endParaRPr lang="en-US" dirty="0"/>
           </a:p>
@@ -1275,11 +1275,15 @@
             </a:r>
             <a:r>
               <a:rPr lang="en-US" baseline="0" dirty="0" err="1" smtClean="0"/>
-              <a:t>ServerSpec</a:t>
+              <a:t>InSpec</a:t>
             </a:r>
             <a:r>
               <a:rPr lang="en-US" baseline="0" dirty="0" smtClean="0"/>
-              <a:t> is built. </a:t>
+              <a:t> is </a:t>
+            </a:r>
+            <a:r>
+              <a:rPr lang="en-US" baseline="0" dirty="0" smtClean="0"/>
+              <a:t>built. </a:t>
             </a:r>
             <a:r>
               <a:rPr lang="en-US" baseline="0" dirty="0" err="1" smtClean="0"/>
@@ -6617,11 +6621,15 @@
             </a:r>
             <a:r>
               <a:rPr lang="en-US" baseline="0" dirty="0" err="1" smtClean="0"/>
-              <a:t>ServerSpec</a:t>
+              <a:t>InSpec</a:t>
             </a:r>
             <a:r>
               <a:rPr lang="en-US" baseline="0" dirty="0" smtClean="0"/>
-              <a:t> is built on top of RSpec; relying on it to provide the core framework and language. The benefit to us is that a lot of the same language constructs are employed.</a:t>
+              <a:t> is </a:t>
+            </a:r>
+            <a:r>
+              <a:rPr lang="en-US" baseline="0" dirty="0" smtClean="0"/>
+              <a:t>built on top of RSpec; relying on it to provide the core framework and language. The benefit to us is that a lot of the same language constructs are employed.</a:t>
             </a:r>
           </a:p>
         </p:txBody>
@@ -6911,11 +6919,15 @@
             </a:r>
             <a:r>
               <a:rPr lang="en-US" baseline="0" dirty="0" err="1" smtClean="0"/>
-              <a:t>ServerSpec</a:t>
+              <a:t>InSpec</a:t>
             </a:r>
             <a:r>
               <a:rPr lang="en-US" baseline="0" dirty="0" smtClean="0"/>
-              <a:t>, executed through Test Kitchen to ensure the recipes we write behave as we expect on the test instances we define. The benefit of writing tests focused around the Resource Collection will allow us to gain feedback quickly and build a better development workflow.</a:t>
+              <a:t>, </a:t>
+            </a:r>
+            <a:r>
+              <a:rPr lang="en-US" baseline="0" dirty="0" smtClean="0"/>
+              <a:t>executed through Test Kitchen to ensure the recipes we write behave as we expect on the test instances we define. The benefit of writing tests focused around the Resource Collection will allow us to gain feedback quickly and build a better development workflow.</a:t>
             </a:r>
           </a:p>
           <a:p>
@@ -7161,7 +7173,7 @@
   <p:clrMapOvr>
     <a:masterClrMapping/>
   </p:clrMapOvr>
-  <p:transition xmlns:p14="http://schemas.microsoft.com/office/powerpoint/2010/main" spd="med">
+  <p:transition spd="med">
     <p:fade/>
   </p:transition>
 </p:sldLayout>
@@ -7456,7 +7468,7 @@
   <p:clrMapOvr>
     <a:overrideClrMapping bg1="lt1" tx1="dk1" bg2="lt2" tx2="dk2" accent1="accent1" accent2="accent2" accent3="accent3" accent4="accent4" accent5="accent5" accent6="accent6" hlink="hlink" folHlink="folHlink"/>
   </p:clrMapOvr>
-  <p:transition xmlns:p14="http://schemas.microsoft.com/office/powerpoint/2010/main" spd="med">
+  <p:transition spd="med">
     <p:fade/>
   </p:transition>
 </p:sldLayout>
@@ -7589,14 +7601,14 @@
           </a:ln>
           <a:extLst>
             <a:ext uri="{909E8E84-426E-40dd-AFC4-6F175D3DCCD1}">
-              <a14:hiddenFill xmlns:a14="http://schemas.microsoft.com/office/drawing/2010/main">
+              <a14:hiddenFill xmlns:a14="http://schemas.microsoft.com/office/drawing/2010/main" xmlns="">
                 <a:solidFill>
                   <a:srgbClr val="FFFFFF"/>
                 </a:solidFill>
               </a14:hiddenFill>
             </a:ext>
             <a:ext uri="{91240B29-F687-4f45-9708-019B960494DF}">
-              <a14:hiddenLine xmlns:a14="http://schemas.microsoft.com/office/drawing/2010/main" w="9525">
+              <a14:hiddenLine xmlns:a14="http://schemas.microsoft.com/office/drawing/2010/main" xmlns="" w="9525">
                 <a:solidFill>
                   <a:srgbClr val="000000"/>
                 </a:solidFill>
@@ -7744,14 +7756,14 @@
           </a:ln>
           <a:extLst>
             <a:ext uri="{909E8E84-426E-40dd-AFC4-6F175D3DCCD1}">
-              <a14:hiddenFill xmlns:a14="http://schemas.microsoft.com/office/drawing/2010/main">
+              <a14:hiddenFill xmlns:a14="http://schemas.microsoft.com/office/drawing/2010/main" xmlns="">
                 <a:solidFill>
                   <a:srgbClr val="FFFFFF"/>
                 </a:solidFill>
               </a14:hiddenFill>
             </a:ext>
             <a:ext uri="{91240B29-F687-4f45-9708-019B960494DF}">
-              <a14:hiddenLine xmlns:a14="http://schemas.microsoft.com/office/drawing/2010/main" w="9525">
+              <a14:hiddenLine xmlns:a14="http://schemas.microsoft.com/office/drawing/2010/main" xmlns="" w="9525">
                 <a:solidFill>
                   <a:srgbClr val="000000"/>
                 </a:solidFill>
@@ -8149,7 +8161,7 @@
   <p:clrMapOvr>
     <a:overrideClrMapping bg1="lt1" tx1="dk1" bg2="lt2" tx2="dk2" accent1="accent1" accent2="accent2" accent3="accent3" accent4="accent4" accent5="accent5" accent6="accent6" hlink="hlink" folHlink="folHlink"/>
   </p:clrMapOvr>
-  <p:transition xmlns:p14="http://schemas.microsoft.com/office/powerpoint/2010/main" spd="med">
+  <p:transition spd="med">
     <p:fade/>
   </p:transition>
 </p:sldLayout>
@@ -8242,14 +8254,14 @@
           </a:ln>
           <a:extLst>
             <a:ext uri="{909E8E84-426E-40dd-AFC4-6F175D3DCCD1}">
-              <a14:hiddenFill xmlns:a14="http://schemas.microsoft.com/office/drawing/2010/main">
+              <a14:hiddenFill xmlns:a14="http://schemas.microsoft.com/office/drawing/2010/main" xmlns="">
                 <a:solidFill>
                   <a:srgbClr val="FFFFFF"/>
                 </a:solidFill>
               </a14:hiddenFill>
             </a:ext>
             <a:ext uri="{91240B29-F687-4f45-9708-019B960494DF}">
-              <a14:hiddenLine xmlns:a14="http://schemas.microsoft.com/office/drawing/2010/main" w="9525">
+              <a14:hiddenLine xmlns:a14="http://schemas.microsoft.com/office/drawing/2010/main" xmlns="" w="9525">
                 <a:solidFill>
                   <a:srgbClr val="000000"/>
                 </a:solidFill>
@@ -8271,7 +8283,7 @@
   <p:clrMapOvr>
     <a:masterClrMapping/>
   </p:clrMapOvr>
-  <p:transition xmlns:p14="http://schemas.microsoft.com/office/powerpoint/2010/main" spd="med">
+  <p:transition spd="med">
     <p:fade/>
   </p:transition>
 </p:sldLayout>
@@ -8558,7 +8570,7 @@
   <p:clrMapOvr>
     <a:masterClrMapping/>
   </p:clrMapOvr>
-  <p:transition xmlns:p14="http://schemas.microsoft.com/office/powerpoint/2010/main" spd="med">
+  <p:transition spd="med">
     <p:fade/>
   </p:transition>
 </p:sldLayout>
@@ -8845,7 +8857,7 @@
   <p:clrMapOvr>
     <a:masterClrMapping/>
   </p:clrMapOvr>
-  <p:transition xmlns:p14="http://schemas.microsoft.com/office/powerpoint/2010/main" spd="med">
+  <p:transition spd="med">
     <p:fade/>
   </p:transition>
 </p:sldLayout>
@@ -9194,7 +9206,7 @@
   <p:clrMapOvr>
     <a:masterClrMapping/>
   </p:clrMapOvr>
-  <p:transition xmlns:p14="http://schemas.microsoft.com/office/powerpoint/2010/main" spd="med">
+  <p:transition spd="med">
     <p:fade/>
   </p:transition>
 </p:sldLayout>
@@ -9481,7 +9493,7 @@
   <p:clrMapOvr>
     <a:masterClrMapping/>
   </p:clrMapOvr>
-  <p:transition xmlns:p14="http://schemas.microsoft.com/office/powerpoint/2010/main" spd="med">
+  <p:transition spd="med">
     <p:fade/>
   </p:transition>
 </p:sldLayout>
@@ -9698,14 +9710,14 @@
           </a:ln>
           <a:extLst>
             <a:ext uri="{909E8E84-426E-40dd-AFC4-6F175D3DCCD1}">
-              <a14:hiddenFill xmlns:a14="http://schemas.microsoft.com/office/drawing/2010/main">
+              <a14:hiddenFill xmlns:a14="http://schemas.microsoft.com/office/drawing/2010/main" xmlns="">
                 <a:solidFill>
                   <a:srgbClr val="FFFFFF"/>
                 </a:solidFill>
               </a14:hiddenFill>
             </a:ext>
             <a:ext uri="{91240B29-F687-4f45-9708-019B960494DF}">
-              <a14:hiddenLine xmlns:a14="http://schemas.microsoft.com/office/drawing/2010/main" w="9525">
+              <a14:hiddenLine xmlns:a14="http://schemas.microsoft.com/office/drawing/2010/main" xmlns="" w="9525">
                 <a:solidFill>
                   <a:srgbClr val="000000"/>
                 </a:solidFill>
@@ -9902,7 +9914,7 @@
   <p:clrMapOvr>
     <a:masterClrMapping/>
   </p:clrMapOvr>
-  <p:transition xmlns:p14="http://schemas.microsoft.com/office/powerpoint/2010/main" spd="med">
+  <p:transition spd="med">
     <p:fade/>
   </p:transition>
 </p:sldLayout>
@@ -10190,7 +10202,7 @@
   <p:clrMapOvr>
     <a:masterClrMapping/>
   </p:clrMapOvr>
-  <p:transition xmlns:p14="http://schemas.microsoft.com/office/powerpoint/2010/main" spd="med">
+  <p:transition spd="med">
     <p:fade/>
   </p:transition>
 </p:sldLayout>
@@ -10502,7 +10514,7 @@
   <p:clrMapOvr>
     <a:masterClrMapping/>
   </p:clrMapOvr>
-  <p:transition xmlns:p14="http://schemas.microsoft.com/office/powerpoint/2010/main" spd="med">
+  <p:transition spd="med">
     <p:fade/>
   </p:transition>
 </p:sldLayout>
@@ -10679,7 +10691,7 @@
   <p:clrMapOvr>
     <a:masterClrMapping/>
   </p:clrMapOvr>
-  <p:transition xmlns:p14="http://schemas.microsoft.com/office/powerpoint/2010/main" spd="med">
+  <p:transition spd="med">
     <p:fade/>
   </p:transition>
 </p:sldLayout>
@@ -10983,7 +10995,7 @@
   <p:clrMapOvr>
     <a:masterClrMapping/>
   </p:clrMapOvr>
-  <p:transition xmlns:p14="http://schemas.microsoft.com/office/powerpoint/2010/main" spd="med">
+  <p:transition spd="med">
     <p:fade/>
   </p:transition>
 </p:sldLayout>
@@ -11059,14 +11071,14 @@
           </a:ln>
           <a:extLst>
             <a:ext uri="{909E8E84-426E-40dd-AFC4-6F175D3DCCD1}">
-              <a14:hiddenFill xmlns:a14="http://schemas.microsoft.com/office/drawing/2010/main">
+              <a14:hiddenFill xmlns:a14="http://schemas.microsoft.com/office/drawing/2010/main" xmlns="">
                 <a:solidFill>
                   <a:srgbClr val="FFFFFF"/>
                 </a:solidFill>
               </a14:hiddenFill>
             </a:ext>
             <a:ext uri="{91240B29-F687-4f45-9708-019B960494DF}">
-              <a14:hiddenLine xmlns:a14="http://schemas.microsoft.com/office/drawing/2010/main" w="9525">
+              <a14:hiddenLine xmlns:a14="http://schemas.microsoft.com/office/drawing/2010/main" xmlns="" w="9525">
                 <a:solidFill>
                   <a:srgbClr val="000000"/>
                 </a:solidFill>
@@ -11342,7 +11354,7 @@
   <p:clrMapOvr>
     <a:overrideClrMapping bg1="lt1" tx1="dk1" bg2="lt2" tx2="dk2" accent1="accent1" accent2="accent2" accent3="accent3" accent4="accent4" accent5="accent5" accent6="accent6" hlink="hlink" folHlink="folHlink"/>
   </p:clrMapOvr>
-  <p:transition xmlns:p14="http://schemas.microsoft.com/office/powerpoint/2010/main" spd="med">
+  <p:transition spd="med">
     <p:fade/>
   </p:transition>
 </p:sldLayout>
@@ -11548,7 +11560,7 @@
   <p:clrMapOvr>
     <a:overrideClrMapping bg1="lt1" tx1="dk1" bg2="lt2" tx2="dk2" accent1="accent1" accent2="accent2" accent3="accent3" accent4="accent4" accent5="accent5" accent6="accent6" hlink="hlink" folHlink="folHlink"/>
   </p:clrMapOvr>
-  <p:transition xmlns:p14="http://schemas.microsoft.com/office/powerpoint/2010/main" spd="med">
+  <p:transition spd="med">
     <p:fade/>
   </p:transition>
 </p:sldLayout>
@@ -11624,14 +11636,14 @@
           </a:ln>
           <a:extLst>
             <a:ext uri="{909E8E84-426E-40dd-AFC4-6F175D3DCCD1}">
-              <a14:hiddenFill xmlns:a14="http://schemas.microsoft.com/office/drawing/2010/main">
+              <a14:hiddenFill xmlns:a14="http://schemas.microsoft.com/office/drawing/2010/main" xmlns="">
                 <a:solidFill>
                   <a:srgbClr val="FFFFFF"/>
                 </a:solidFill>
               </a14:hiddenFill>
             </a:ext>
             <a:ext uri="{91240B29-F687-4f45-9708-019B960494DF}">
-              <a14:hiddenLine xmlns:a14="http://schemas.microsoft.com/office/drawing/2010/main" w="9525">
+              <a14:hiddenLine xmlns:a14="http://schemas.microsoft.com/office/drawing/2010/main" xmlns="" w="9525">
                 <a:solidFill>
                   <a:srgbClr val="000000"/>
                 </a:solidFill>
@@ -11914,7 +11926,7 @@
   <p:clrMapOvr>
     <a:overrideClrMapping bg1="lt1" tx1="dk1" bg2="lt2" tx2="dk2" accent1="accent1" accent2="accent2" accent3="accent3" accent4="accent4" accent5="accent5" accent6="accent6" hlink="hlink" folHlink="folHlink"/>
   </p:clrMapOvr>
-  <p:transition xmlns:p14="http://schemas.microsoft.com/office/powerpoint/2010/main" spd="med">
+  <p:transition spd="med">
     <p:fade/>
   </p:transition>
 </p:sldLayout>
@@ -12122,7 +12134,7 @@
   <p:clrMapOvr>
     <a:overrideClrMapping bg1="lt1" tx1="dk1" bg2="lt2" tx2="dk2" accent1="accent1" accent2="accent2" accent3="accent3" accent4="accent4" accent5="accent5" accent6="accent6" hlink="hlink" folHlink="folHlink"/>
   </p:clrMapOvr>
-  <p:transition xmlns:p14="http://schemas.microsoft.com/office/powerpoint/2010/main" spd="med">
+  <p:transition spd="med">
     <p:fade/>
   </p:transition>
 </p:sldLayout>
@@ -12198,14 +12210,14 @@
           </a:ln>
           <a:extLst>
             <a:ext uri="{909E8E84-426E-40dd-AFC4-6F175D3DCCD1}">
-              <a14:hiddenFill xmlns:a14="http://schemas.microsoft.com/office/drawing/2010/main">
+              <a14:hiddenFill xmlns:a14="http://schemas.microsoft.com/office/drawing/2010/main" xmlns="">
                 <a:solidFill>
                   <a:srgbClr val="FFFFFF"/>
                 </a:solidFill>
               </a14:hiddenFill>
             </a:ext>
             <a:ext uri="{91240B29-F687-4f45-9708-019B960494DF}">
-              <a14:hiddenLine xmlns:a14="http://schemas.microsoft.com/office/drawing/2010/main" w="9525">
+              <a14:hiddenLine xmlns:a14="http://schemas.microsoft.com/office/drawing/2010/main" xmlns="" w="9525">
                 <a:solidFill>
                   <a:srgbClr val="000000"/>
                 </a:solidFill>
@@ -12473,7 +12485,7 @@
   <p:clrMapOvr>
     <a:overrideClrMapping bg1="lt1" tx1="dk1" bg2="lt2" tx2="dk2" accent1="accent1" accent2="accent2" accent3="accent3" accent4="accent4" accent5="accent5" accent6="accent6" hlink="hlink" folHlink="folHlink"/>
   </p:clrMapOvr>
-  <p:transition xmlns:p14="http://schemas.microsoft.com/office/powerpoint/2010/main" spd="med">
+  <p:transition spd="med">
     <p:fade/>
   </p:transition>
 </p:sldLayout>
@@ -12701,7 +12713,7 @@
   <p:clrMapOvr>
     <a:overrideClrMapping bg1="lt1" tx1="dk1" bg2="lt2" tx2="dk2" accent1="accent1" accent2="accent2" accent3="accent3" accent4="accent4" accent5="accent5" accent6="accent6" hlink="hlink" folHlink="folHlink"/>
   </p:clrMapOvr>
-  <p:transition xmlns:p14="http://schemas.microsoft.com/office/powerpoint/2010/main" spd="med">
+  <p:transition spd="med">
     <p:fade/>
   </p:transition>
 </p:sldLayout>
@@ -12989,7 +13001,7 @@
   <p:clrMapOvr>
     <a:overrideClrMapping bg1="lt1" tx1="dk1" bg2="lt2" tx2="dk2" accent1="accent1" accent2="accent2" accent3="accent3" accent4="accent4" accent5="accent5" accent6="accent6" hlink="hlink" folHlink="folHlink"/>
   </p:clrMapOvr>
-  <p:transition xmlns:p14="http://schemas.microsoft.com/office/powerpoint/2010/main" spd="med">
+  <p:transition spd="med">
     <p:fade/>
   </p:transition>
 </p:sldLayout>
@@ -13145,14 +13157,14 @@
           </a:ln>
           <a:extLst>
             <a:ext uri="{909E8E84-426E-40dd-AFC4-6F175D3DCCD1}">
-              <a14:hiddenFill xmlns:a14="http://schemas.microsoft.com/office/drawing/2010/main">
+              <a14:hiddenFill xmlns:a14="http://schemas.microsoft.com/office/drawing/2010/main" xmlns="">
                 <a:solidFill>
                   <a:srgbClr val="FFFFFF"/>
                 </a:solidFill>
               </a14:hiddenFill>
             </a:ext>
             <a:ext uri="{91240B29-F687-4f45-9708-019B960494DF}">
-              <a14:hiddenLine xmlns:a14="http://schemas.microsoft.com/office/drawing/2010/main" w="9525">
+              <a14:hiddenLine xmlns:a14="http://schemas.microsoft.com/office/drawing/2010/main" xmlns="" w="9525">
                 <a:solidFill>
                   <a:srgbClr val="000000"/>
                 </a:solidFill>
@@ -13391,13 +13403,13 @@
     <p:sldLayoutId id="2147483841" r:id="rId11"/>
     <p:sldLayoutId id="2147483843" r:id="rId12"/>
   </p:sldLayoutIdLst>
-  <p:transition xmlns:p14="http://schemas.microsoft.com/office/powerpoint/2010/main" spd="med">
+  <p:transition spd="med">
     <p:fade/>
   </p:transition>
   <p:timing>
     <p:tnLst>
       <p:par>
-        <p:cTn xmlns:p14="http://schemas.microsoft.com/office/powerpoint/2010/main" id="1" dur="indefinite" restart="never" nodeType="tmRoot"/>
+        <p:cTn id="1" dur="indefinite" restart="never" nodeType="tmRoot"/>
       </p:par>
     </p:tnLst>
   </p:timing>
@@ -13925,14 +13937,14 @@
           </a:ln>
           <a:extLst>
             <a:ext uri="{909E8E84-426E-40dd-AFC4-6F175D3DCCD1}">
-              <a14:hiddenFill xmlns:a14="http://schemas.microsoft.com/office/drawing/2010/main">
+              <a14:hiddenFill xmlns:a14="http://schemas.microsoft.com/office/drawing/2010/main" xmlns="">
                 <a:solidFill>
                   <a:srgbClr val="FFFFFF"/>
                 </a:solidFill>
               </a14:hiddenFill>
             </a:ext>
             <a:ext uri="{91240B29-F687-4f45-9708-019B960494DF}">
-              <a14:hiddenLine xmlns:a14="http://schemas.microsoft.com/office/drawing/2010/main" w="9525">
+              <a14:hiddenLine xmlns:a14="http://schemas.microsoft.com/office/drawing/2010/main" xmlns="" w="9525">
                 <a:solidFill>
                   <a:srgbClr val="000000"/>
                 </a:solidFill>
@@ -14242,13 +14254,13 @@
     <p:sldLayoutId id="2147483856" r:id="rId7"/>
     <p:sldLayoutId id="2147483866" r:id="rId8"/>
   </p:sldLayoutIdLst>
-  <p:transition xmlns:p14="http://schemas.microsoft.com/office/powerpoint/2010/main" spd="med">
+  <p:transition spd="med">
     <p:fade/>
   </p:transition>
   <p:timing>
     <p:tnLst>
       <p:par>
-        <p:cTn xmlns:p14="http://schemas.microsoft.com/office/powerpoint/2010/main" id="1" dur="indefinite" restart="never" nodeType="tmRoot"/>
+        <p:cTn id="1" dur="indefinite" restart="never" nodeType="tmRoot"/>
       </p:par>
     </p:tnLst>
   </p:timing>
@@ -14746,13 +14758,13 @@
   <p:clrMapOvr>
     <a:masterClrMapping/>
   </p:clrMapOvr>
-  <p:transition xmlns:p14="http://schemas.microsoft.com/office/powerpoint/2010/main" spd="med">
+  <p:transition spd="med">
     <p:fade/>
   </p:transition>
   <p:timing>
     <p:tnLst>
       <p:par>
-        <p:cTn xmlns:p14="http://schemas.microsoft.com/office/powerpoint/2010/main" id="1" dur="indefinite" restart="never" nodeType="tmRoot"/>
+        <p:cTn id="1" dur="indefinite" restart="never" nodeType="tmRoot"/>
       </p:par>
     </p:tnLst>
   </p:timing>
@@ -14963,13 +14975,13 @@
   <p:clrMapOvr>
     <a:masterClrMapping/>
   </p:clrMapOvr>
-  <p:transition xmlns:p14="http://schemas.microsoft.com/office/powerpoint/2010/main" spd="med">
+  <p:transition spd="med">
     <p:fade/>
   </p:transition>
   <p:timing>
     <p:tnLst>
       <p:par>
-        <p:cTn xmlns:p14="http://schemas.microsoft.com/office/powerpoint/2010/main" id="1" dur="indefinite" restart="never" nodeType="tmRoot"/>
+        <p:cTn id="1" dur="indefinite" restart="never" nodeType="tmRoot"/>
       </p:par>
     </p:tnLst>
   </p:timing>
@@ -15232,13 +15244,13 @@
   <p:clrMapOvr>
     <a:masterClrMapping/>
   </p:clrMapOvr>
-  <p:transition xmlns:p14="http://schemas.microsoft.com/office/powerpoint/2010/main" spd="med">
+  <p:transition spd="med">
     <p:fade/>
   </p:transition>
   <p:timing>
     <p:tnLst>
       <p:par>
-        <p:cTn xmlns:p14="http://schemas.microsoft.com/office/powerpoint/2010/main" id="1" dur="indefinite" restart="never" nodeType="tmRoot"/>
+        <p:cTn id="1" dur="indefinite" restart="never" nodeType="tmRoot"/>
       </p:par>
     </p:tnLst>
   </p:timing>
@@ -16137,13 +16149,13 @@
   <p:clrMapOvr>
     <a:masterClrMapping/>
   </p:clrMapOvr>
-  <p:transition xmlns:p14="http://schemas.microsoft.com/office/powerpoint/2010/main" spd="med">
+  <p:transition spd="med">
     <p:fade/>
   </p:transition>
   <p:timing>
     <p:tnLst>
       <p:par>
-        <p:cTn xmlns:p14="http://schemas.microsoft.com/office/powerpoint/2010/main" id="1" dur="indefinite" restart="never" nodeType="tmRoot"/>
+        <p:cTn id="1" dur="indefinite" restart="never" nodeType="tmRoot"/>
       </p:par>
     </p:tnLst>
   </p:timing>
@@ -16951,13 +16963,13 @@
   <p:clrMapOvr>
     <a:masterClrMapping/>
   </p:clrMapOvr>
-  <p:transition xmlns:p14="http://schemas.microsoft.com/office/powerpoint/2010/main" spd="med">
+  <p:transition spd="med">
     <p:fade/>
   </p:transition>
   <p:timing>
     <p:tnLst>
       <p:par>
-        <p:cTn xmlns:p14="http://schemas.microsoft.com/office/powerpoint/2010/main" id="1" dur="indefinite" restart="never" nodeType="tmRoot"/>
+        <p:cTn id="1" dur="indefinite" restart="never" nodeType="tmRoot"/>
       </p:par>
     </p:tnLst>
   </p:timing>
@@ -18178,13 +18190,13 @@
   <p:clrMapOvr>
     <a:masterClrMapping/>
   </p:clrMapOvr>
-  <p:transition xmlns:p14="http://schemas.microsoft.com/office/powerpoint/2010/main" spd="med">
+  <p:transition spd="med">
     <p:fade/>
   </p:transition>
   <p:timing>
     <p:tnLst>
       <p:par>
-        <p:cTn xmlns:p14="http://schemas.microsoft.com/office/powerpoint/2010/main" id="1" dur="indefinite" restart="never" nodeType="tmRoot"/>
+        <p:cTn id="1" dur="indefinite" restart="never" nodeType="tmRoot"/>
       </p:par>
     </p:tnLst>
   </p:timing>
@@ -18605,13 +18617,13 @@
   <p:clrMapOvr>
     <a:masterClrMapping/>
   </p:clrMapOvr>
-  <p:transition xmlns:p14="http://schemas.microsoft.com/office/powerpoint/2010/main" spd="med">
+  <p:transition spd="med">
     <p:fade/>
   </p:transition>
   <p:timing>
     <p:tnLst>
       <p:par>
-        <p:cTn xmlns:p14="http://schemas.microsoft.com/office/powerpoint/2010/main" id="1" dur="indefinite" restart="never" nodeType="tmRoot"/>
+        <p:cTn id="1" dur="indefinite" restart="never" nodeType="tmRoot"/>
       </p:par>
     </p:tnLst>
   </p:timing>
@@ -18761,13 +18773,13 @@
   <p:clrMapOvr>
     <a:masterClrMapping/>
   </p:clrMapOvr>
-  <p:transition xmlns:p14="http://schemas.microsoft.com/office/powerpoint/2010/main" spd="med">
+  <p:transition spd="med">
     <p:fade/>
   </p:transition>
   <p:timing>
     <p:tnLst>
       <p:par>
-        <p:cTn xmlns:p14="http://schemas.microsoft.com/office/powerpoint/2010/main" id="1" dur="indefinite" restart="never" nodeType="tmRoot"/>
+        <p:cTn id="1" dur="indefinite" restart="never" nodeType="tmRoot"/>
       </p:par>
     </p:tnLst>
   </p:timing>
@@ -19073,13 +19085,13 @@
   <p:clrMapOvr>
     <a:masterClrMapping/>
   </p:clrMapOvr>
-  <p:transition xmlns:p14="http://schemas.microsoft.com/office/powerpoint/2010/main" spd="med">
+  <p:transition spd="med">
     <p:fade/>
   </p:transition>
   <p:timing>
     <p:tnLst>
       <p:par>
-        <p:cTn xmlns:p14="http://schemas.microsoft.com/office/powerpoint/2010/main" id="1" dur="indefinite" restart="never" nodeType="tmRoot"/>
+        <p:cTn id="1" dur="indefinite" restart="never" nodeType="tmRoot"/>
       </p:par>
     </p:tnLst>
   </p:timing>
@@ -19295,13 +19307,13 @@
   <p:clrMapOvr>
     <a:masterClrMapping/>
   </p:clrMapOvr>
-  <p:transition xmlns:p14="http://schemas.microsoft.com/office/powerpoint/2010/main" spd="med">
+  <p:transition spd="med">
     <p:fade/>
   </p:transition>
   <p:timing>
     <p:tnLst>
       <p:par>
-        <p:cTn xmlns:p14="http://schemas.microsoft.com/office/powerpoint/2010/main" id="1" dur="indefinite" restart="never" nodeType="tmRoot"/>
+        <p:cTn id="1" dur="indefinite" restart="never" nodeType="tmRoot"/>
       </p:par>
     </p:tnLst>
   </p:timing>
@@ -19784,13 +19796,13 @@
   <p:clrMapOvr>
     <a:masterClrMapping/>
   </p:clrMapOvr>
-  <p:transition xmlns:p14="http://schemas.microsoft.com/office/powerpoint/2010/main" spd="med">
+  <p:transition spd="med">
     <p:fade/>
   </p:transition>
   <p:timing>
     <p:tnLst>
       <p:par>
-        <p:cTn xmlns:p14="http://schemas.microsoft.com/office/powerpoint/2010/main" id="1" dur="indefinite" restart="never" nodeType="tmRoot"/>
+        <p:cTn id="1" dur="indefinite" restart="never" nodeType="tmRoot"/>
       </p:par>
     </p:tnLst>
   </p:timing>
@@ -19872,13 +19884,13 @@
   <p:clrMapOvr>
     <a:masterClrMapping/>
   </p:clrMapOvr>
-  <p:transition xmlns:p14="http://schemas.microsoft.com/office/powerpoint/2010/main" spd="med">
+  <p:transition spd="med">
     <p:fade/>
   </p:transition>
   <p:timing>
     <p:tnLst>
       <p:par>
-        <p:cTn xmlns:p14="http://schemas.microsoft.com/office/powerpoint/2010/main" id="1" dur="indefinite" restart="never" nodeType="tmRoot"/>
+        <p:cTn id="1" dur="indefinite" restart="never" nodeType="tmRoot"/>
       </p:par>
     </p:tnLst>
   </p:timing>
@@ -20580,13 +20592,13 @@
   <p:clrMapOvr>
     <a:masterClrMapping/>
   </p:clrMapOvr>
-  <p:transition xmlns:p14="http://schemas.microsoft.com/office/powerpoint/2010/main" spd="med">
+  <p:transition spd="med">
     <p:fade/>
   </p:transition>
   <p:timing>
     <p:tnLst>
       <p:par>
-        <p:cTn xmlns:p14="http://schemas.microsoft.com/office/powerpoint/2010/main" id="1" dur="indefinite" restart="never" nodeType="tmRoot"/>
+        <p:cTn id="1" dur="indefinite" restart="never" nodeType="tmRoot"/>
       </p:par>
     </p:tnLst>
   </p:timing>
@@ -20762,13 +20774,13 @@
   <p:clrMapOvr>
     <a:masterClrMapping/>
   </p:clrMapOvr>
-  <p:transition xmlns:p14="http://schemas.microsoft.com/office/powerpoint/2010/main" spd="med">
+  <p:transition spd="med">
     <p:fade/>
   </p:transition>
   <p:timing>
     <p:tnLst>
       <p:par>
-        <p:cTn xmlns:p14="http://schemas.microsoft.com/office/powerpoint/2010/main" id="1" dur="indefinite" restart="never" nodeType="tmRoot"/>
+        <p:cTn id="1" dur="indefinite" restart="never" nodeType="tmRoot"/>
       </p:par>
     </p:tnLst>
   </p:timing>
@@ -20918,13 +20930,13 @@
   <p:clrMapOvr>
     <a:masterClrMapping/>
   </p:clrMapOvr>
-  <p:transition xmlns:p14="http://schemas.microsoft.com/office/powerpoint/2010/main" spd="med">
+  <p:transition spd="med">
     <p:fade/>
   </p:transition>
   <p:timing>
     <p:tnLst>
       <p:par>
-        <p:cTn xmlns:p14="http://schemas.microsoft.com/office/powerpoint/2010/main" id="1" dur="indefinite" restart="never" nodeType="tmRoot"/>
+        <p:cTn id="1" dur="indefinite" restart="never" nodeType="tmRoot"/>
       </p:par>
     </p:tnLst>
   </p:timing>
@@ -21094,13 +21106,13 @@
   <p:clrMapOvr>
     <a:masterClrMapping/>
   </p:clrMapOvr>
-  <p:transition xmlns:p14="http://schemas.microsoft.com/office/powerpoint/2010/main" spd="med">
+  <p:transition spd="med">
     <p:fade/>
   </p:transition>
   <p:timing>
     <p:tnLst>
       <p:par>
-        <p:cTn xmlns:p14="http://schemas.microsoft.com/office/powerpoint/2010/main" id="1" dur="indefinite" restart="never" nodeType="tmRoot"/>
+        <p:cTn id="1" dur="indefinite" restart="never" nodeType="tmRoot"/>
       </p:par>
     </p:tnLst>
   </p:timing>
@@ -21355,13 +21367,13 @@
   <p:clrMapOvr>
     <a:masterClrMapping/>
   </p:clrMapOvr>
-  <p:transition xmlns:p14="http://schemas.microsoft.com/office/powerpoint/2010/main" spd="med">
+  <p:transition spd="med">
     <p:fade/>
   </p:transition>
   <p:timing>
     <p:tnLst>
       <p:par>
-        <p:cTn xmlns:p14="http://schemas.microsoft.com/office/powerpoint/2010/main" id="1" dur="indefinite" restart="never" nodeType="tmRoot"/>
+        <p:cTn id="1" dur="indefinite" restart="never" nodeType="tmRoot"/>
       </p:par>
     </p:tnLst>
   </p:timing>
@@ -21870,13 +21882,13 @@
   <p:clrMapOvr>
     <a:masterClrMapping/>
   </p:clrMapOvr>
-  <p:transition xmlns:p14="http://schemas.microsoft.com/office/powerpoint/2010/main" spd="med">
+  <p:transition spd="med">
     <p:fade/>
   </p:transition>
   <p:timing>
     <p:tnLst>
       <p:par>
-        <p:cTn xmlns:p14="http://schemas.microsoft.com/office/powerpoint/2010/main" id="1" dur="indefinite" restart="never" nodeType="tmRoot"/>
+        <p:cTn id="1" dur="indefinite" restart="never" nodeType="tmRoot"/>
       </p:par>
     </p:tnLst>
   </p:timing>
@@ -22023,13 +22035,13 @@
   <p:clrMapOvr>
     <a:masterClrMapping/>
   </p:clrMapOvr>
-  <p:transition xmlns:p14="http://schemas.microsoft.com/office/powerpoint/2010/main" spd="med">
+  <p:transition spd="med">
     <p:fade/>
   </p:transition>
   <p:timing>
     <p:tnLst>
       <p:par>
-        <p:cTn xmlns:p14="http://schemas.microsoft.com/office/powerpoint/2010/main" id="1" dur="indefinite" restart="never" nodeType="tmRoot"/>
+        <p:cTn id="1" dur="indefinite" restart="never" nodeType="tmRoot"/>
       </p:par>
     </p:tnLst>
   </p:timing>
@@ -22275,13 +22287,13 @@
   <p:clrMapOvr>
     <a:masterClrMapping/>
   </p:clrMapOvr>
-  <p:transition xmlns:p14="http://schemas.microsoft.com/office/powerpoint/2010/main" spd="med">
+  <p:transition spd="med">
     <p:fade/>
   </p:transition>
   <p:timing>
     <p:tnLst>
       <p:par>
-        <p:cTn xmlns:p14="http://schemas.microsoft.com/office/powerpoint/2010/main" id="1" dur="indefinite" restart="never" nodeType="tmRoot"/>
+        <p:cTn id="1" dur="indefinite" restart="never" nodeType="tmRoot"/>
       </p:par>
     </p:tnLst>
   </p:timing>
@@ -22448,13 +22460,13 @@
   <p:clrMapOvr>
     <a:masterClrMapping/>
   </p:clrMapOvr>
-  <p:transition xmlns:p14="http://schemas.microsoft.com/office/powerpoint/2010/main" spd="med">
+  <p:transition spd="med">
     <p:fade/>
   </p:transition>
   <p:timing>
     <p:tnLst>
       <p:par>
-        <p:cTn xmlns:p14="http://schemas.microsoft.com/office/powerpoint/2010/main" id="1" dur="indefinite" restart="never" nodeType="tmRoot"/>
+        <p:cTn id="1" dur="indefinite" restart="never" nodeType="tmRoot"/>
       </p:par>
     </p:tnLst>
   </p:timing>
@@ -22604,13 +22616,13 @@
   <p:clrMapOvr>
     <a:masterClrMapping/>
   </p:clrMapOvr>
-  <p:transition xmlns:p14="http://schemas.microsoft.com/office/powerpoint/2010/main" spd="med">
+  <p:transition spd="med">
     <p:fade/>
   </p:transition>
   <p:timing>
     <p:tnLst>
       <p:par>
-        <p:cTn xmlns:p14="http://schemas.microsoft.com/office/powerpoint/2010/main" id="1" dur="indefinite" restart="never" nodeType="tmRoot"/>
+        <p:cTn id="1" dur="indefinite" restart="never" nodeType="tmRoot"/>
       </p:par>
     </p:tnLst>
   </p:timing>
@@ -22733,13 +22745,13 @@
   <p:clrMapOvr>
     <a:masterClrMapping/>
   </p:clrMapOvr>
-  <p:transition xmlns:p14="http://schemas.microsoft.com/office/powerpoint/2010/main" spd="med">
+  <p:transition spd="med">
     <p:fade/>
   </p:transition>
   <p:timing>
     <p:tnLst>
       <p:par>
-        <p:cTn xmlns:p14="http://schemas.microsoft.com/office/powerpoint/2010/main" id="1" dur="indefinite" restart="never" nodeType="tmRoot"/>
+        <p:cTn id="1" dur="indefinite" restart="never" nodeType="tmRoot"/>
       </p:par>
     </p:tnLst>
   </p:timing>
@@ -22933,13 +22945,13 @@
   <p:clrMapOvr>
     <a:masterClrMapping/>
   </p:clrMapOvr>
-  <p:transition xmlns:p14="http://schemas.microsoft.com/office/powerpoint/2010/main" spd="med">
+  <p:transition spd="med">
     <p:fade/>
   </p:transition>
   <p:timing>
     <p:tnLst>
       <p:par>
-        <p:cTn xmlns:p14="http://schemas.microsoft.com/office/powerpoint/2010/main" id="1" dur="indefinite" restart="never" nodeType="tmRoot"/>
+        <p:cTn id="1" dur="indefinite" restart="never" nodeType="tmRoot"/>
       </p:par>
     </p:tnLst>
   </p:timing>
@@ -23181,13 +23193,13 @@
   <p:clrMapOvr>
     <a:masterClrMapping/>
   </p:clrMapOvr>
-  <p:transition xmlns:p14="http://schemas.microsoft.com/office/powerpoint/2010/main" spd="med">
+  <p:transition spd="med">
     <p:fade/>
   </p:transition>
   <p:timing>
     <p:tnLst>
       <p:par>
-        <p:cTn xmlns:p14="http://schemas.microsoft.com/office/powerpoint/2010/main" id="1" dur="indefinite" restart="never" nodeType="tmRoot"/>
+        <p:cTn id="1" dur="indefinite" restart="never" nodeType="tmRoot"/>
       </p:par>
     </p:tnLst>
   </p:timing>
@@ -23452,13 +23464,13 @@
   <p:clrMapOvr>
     <a:masterClrMapping/>
   </p:clrMapOvr>
-  <p:transition xmlns:p14="http://schemas.microsoft.com/office/powerpoint/2010/main" spd="med">
+  <p:transition spd="med">
     <p:fade/>
   </p:transition>
   <p:timing>
     <p:tnLst>
       <p:par>
-        <p:cTn xmlns:p14="http://schemas.microsoft.com/office/powerpoint/2010/main" id="1" dur="indefinite" restart="never" nodeType="tmRoot"/>
+        <p:cTn id="1" dur="indefinite" restart="never" nodeType="tmRoot"/>
       </p:par>
     </p:tnLst>
   </p:timing>
@@ -23695,13 +23707,13 @@
   <p:clrMapOvr>
     <a:masterClrMapping/>
   </p:clrMapOvr>
-  <p:transition xmlns:p14="http://schemas.microsoft.com/office/powerpoint/2010/main" spd="med">
+  <p:transition spd="med">
     <p:fade/>
   </p:transition>
   <p:timing>
     <p:tnLst>
       <p:par>
-        <p:cTn xmlns:p14="http://schemas.microsoft.com/office/powerpoint/2010/main" id="1" dur="indefinite" restart="never" nodeType="tmRoot"/>
+        <p:cTn id="1" dur="indefinite" restart="never" nodeType="tmRoot"/>
       </p:par>
     </p:tnLst>
   </p:timing>
@@ -23938,13 +23950,13 @@
   <p:clrMapOvr>
     <a:masterClrMapping/>
   </p:clrMapOvr>
-  <p:transition xmlns:p14="http://schemas.microsoft.com/office/powerpoint/2010/main" spd="med">
+  <p:transition spd="med">
     <p:fade/>
   </p:transition>
   <p:timing>
     <p:tnLst>
       <p:par>
-        <p:cTn xmlns:p14="http://schemas.microsoft.com/office/powerpoint/2010/main" id="1" dur="indefinite" restart="never" nodeType="tmRoot"/>
+        <p:cTn id="1" dur="indefinite" restart="never" nodeType="tmRoot"/>
       </p:par>
     </p:tnLst>
   </p:timing>
@@ -24109,13 +24121,13 @@
   <p:clrMapOvr>
     <a:masterClrMapping/>
   </p:clrMapOvr>
-  <p:transition xmlns:p14="http://schemas.microsoft.com/office/powerpoint/2010/main" spd="med">
+  <p:transition spd="med">
     <p:fade/>
   </p:transition>
   <p:timing>
     <p:tnLst>
       <p:par>
-        <p:cTn xmlns:p14="http://schemas.microsoft.com/office/powerpoint/2010/main" id="1" dur="indefinite" restart="never" nodeType="tmRoot"/>
+        <p:cTn id="1" dur="indefinite" restart="never" nodeType="tmRoot"/>
       </p:par>
     </p:tnLst>
   </p:timing>
@@ -24314,13 +24326,13 @@
   <p:clrMapOvr>
     <a:masterClrMapping/>
   </p:clrMapOvr>
-  <p:transition xmlns:p14="http://schemas.microsoft.com/office/powerpoint/2010/main" spd="med">
+  <p:transition spd="med">
     <p:fade/>
   </p:transition>
   <p:timing>
     <p:tnLst>
       <p:par>
-        <p:cTn xmlns:p14="http://schemas.microsoft.com/office/powerpoint/2010/main" id="1" dur="indefinite" restart="never" nodeType="tmRoot"/>
+        <p:cTn id="1" dur="indefinite" restart="never" nodeType="tmRoot"/>
       </p:par>
     </p:tnLst>
   </p:timing>
@@ -24431,11 +24443,15 @@
             </a:r>
             <a:r>
               <a:rPr lang="en-US" dirty="0" err="1" smtClean="0"/>
-              <a:t>ServerSpec</a:t>
-            </a:r>
-            <a:r>
-              <a:rPr lang="en-US" dirty="0" smtClean="0"/>
-              <a:t> test?</a:t>
+              <a:t>InSpec</a:t>
+            </a:r>
+            <a:r>
+              <a:rPr lang="en-US" dirty="0" smtClean="0"/>
+              <a:t> test</a:t>
+            </a:r>
+            <a:r>
+              <a:rPr lang="en-US" dirty="0" smtClean="0"/>
+              <a:t>?</a:t>
             </a:r>
           </a:p>
         </p:txBody>
@@ -24450,13 +24466,13 @@
   <p:clrMapOvr>
     <a:masterClrMapping/>
   </p:clrMapOvr>
-  <p:transition xmlns:p14="http://schemas.microsoft.com/office/powerpoint/2010/main" spd="med">
+  <p:transition spd="med">
     <p:fade/>
   </p:transition>
   <p:timing>
     <p:tnLst>
       <p:par>
-        <p:cTn xmlns:p14="http://schemas.microsoft.com/office/powerpoint/2010/main" id="1" dur="indefinite" restart="never" nodeType="tmRoot"/>
+        <p:cTn id="1" dur="indefinite" restart="never" nodeType="tmRoot"/>
       </p:par>
     </p:tnLst>
   </p:timing>
@@ -24538,13 +24554,13 @@
   <p:clrMapOvr>
     <a:masterClrMapping/>
   </p:clrMapOvr>
-  <p:transition xmlns:p14="http://schemas.microsoft.com/office/powerpoint/2010/main" spd="med">
+  <p:transition spd="med">
     <p:fade/>
   </p:transition>
   <p:timing>
     <p:tnLst>
       <p:par>
-        <p:cTn xmlns:p14="http://schemas.microsoft.com/office/powerpoint/2010/main" id="1" dur="indefinite" restart="never" nodeType="tmRoot"/>
+        <p:cTn id="1" dur="indefinite" restart="never" nodeType="tmRoot"/>
       </p:par>
     </p:tnLst>
   </p:timing>
@@ -24708,13 +24724,13 @@
   <p:clrMapOvr>
     <a:masterClrMapping/>
   </p:clrMapOvr>
-  <p:transition xmlns:p14="http://schemas.microsoft.com/office/powerpoint/2010/main" spd="med">
+  <p:transition spd="med">
     <p:fade/>
   </p:transition>
   <p:timing>
     <p:tnLst>
       <p:par>
-        <p:cTn xmlns:p14="http://schemas.microsoft.com/office/powerpoint/2010/main" id="1" dur="indefinite" restart="never" nodeType="tmRoot"/>
+        <p:cTn id="1" dur="indefinite" restart="never" nodeType="tmRoot"/>
       </p:par>
     </p:tnLst>
   </p:timing>
@@ -25498,13 +25514,13 @@
   <p:clrMapOvr>
     <a:masterClrMapping/>
   </p:clrMapOvr>
-  <p:transition xmlns:p14="http://schemas.microsoft.com/office/powerpoint/2010/main" spd="med">
+  <p:transition spd="med">
     <p:fade/>
   </p:transition>
   <p:timing>
     <p:tnLst>
       <p:par>
-        <p:cTn xmlns:p14="http://schemas.microsoft.com/office/powerpoint/2010/main" id="1" dur="indefinite" restart="never" nodeType="tmRoot"/>
+        <p:cTn id="1" dur="indefinite" restart="never" nodeType="tmRoot"/>
       </p:par>
     </p:tnLst>
   </p:timing>
@@ -25538,13 +25554,13 @@
   <p:clrMapOvr>
     <a:masterClrMapping/>
   </p:clrMapOvr>
-  <p:transition xmlns:p14="http://schemas.microsoft.com/office/powerpoint/2010/main" spd="med">
+  <p:transition spd="med">
     <p:fade/>
   </p:transition>
   <p:timing>
     <p:tnLst>
       <p:par>
-        <p:cTn xmlns:p14="http://schemas.microsoft.com/office/powerpoint/2010/main" id="1" dur="indefinite" restart="never" nodeType="tmRoot"/>
+        <p:cTn id="1" dur="indefinite" restart="never" nodeType="tmRoot"/>
       </p:par>
     </p:tnLst>
   </p:timing>
@@ -26625,13 +26641,13 @@
   <p:clrMapOvr>
     <a:masterClrMapping/>
   </p:clrMapOvr>
-  <p:transition xmlns:p14="http://schemas.microsoft.com/office/powerpoint/2010/main" spd="med">
+  <p:transition spd="med">
     <p:fade/>
   </p:transition>
   <p:timing>
     <p:tnLst>
       <p:par>
-        <p:cTn xmlns:p14="http://schemas.microsoft.com/office/powerpoint/2010/main" id="1" dur="indefinite" restart="never" nodeType="tmRoot"/>
+        <p:cTn id="1" dur="indefinite" restart="never" nodeType="tmRoot"/>
       </p:par>
     </p:tnLst>
   </p:timing>
@@ -28235,13 +28251,13 @@
   <p:clrMapOvr>
     <a:masterClrMapping/>
   </p:clrMapOvr>
-  <p:transition xmlns:p14="http://schemas.microsoft.com/office/powerpoint/2010/main" spd="med">
+  <p:transition spd="med">
     <p:fade/>
   </p:transition>
   <p:timing>
     <p:tnLst>
       <p:par>
-        <p:cTn xmlns:p14="http://schemas.microsoft.com/office/powerpoint/2010/main" id="1" dur="indefinite" restart="never" nodeType="tmRoot"/>
+        <p:cTn id="1" dur="indefinite" restart="never" nodeType="tmRoot"/>
       </p:par>
     </p:tnLst>
   </p:timing>
@@ -28708,13 +28724,13 @@
   <p:clrMapOvr>
     <a:masterClrMapping/>
   </p:clrMapOvr>
-  <p:transition xmlns:p14="http://schemas.microsoft.com/office/powerpoint/2010/main" spd="med">
+  <p:transition spd="med">
     <p:fade/>
   </p:transition>
   <p:timing>
     <p:tnLst>
       <p:par>
-        <p:cTn xmlns:p14="http://schemas.microsoft.com/office/powerpoint/2010/main" id="1" dur="indefinite" restart="never" nodeType="tmRoot"/>
+        <p:cTn id="1" dur="indefinite" restart="never" nodeType="tmRoot"/>
       </p:par>
     </p:tnLst>
   </p:timing>
@@ -29414,7 +29430,7 @@
               </a:r>
               <a:r>
                 <a:rPr lang="en-US" sz="3200" dirty="0" err="1" smtClean="0"/>
-                <a:t>ServerSpec</a:t>
+                <a:t>InSpec</a:t>
               </a:r>
               <a:endParaRPr lang="en-US" sz="3200" dirty="0" smtClean="0"/>
             </a:p>
@@ -29908,13 +29924,13 @@
   <p:clrMapOvr>
     <a:masterClrMapping/>
   </p:clrMapOvr>
-  <p:transition xmlns:p14="http://schemas.microsoft.com/office/powerpoint/2010/main" spd="med">
+  <p:transition spd="med">
     <p:fade/>
   </p:transition>
   <p:timing>
     <p:tnLst>
       <p:par>
-        <p:cTn xmlns:p14="http://schemas.microsoft.com/office/powerpoint/2010/main" id="1" dur="indefinite" restart="never" nodeType="tmRoot"/>
+        <p:cTn id="1" dur="indefinite" restart="never" nodeType="tmRoot"/>
       </p:par>
     </p:tnLst>
   </p:timing>
@@ -30061,13 +30077,13 @@
   <p:clrMapOvr>
     <a:masterClrMapping/>
   </p:clrMapOvr>
-  <p:transition xmlns:p14="http://schemas.microsoft.com/office/powerpoint/2010/main" spd="med">
+  <p:transition spd="med">
     <p:fade/>
   </p:transition>
   <p:timing>
     <p:tnLst>
       <p:par>
-        <p:cTn xmlns:p14="http://schemas.microsoft.com/office/powerpoint/2010/main" id="1" dur="indefinite" restart="never" nodeType="tmRoot"/>
+        <p:cTn id="1" dur="indefinite" restart="never" nodeType="tmRoot"/>
       </p:par>
     </p:tnLst>
   </p:timing>
@@ -30450,7 +30466,7 @@
   <a:extraClrSchemeLst/>
   <a:extLst>
     <a:ext uri="{05A4C25C-085E-4340-85A3-A5531E510DB2}">
-      <thm15:themeFamily xmlns="" xmlns:thm15="http://schemas.microsoft.com/office/thememl/2012/main" name="Chef-TemplateComps_v09-16x9-Light.potx" id="{078CEFDB-FA7A-4E36-9964-13EF367585CB}" vid="{8B87B0F3-7308-43D5-8388-E1B49EA02652}"/>
+      <thm15:themeFamily xmlns:thm15="http://schemas.microsoft.com/office/thememl/2012/main" name="Chef-TemplateComps_v09-16x9-Light.potx" id="{078CEFDB-FA7A-4E36-9964-13EF367585CB}" vid="{8B87B0F3-7308-43D5-8388-E1B49EA02652}"/>
     </a:ext>
   </a:extLst>
 </a:theme>
@@ -30832,7 +30848,7 @@
   <a:extraClrSchemeLst/>
   <a:extLst>
     <a:ext uri="{05A4C25C-085E-4340-85A3-A5531E510DB2}">
-      <thm15:themeFamily xmlns="" xmlns:thm15="http://schemas.microsoft.com/office/thememl/2012/main" name="Chef-TemplateComps_v09-16x9-Light.potx" id="{078CEFDB-FA7A-4E36-9964-13EF367585CB}" vid="{8B87B0F3-7308-43D5-8388-E1B49EA02652}"/>
+      <thm15:themeFamily xmlns:thm15="http://schemas.microsoft.com/office/thememl/2012/main" name="Chef-TemplateComps_v09-16x9-Light.potx" id="{078CEFDB-FA7A-4E36-9964-13EF367585CB}" vid="{8B87B0F3-7308-43D5-8388-E1B49EA02652}"/>
     </a:ext>
   </a:extLst>
 </a:theme>

--- a/05-faster_feedback_with_unit_testing.pptx
+++ b/05-faster_feedback_with_unit_testing.pptx
@@ -264,6 +264,10 @@
             <a:pPr>
               <a:defRPr/>
             </a:pPr>
+            <a:r>
+              <a:rPr lang="en-US" smtClean="0"/>
+              <a:t>Test Driven Cookbook Development</a:t>
+            </a:r>
             <a:endParaRPr lang="en-US"/>
           </a:p>
         </p:txBody>
@@ -308,13 +312,10 @@
             <a:pPr>
               <a:defRPr/>
             </a:pPr>
-            <a:fld id="{04CB1577-BF96-2D40-B4CA-2BF6DA80CBA7}" type="datetime1">
-              <a:rPr lang="en-CA"/>
-              <a:pPr>
-                <a:defRPr/>
-              </a:pPr>
-              <a:t>2016-08-29</a:t>
-            </a:fld>
+            <a:r>
+              <a:rPr lang="en-US" smtClean="0"/>
+              <a:t>Chef Software, Inc.</a:t>
+            </a:r>
             <a:endParaRPr lang="en-US" dirty="0"/>
           </a:p>
         </p:txBody>
@@ -425,7 +426,7 @@
     </p:extLst>
   </p:cSld>
   <p:clrMap bg1="lt1" tx1="dk1" bg2="lt2" tx2="dk2" accent1="accent1" accent2="accent2" accent3="accent3" accent4="accent4" accent5="accent5" accent6="accent6" hlink="hlink" folHlink="folHlink"/>
-  <p:hf dt="0"/>
+  <p:hf sldNum="0" ftr="0"/>
 </p:handoutMaster>
 </file>
 
@@ -463,7 +464,7 @@
         </p:nvSpPr>
         <p:spPr>
           <a:xfrm>
-            <a:off x="3884613" y="0"/>
+            <a:off x="3884613" y="115500"/>
             <a:ext cx="2971800" cy="457200"/>
           </a:xfrm>
           <a:prstGeom prst="rect">
@@ -491,13 +492,10 @@
             <a:pPr>
               <a:defRPr/>
             </a:pPr>
-            <a:fld id="{72FDBE47-C34F-CF4A-9709-1411AD5B3286}" type="datetime1">
-              <a:rPr lang="en-CA"/>
-              <a:pPr>
-                <a:defRPr/>
-              </a:pPr>
-              <a:t>2016-08-29</a:t>
-            </a:fld>
+            <a:r>
+              <a:rPr lang="en-US" smtClean="0"/>
+              <a:t>Chef Software, Inc.</a:t>
+            </a:r>
             <a:endParaRPr lang="en-US" dirty="0"/>
           </a:p>
         </p:txBody>
@@ -548,8 +546,8 @@
         </p:nvSpPr>
         <p:spPr>
           <a:xfrm>
-            <a:off x="685800" y="4343400"/>
-            <a:ext cx="5486400" cy="4114800"/>
+            <a:off x="381000" y="4343399"/>
+            <a:ext cx="6096000" cy="4521467"/>
           </a:xfrm>
           <a:prstGeom prst="rect">
             <a:avLst/>
@@ -600,68 +598,17 @@
       </p:sp>
       <p:sp>
         <p:nvSpPr>
-          <p:cNvPr id="7" name="Slide Number Placeholder 6"/>
+          <p:cNvPr id="8" name="Header Placeholder 1"/>
           <p:cNvSpPr>
             <a:spLocks noGrp="1"/>
           </p:cNvSpPr>
           <p:nvPr>
-            <p:ph type="sldNum" sz="quarter" idx="5"/>
+            <p:ph type="hdr" sz="quarter"/>
           </p:nvPr>
         </p:nvSpPr>
         <p:spPr>
           <a:xfrm>
-            <a:off x="6172200" y="8685213"/>
-            <a:ext cx="684213" cy="457200"/>
-          </a:xfrm>
-          <a:prstGeom prst="rect">
-            <a:avLst/>
-          </a:prstGeom>
-        </p:spPr>
-        <p:txBody>
-          <a:bodyPr vert="horz" lIns="91440" tIns="45720" rIns="91440" bIns="45720" rtlCol="0" anchor="b"/>
-          <a:lstStyle>
-            <a:lvl1pPr algn="r" defTabSz="1219120" fontAlgn="auto">
-              <a:spcBef>
-                <a:spcPts val="0"/>
-              </a:spcBef>
-              <a:spcAft>
-                <a:spcPts val="0"/>
-              </a:spcAft>
-              <a:defRPr sz="1200" smtClean="0">
-                <a:latin typeface="Arial" panose="020B0604020202020204" pitchFamily="34" charset="0"/>
-                <a:ea typeface="+mn-ea"/>
-                <a:cs typeface="Arial" panose="020B0604020202020204" pitchFamily="34" charset="0"/>
-              </a:defRPr>
-            </a:lvl1pPr>
-          </a:lstStyle>
-          <a:p>
-            <a:pPr>
-              <a:defRPr/>
-            </a:pPr>
-            <a:fld id="{DC3734AA-3150-D947-AC52-2F5DF48BFCD5}" type="slidenum">
-              <a:rPr lang="en-US"/>
-              <a:pPr>
-                <a:defRPr/>
-              </a:pPr>
-              <a:t>‹#›</a:t>
-            </a:fld>
-            <a:endParaRPr lang="en-US" dirty="0"/>
-          </a:p>
-        </p:txBody>
-      </p:sp>
-      <p:sp>
-        <p:nvSpPr>
-          <p:cNvPr id="8" name="Header Placeholder 1"/>
-          <p:cNvSpPr>
-            <a:spLocks noGrp="1"/>
-          </p:cNvSpPr>
-          <p:nvPr>
-            <p:ph type="hdr" sz="quarter"/>
-          </p:nvPr>
-        </p:nvSpPr>
-        <p:spPr>
-          <a:xfrm>
-            <a:off x="0" y="0"/>
+            <a:off x="0" y="115500"/>
             <a:ext cx="2971800" cy="457200"/>
           </a:xfrm>
           <a:prstGeom prst="rect">
@@ -689,53 +636,10 @@
             <a:pPr>
               <a:defRPr/>
             </a:pPr>
-            <a:endParaRPr lang="en-US"/>
-          </a:p>
-        </p:txBody>
-      </p:sp>
-      <p:sp>
-        <p:nvSpPr>
-          <p:cNvPr id="9" name="Footer Placeholder 3"/>
-          <p:cNvSpPr>
-            <a:spLocks noGrp="1"/>
-          </p:cNvSpPr>
-          <p:nvPr>
-            <p:ph type="ftr" sz="quarter" idx="4"/>
-          </p:nvPr>
-        </p:nvSpPr>
-        <p:spPr>
-          <a:xfrm>
-            <a:off x="0" y="8685213"/>
-            <a:ext cx="6248400" cy="457200"/>
-          </a:xfrm>
-          <a:prstGeom prst="rect">
-            <a:avLst/>
-          </a:prstGeom>
-        </p:spPr>
-        <p:txBody>
-          <a:bodyPr vert="horz" lIns="91440" tIns="45720" rIns="91440" bIns="45720" rtlCol="0" anchor="b"/>
-          <a:lstStyle>
-            <a:lvl1pPr algn="l" defTabSz="1219120" fontAlgn="auto">
-              <a:spcBef>
-                <a:spcPts val="0"/>
-              </a:spcBef>
-              <a:spcAft>
-                <a:spcPts val="0"/>
-              </a:spcAft>
-              <a:defRPr sz="900" dirty="0" smtClean="0">
-                <a:solidFill>
-                  <a:srgbClr val="000000"/>
-                </a:solidFill>
-                <a:latin typeface="Arial" panose="020B0604020202020204" pitchFamily="34" charset="0"/>
-                <a:ea typeface="+mn-ea"/>
-                <a:cs typeface="Arial" panose="020B0604020202020204" pitchFamily="34" charset="0"/>
-              </a:defRPr>
-            </a:lvl1pPr>
-          </a:lstStyle>
-          <a:p>
-            <a:pPr>
-              <a:defRPr/>
-            </a:pPr>
+            <a:r>
+              <a:rPr lang="en-US" smtClean="0"/>
+              <a:t>Test Driven Cookbook Development</a:t>
+            </a:r>
             <a:endParaRPr lang="en-US"/>
           </a:p>
         </p:txBody>
@@ -748,7 +652,7 @@
     </p:extLst>
   </p:cSld>
   <p:clrMap bg1="lt1" tx1="dk1" bg2="lt2" tx2="dk2" accent1="accent1" accent2="accent2" accent3="accent3" accent4="accent4" accent5="accent5" accent6="accent6" hlink="hlink" folHlink="folHlink"/>
-  <p:hf dt="0"/>
+  <p:hf sldNum="0" ftr="0"/>
   <p:notesStyle>
     <a:lvl1pPr algn="l" defTabSz="1217613" rtl="0" fontAlgn="base">
       <a:lnSpc>
@@ -954,12 +858,12 @@
       </p:sp>
       <p:sp>
         <p:nvSpPr>
-          <p:cNvPr id="4" name="Slide Number Placeholder 3"/>
+          <p:cNvPr id="5" name="Header Placeholder 4"/>
           <p:cNvSpPr>
             <a:spLocks noGrp="1"/>
           </p:cNvSpPr>
           <p:nvPr>
-            <p:ph type="sldNum" sz="quarter" idx="10"/>
+            <p:ph type="hdr" sz="quarter" idx="11"/>
           </p:nvPr>
         </p:nvSpPr>
         <p:spPr/>
@@ -970,25 +874,22 @@
             <a:pPr>
               <a:defRPr/>
             </a:pPr>
-            <a:fld id="{DC3734AA-3150-D947-AC52-2F5DF48BFCD5}" type="slidenum">
+            <a:r>
               <a:rPr lang="en-US" smtClean="0"/>
-              <a:pPr>
-                <a:defRPr/>
-              </a:pPr>
-              <a:t>1</a:t>
-            </a:fld>
-            <a:endParaRPr lang="en-US" dirty="0"/>
-          </a:p>
-        </p:txBody>
-      </p:sp>
-      <p:sp>
-        <p:nvSpPr>
-          <p:cNvPr id="5" name="Header Placeholder 4"/>
+              <a:t>Test Driven Cookbook Development</a:t>
+            </a:r>
+            <a:endParaRPr lang="en-US"/>
+          </a:p>
+        </p:txBody>
+      </p:sp>
+      <p:sp>
+        <p:nvSpPr>
+          <p:cNvPr id="7" name="Date Placeholder 6"/>
           <p:cNvSpPr>
             <a:spLocks noGrp="1"/>
           </p:cNvSpPr>
           <p:nvPr>
-            <p:ph type="hdr" sz="quarter" idx="11"/>
+            <p:ph type="dt" idx="13"/>
           </p:nvPr>
         </p:nvSpPr>
         <p:spPr/>
@@ -999,29 +900,11 @@
             <a:pPr>
               <a:defRPr/>
             </a:pPr>
-            <a:endParaRPr lang="en-US"/>
-          </a:p>
-        </p:txBody>
-      </p:sp>
-      <p:sp>
-        <p:nvSpPr>
-          <p:cNvPr id="6" name="Footer Placeholder 5"/>
-          <p:cNvSpPr>
-            <a:spLocks noGrp="1"/>
-          </p:cNvSpPr>
-          <p:nvPr>
-            <p:ph type="ftr" sz="quarter" idx="12"/>
-          </p:nvPr>
-        </p:nvSpPr>
-        <p:spPr/>
-        <p:txBody>
-          <a:bodyPr/>
-          <a:lstStyle/>
-          <a:p>
-            <a:pPr>
-              <a:defRPr/>
-            </a:pPr>
-            <a:endParaRPr lang="en-US"/>
+            <a:r>
+              <a:rPr lang="en-US" smtClean="0"/>
+              <a:t>Chef Software, Inc.</a:t>
+            </a:r>
+            <a:endParaRPr lang="en-US" dirty="0"/>
           </a:p>
         </p:txBody>
       </p:sp>
@@ -1112,12 +995,12 @@
       </p:sp>
       <p:sp>
         <p:nvSpPr>
-          <p:cNvPr id="4" name="Slide Number Placeholder 3"/>
+          <p:cNvPr id="5" name="Header Placeholder 4"/>
           <p:cNvSpPr>
             <a:spLocks noGrp="1"/>
           </p:cNvSpPr>
           <p:nvPr>
-            <p:ph type="sldNum" sz="quarter" idx="10"/>
+            <p:ph type="hdr" sz="quarter" idx="11"/>
           </p:nvPr>
         </p:nvSpPr>
         <p:spPr/>
@@ -1128,25 +1011,22 @@
             <a:pPr>
               <a:defRPr/>
             </a:pPr>
-            <a:fld id="{DC3734AA-3150-D947-AC52-2F5DF48BFCD5}" type="slidenum">
+            <a:r>
               <a:rPr lang="en-US" smtClean="0"/>
-              <a:pPr>
-                <a:defRPr/>
-              </a:pPr>
-              <a:t>10</a:t>
-            </a:fld>
-            <a:endParaRPr lang="en-US" dirty="0"/>
-          </a:p>
-        </p:txBody>
-      </p:sp>
-      <p:sp>
-        <p:nvSpPr>
-          <p:cNvPr id="5" name="Header Placeholder 4"/>
+              <a:t>Test Driven Cookbook Development</a:t>
+            </a:r>
+            <a:endParaRPr lang="en-US"/>
+          </a:p>
+        </p:txBody>
+      </p:sp>
+      <p:sp>
+        <p:nvSpPr>
+          <p:cNvPr id="7" name="Date Placeholder 6"/>
           <p:cNvSpPr>
             <a:spLocks noGrp="1"/>
           </p:cNvSpPr>
           <p:nvPr>
-            <p:ph type="hdr" sz="quarter" idx="11"/>
+            <p:ph type="dt" idx="13"/>
           </p:nvPr>
         </p:nvSpPr>
         <p:spPr/>
@@ -1157,29 +1037,11 @@
             <a:pPr>
               <a:defRPr/>
             </a:pPr>
-            <a:endParaRPr lang="en-US"/>
-          </a:p>
-        </p:txBody>
-      </p:sp>
-      <p:sp>
-        <p:nvSpPr>
-          <p:cNvPr id="6" name="Footer Placeholder 5"/>
-          <p:cNvSpPr>
-            <a:spLocks noGrp="1"/>
-          </p:cNvSpPr>
-          <p:nvPr>
-            <p:ph type="ftr" sz="quarter" idx="12"/>
-          </p:nvPr>
-        </p:nvSpPr>
-        <p:spPr/>
-        <p:txBody>
-          <a:bodyPr/>
-          <a:lstStyle/>
-          <a:p>
-            <a:pPr>
-              <a:defRPr/>
-            </a:pPr>
-            <a:endParaRPr lang="en-US"/>
+            <a:r>
+              <a:rPr lang="en-US" smtClean="0"/>
+              <a:t>Chef Software, Inc.</a:t>
+            </a:r>
+            <a:endParaRPr lang="en-US" dirty="0"/>
           </a:p>
         </p:txBody>
       </p:sp>
@@ -1279,11 +1141,7 @@
             </a:r>
             <a:r>
               <a:rPr lang="en-US" baseline="0" dirty="0" smtClean="0"/>
-              <a:t> is </a:t>
-            </a:r>
-            <a:r>
-              <a:rPr lang="en-US" baseline="0" dirty="0" smtClean="0"/>
-              <a:t>built. </a:t>
+              <a:t> is built. </a:t>
             </a:r>
             <a:r>
               <a:rPr lang="en-US" baseline="0" dirty="0" err="1" smtClean="0"/>
@@ -1299,12 +1157,12 @@
       </p:sp>
       <p:sp>
         <p:nvSpPr>
-          <p:cNvPr id="4" name="Slide Number Placeholder 3"/>
+          <p:cNvPr id="5" name="Header Placeholder 4"/>
           <p:cNvSpPr>
             <a:spLocks noGrp="1"/>
           </p:cNvSpPr>
           <p:nvPr>
-            <p:ph type="sldNum" sz="quarter" idx="10"/>
+            <p:ph type="hdr" sz="quarter" idx="11"/>
           </p:nvPr>
         </p:nvSpPr>
         <p:spPr/>
@@ -1315,25 +1173,22 @@
             <a:pPr>
               <a:defRPr/>
             </a:pPr>
-            <a:fld id="{DC3734AA-3150-D947-AC52-2F5DF48BFCD5}" type="slidenum">
+            <a:r>
               <a:rPr lang="en-US" smtClean="0"/>
-              <a:pPr>
-                <a:defRPr/>
-              </a:pPr>
-              <a:t>11</a:t>
-            </a:fld>
-            <a:endParaRPr lang="en-US" dirty="0"/>
-          </a:p>
-        </p:txBody>
-      </p:sp>
-      <p:sp>
-        <p:nvSpPr>
-          <p:cNvPr id="5" name="Header Placeholder 4"/>
+              <a:t>Test Driven Cookbook Development</a:t>
+            </a:r>
+            <a:endParaRPr lang="en-US"/>
+          </a:p>
+        </p:txBody>
+      </p:sp>
+      <p:sp>
+        <p:nvSpPr>
+          <p:cNvPr id="7" name="Date Placeholder 6"/>
           <p:cNvSpPr>
             <a:spLocks noGrp="1"/>
           </p:cNvSpPr>
           <p:nvPr>
-            <p:ph type="hdr" sz="quarter" idx="11"/>
+            <p:ph type="dt" idx="13"/>
           </p:nvPr>
         </p:nvSpPr>
         <p:spPr/>
@@ -1344,29 +1199,11 @@
             <a:pPr>
               <a:defRPr/>
             </a:pPr>
-            <a:endParaRPr lang="en-US"/>
-          </a:p>
-        </p:txBody>
-      </p:sp>
-      <p:sp>
-        <p:nvSpPr>
-          <p:cNvPr id="6" name="Footer Placeholder 5"/>
-          <p:cNvSpPr>
-            <a:spLocks noGrp="1"/>
-          </p:cNvSpPr>
-          <p:nvPr>
-            <p:ph type="ftr" sz="quarter" idx="12"/>
-          </p:nvPr>
-        </p:nvSpPr>
-        <p:spPr/>
-        <p:txBody>
-          <a:bodyPr/>
-          <a:lstStyle/>
-          <a:p>
-            <a:pPr>
-              <a:defRPr/>
-            </a:pPr>
-            <a:endParaRPr lang="en-US"/>
+            <a:r>
+              <a:rPr lang="en-US" smtClean="0"/>
+              <a:t>Chef Software, Inc.</a:t>
+            </a:r>
+            <a:endParaRPr lang="en-US" dirty="0"/>
           </a:p>
         </p:txBody>
       </p:sp>
@@ -1486,12 +1323,12 @@
       </p:sp>
       <p:sp>
         <p:nvSpPr>
-          <p:cNvPr id="4" name="Slide Number Placeholder 3"/>
+          <p:cNvPr id="5" name="Header Placeholder 4"/>
           <p:cNvSpPr>
             <a:spLocks noGrp="1"/>
           </p:cNvSpPr>
           <p:nvPr>
-            <p:ph type="sldNum" sz="quarter" idx="10"/>
+            <p:ph type="hdr" sz="quarter" idx="11"/>
           </p:nvPr>
         </p:nvSpPr>
         <p:spPr/>
@@ -1502,25 +1339,22 @@
             <a:pPr>
               <a:defRPr/>
             </a:pPr>
-            <a:fld id="{DC3734AA-3150-D947-AC52-2F5DF48BFCD5}" type="slidenum">
+            <a:r>
               <a:rPr lang="en-US" smtClean="0"/>
-              <a:pPr>
-                <a:defRPr/>
-              </a:pPr>
-              <a:t>12</a:t>
-            </a:fld>
-            <a:endParaRPr lang="en-US" dirty="0"/>
-          </a:p>
-        </p:txBody>
-      </p:sp>
-      <p:sp>
-        <p:nvSpPr>
-          <p:cNvPr id="5" name="Header Placeholder 4"/>
+              <a:t>Test Driven Cookbook Development</a:t>
+            </a:r>
+            <a:endParaRPr lang="en-US"/>
+          </a:p>
+        </p:txBody>
+      </p:sp>
+      <p:sp>
+        <p:nvSpPr>
+          <p:cNvPr id="7" name="Date Placeholder 6"/>
           <p:cNvSpPr>
             <a:spLocks noGrp="1"/>
           </p:cNvSpPr>
           <p:nvPr>
-            <p:ph type="hdr" sz="quarter" idx="11"/>
+            <p:ph type="dt" idx="13"/>
           </p:nvPr>
         </p:nvSpPr>
         <p:spPr/>
@@ -1531,29 +1365,11 @@
             <a:pPr>
               <a:defRPr/>
             </a:pPr>
-            <a:endParaRPr lang="en-US"/>
-          </a:p>
-        </p:txBody>
-      </p:sp>
-      <p:sp>
-        <p:nvSpPr>
-          <p:cNvPr id="6" name="Footer Placeholder 5"/>
-          <p:cNvSpPr>
-            <a:spLocks noGrp="1"/>
-          </p:cNvSpPr>
-          <p:nvPr>
-            <p:ph type="ftr" sz="quarter" idx="12"/>
-          </p:nvPr>
-        </p:nvSpPr>
-        <p:spPr/>
-        <p:txBody>
-          <a:bodyPr/>
-          <a:lstStyle/>
-          <a:p>
-            <a:pPr>
-              <a:defRPr/>
-            </a:pPr>
-            <a:endParaRPr lang="en-US"/>
+            <a:r>
+              <a:rPr lang="en-US" smtClean="0"/>
+              <a:t>Chef Software, Inc.</a:t>
+            </a:r>
+            <a:endParaRPr lang="en-US" dirty="0"/>
           </a:p>
         </p:txBody>
       </p:sp>
@@ -1623,12 +1439,12 @@
       </p:sp>
       <p:sp>
         <p:nvSpPr>
-          <p:cNvPr id="4" name="Slide Number Placeholder 3"/>
+          <p:cNvPr id="5" name="Header Placeholder 4"/>
           <p:cNvSpPr>
             <a:spLocks noGrp="1"/>
           </p:cNvSpPr>
           <p:nvPr>
-            <p:ph type="sldNum" sz="quarter" idx="10"/>
+            <p:ph type="hdr" sz="quarter" idx="11"/>
           </p:nvPr>
         </p:nvSpPr>
         <p:spPr/>
@@ -1639,25 +1455,22 @@
             <a:pPr>
               <a:defRPr/>
             </a:pPr>
-            <a:fld id="{DC3734AA-3150-D947-AC52-2F5DF48BFCD5}" type="slidenum">
+            <a:r>
               <a:rPr lang="en-US" smtClean="0"/>
-              <a:pPr>
-                <a:defRPr/>
-              </a:pPr>
-              <a:t>13</a:t>
-            </a:fld>
-            <a:endParaRPr lang="en-US" dirty="0"/>
-          </a:p>
-        </p:txBody>
-      </p:sp>
-      <p:sp>
-        <p:nvSpPr>
-          <p:cNvPr id="5" name="Header Placeholder 4"/>
+              <a:t>Test Driven Cookbook Development</a:t>
+            </a:r>
+            <a:endParaRPr lang="en-US"/>
+          </a:p>
+        </p:txBody>
+      </p:sp>
+      <p:sp>
+        <p:nvSpPr>
+          <p:cNvPr id="7" name="Date Placeholder 6"/>
           <p:cNvSpPr>
             <a:spLocks noGrp="1"/>
           </p:cNvSpPr>
           <p:nvPr>
-            <p:ph type="hdr" sz="quarter" idx="11"/>
+            <p:ph type="dt" idx="13"/>
           </p:nvPr>
         </p:nvSpPr>
         <p:spPr/>
@@ -1668,29 +1481,11 @@
             <a:pPr>
               <a:defRPr/>
             </a:pPr>
-            <a:endParaRPr lang="en-US"/>
-          </a:p>
-        </p:txBody>
-      </p:sp>
-      <p:sp>
-        <p:nvSpPr>
-          <p:cNvPr id="6" name="Footer Placeholder 5"/>
-          <p:cNvSpPr>
-            <a:spLocks noGrp="1"/>
-          </p:cNvSpPr>
-          <p:nvPr>
-            <p:ph type="ftr" sz="quarter" idx="12"/>
-          </p:nvPr>
-        </p:nvSpPr>
-        <p:spPr/>
-        <p:txBody>
-          <a:bodyPr/>
-          <a:lstStyle/>
-          <a:p>
-            <a:pPr>
-              <a:defRPr/>
-            </a:pPr>
-            <a:endParaRPr lang="en-US"/>
+            <a:r>
+              <a:rPr lang="en-US" smtClean="0"/>
+              <a:t>Chef Software, Inc.</a:t>
+            </a:r>
+            <a:endParaRPr lang="en-US" dirty="0"/>
           </a:p>
         </p:txBody>
       </p:sp>
@@ -1852,12 +1647,12 @@
       </p:sp>
       <p:sp>
         <p:nvSpPr>
-          <p:cNvPr id="4" name="Slide Number Placeholder 3"/>
+          <p:cNvPr id="5" name="Header Placeholder 4"/>
           <p:cNvSpPr>
             <a:spLocks noGrp="1"/>
           </p:cNvSpPr>
           <p:nvPr>
-            <p:ph type="sldNum" sz="quarter" idx="10"/>
+            <p:ph type="hdr" sz="quarter" idx="11"/>
           </p:nvPr>
         </p:nvSpPr>
         <p:spPr/>
@@ -1868,25 +1663,22 @@
             <a:pPr>
               <a:defRPr/>
             </a:pPr>
-            <a:fld id="{DC3734AA-3150-D947-AC52-2F5DF48BFCD5}" type="slidenum">
+            <a:r>
               <a:rPr lang="en-US" smtClean="0"/>
-              <a:pPr>
-                <a:defRPr/>
-              </a:pPr>
-              <a:t>14</a:t>
-            </a:fld>
-            <a:endParaRPr lang="en-US" dirty="0"/>
-          </a:p>
-        </p:txBody>
-      </p:sp>
-      <p:sp>
-        <p:nvSpPr>
-          <p:cNvPr id="5" name="Header Placeholder 4"/>
+              <a:t>Test Driven Cookbook Development</a:t>
+            </a:r>
+            <a:endParaRPr lang="en-US"/>
+          </a:p>
+        </p:txBody>
+      </p:sp>
+      <p:sp>
+        <p:nvSpPr>
+          <p:cNvPr id="7" name="Date Placeholder 6"/>
           <p:cNvSpPr>
             <a:spLocks noGrp="1"/>
           </p:cNvSpPr>
           <p:nvPr>
-            <p:ph type="hdr" sz="quarter" idx="11"/>
+            <p:ph type="dt" idx="13"/>
           </p:nvPr>
         </p:nvSpPr>
         <p:spPr/>
@@ -1897,29 +1689,11 @@
             <a:pPr>
               <a:defRPr/>
             </a:pPr>
-            <a:endParaRPr lang="en-US"/>
-          </a:p>
-        </p:txBody>
-      </p:sp>
-      <p:sp>
-        <p:nvSpPr>
-          <p:cNvPr id="6" name="Footer Placeholder 5"/>
-          <p:cNvSpPr>
-            <a:spLocks noGrp="1"/>
-          </p:cNvSpPr>
-          <p:nvPr>
-            <p:ph type="ftr" sz="quarter" idx="12"/>
-          </p:nvPr>
-        </p:nvSpPr>
-        <p:spPr/>
-        <p:txBody>
-          <a:bodyPr/>
-          <a:lstStyle/>
-          <a:p>
-            <a:pPr>
-              <a:defRPr/>
-            </a:pPr>
-            <a:endParaRPr lang="en-US"/>
+            <a:r>
+              <a:rPr lang="en-US" smtClean="0"/>
+              <a:t>Chef Software, Inc.</a:t>
+            </a:r>
+            <a:endParaRPr lang="en-US" dirty="0"/>
           </a:p>
         </p:txBody>
       </p:sp>
@@ -2076,12 +1850,12 @@
       </p:sp>
       <p:sp>
         <p:nvSpPr>
-          <p:cNvPr id="4" name="Slide Number Placeholder 3"/>
+          <p:cNvPr id="5" name="Header Placeholder 4"/>
           <p:cNvSpPr>
             <a:spLocks noGrp="1"/>
           </p:cNvSpPr>
           <p:nvPr>
-            <p:ph type="sldNum" sz="quarter" idx="10"/>
+            <p:ph type="hdr" sz="quarter" idx="11"/>
           </p:nvPr>
         </p:nvSpPr>
         <p:spPr/>
@@ -2092,25 +1866,22 @@
             <a:pPr>
               <a:defRPr/>
             </a:pPr>
-            <a:fld id="{DC3734AA-3150-D947-AC52-2F5DF48BFCD5}" type="slidenum">
+            <a:r>
               <a:rPr lang="en-US" smtClean="0"/>
-              <a:pPr>
-                <a:defRPr/>
-              </a:pPr>
-              <a:t>15</a:t>
-            </a:fld>
-            <a:endParaRPr lang="en-US" dirty="0"/>
-          </a:p>
-        </p:txBody>
-      </p:sp>
-      <p:sp>
-        <p:nvSpPr>
-          <p:cNvPr id="5" name="Header Placeholder 4"/>
+              <a:t>Test Driven Cookbook Development</a:t>
+            </a:r>
+            <a:endParaRPr lang="en-US"/>
+          </a:p>
+        </p:txBody>
+      </p:sp>
+      <p:sp>
+        <p:nvSpPr>
+          <p:cNvPr id="7" name="Date Placeholder 6"/>
           <p:cNvSpPr>
             <a:spLocks noGrp="1"/>
           </p:cNvSpPr>
           <p:nvPr>
-            <p:ph type="hdr" sz="quarter" idx="11"/>
+            <p:ph type="dt" idx="13"/>
           </p:nvPr>
         </p:nvSpPr>
         <p:spPr/>
@@ -2121,29 +1892,11 @@
             <a:pPr>
               <a:defRPr/>
             </a:pPr>
-            <a:endParaRPr lang="en-US"/>
-          </a:p>
-        </p:txBody>
-      </p:sp>
-      <p:sp>
-        <p:nvSpPr>
-          <p:cNvPr id="6" name="Footer Placeholder 5"/>
-          <p:cNvSpPr>
-            <a:spLocks noGrp="1"/>
-          </p:cNvSpPr>
-          <p:nvPr>
-            <p:ph type="ftr" sz="quarter" idx="12"/>
-          </p:nvPr>
-        </p:nvSpPr>
-        <p:spPr/>
-        <p:txBody>
-          <a:bodyPr/>
-          <a:lstStyle/>
-          <a:p>
-            <a:pPr>
-              <a:defRPr/>
-            </a:pPr>
-            <a:endParaRPr lang="en-US"/>
+            <a:r>
+              <a:rPr lang="en-US" smtClean="0"/>
+              <a:t>Chef Software, Inc.</a:t>
+            </a:r>
+            <a:endParaRPr lang="en-US" dirty="0"/>
           </a:p>
         </p:txBody>
       </p:sp>
@@ -2218,12 +1971,12 @@
       </p:sp>
       <p:sp>
         <p:nvSpPr>
-          <p:cNvPr id="4" name="Slide Number Placeholder 3"/>
+          <p:cNvPr id="5" name="Header Placeholder 4"/>
           <p:cNvSpPr>
             <a:spLocks noGrp="1"/>
           </p:cNvSpPr>
           <p:nvPr>
-            <p:ph type="sldNum" sz="quarter" idx="10"/>
+            <p:ph type="hdr" sz="quarter" idx="11"/>
           </p:nvPr>
         </p:nvSpPr>
         <p:spPr/>
@@ -2234,25 +1987,22 @@
             <a:pPr>
               <a:defRPr/>
             </a:pPr>
-            <a:fld id="{DC3734AA-3150-D947-AC52-2F5DF48BFCD5}" type="slidenum">
+            <a:r>
               <a:rPr lang="en-US" smtClean="0"/>
-              <a:pPr>
-                <a:defRPr/>
-              </a:pPr>
-              <a:t>16</a:t>
-            </a:fld>
-            <a:endParaRPr lang="en-US" dirty="0"/>
-          </a:p>
-        </p:txBody>
-      </p:sp>
-      <p:sp>
-        <p:nvSpPr>
-          <p:cNvPr id="5" name="Header Placeholder 4"/>
+              <a:t>Test Driven Cookbook Development</a:t>
+            </a:r>
+            <a:endParaRPr lang="en-US"/>
+          </a:p>
+        </p:txBody>
+      </p:sp>
+      <p:sp>
+        <p:nvSpPr>
+          <p:cNvPr id="7" name="Date Placeholder 6"/>
           <p:cNvSpPr>
             <a:spLocks noGrp="1"/>
           </p:cNvSpPr>
           <p:nvPr>
-            <p:ph type="hdr" sz="quarter" idx="11"/>
+            <p:ph type="dt" idx="13"/>
           </p:nvPr>
         </p:nvSpPr>
         <p:spPr/>
@@ -2263,29 +2013,11 @@
             <a:pPr>
               <a:defRPr/>
             </a:pPr>
-            <a:endParaRPr lang="en-US"/>
-          </a:p>
-        </p:txBody>
-      </p:sp>
-      <p:sp>
-        <p:nvSpPr>
-          <p:cNvPr id="6" name="Footer Placeholder 5"/>
-          <p:cNvSpPr>
-            <a:spLocks noGrp="1"/>
-          </p:cNvSpPr>
-          <p:nvPr>
-            <p:ph type="ftr" sz="quarter" idx="12"/>
-          </p:nvPr>
-        </p:nvSpPr>
-        <p:spPr/>
-        <p:txBody>
-          <a:bodyPr/>
-          <a:lstStyle/>
-          <a:p>
-            <a:pPr>
-              <a:defRPr/>
-            </a:pPr>
-            <a:endParaRPr lang="en-US"/>
+            <a:r>
+              <a:rPr lang="en-US" smtClean="0"/>
+              <a:t>Chef Software, Inc.</a:t>
+            </a:r>
+            <a:endParaRPr lang="en-US" dirty="0"/>
           </a:p>
         </p:txBody>
       </p:sp>
@@ -2385,12 +2117,12 @@
       </p:sp>
       <p:sp>
         <p:nvSpPr>
-          <p:cNvPr id="4" name="Slide Number Placeholder 3"/>
+          <p:cNvPr id="5" name="Header Placeholder 4"/>
           <p:cNvSpPr>
             <a:spLocks noGrp="1"/>
           </p:cNvSpPr>
           <p:nvPr>
-            <p:ph type="sldNum" sz="quarter" idx="10"/>
+            <p:ph type="hdr" sz="quarter" idx="11"/>
           </p:nvPr>
         </p:nvSpPr>
         <p:spPr/>
@@ -2401,25 +2133,22 @@
             <a:pPr>
               <a:defRPr/>
             </a:pPr>
-            <a:fld id="{DC3734AA-3150-D947-AC52-2F5DF48BFCD5}" type="slidenum">
+            <a:r>
               <a:rPr lang="en-US" smtClean="0"/>
-              <a:pPr>
-                <a:defRPr/>
-              </a:pPr>
-              <a:t>17</a:t>
-            </a:fld>
-            <a:endParaRPr lang="en-US" dirty="0"/>
-          </a:p>
-        </p:txBody>
-      </p:sp>
-      <p:sp>
-        <p:nvSpPr>
-          <p:cNvPr id="5" name="Header Placeholder 4"/>
+              <a:t>Test Driven Cookbook Development</a:t>
+            </a:r>
+            <a:endParaRPr lang="en-US"/>
+          </a:p>
+        </p:txBody>
+      </p:sp>
+      <p:sp>
+        <p:nvSpPr>
+          <p:cNvPr id="7" name="Date Placeholder 6"/>
           <p:cNvSpPr>
             <a:spLocks noGrp="1"/>
           </p:cNvSpPr>
           <p:nvPr>
-            <p:ph type="hdr" sz="quarter" idx="11"/>
+            <p:ph type="dt" idx="13"/>
           </p:nvPr>
         </p:nvSpPr>
         <p:spPr/>
@@ -2430,29 +2159,11 @@
             <a:pPr>
               <a:defRPr/>
             </a:pPr>
-            <a:endParaRPr lang="en-US"/>
-          </a:p>
-        </p:txBody>
-      </p:sp>
-      <p:sp>
-        <p:nvSpPr>
-          <p:cNvPr id="6" name="Footer Placeholder 5"/>
-          <p:cNvSpPr>
-            <a:spLocks noGrp="1"/>
-          </p:cNvSpPr>
-          <p:nvPr>
-            <p:ph type="ftr" sz="quarter" idx="12"/>
-          </p:nvPr>
-        </p:nvSpPr>
-        <p:spPr/>
-        <p:txBody>
-          <a:bodyPr/>
-          <a:lstStyle/>
-          <a:p>
-            <a:pPr>
-              <a:defRPr/>
-            </a:pPr>
-            <a:endParaRPr lang="en-US"/>
+            <a:r>
+              <a:rPr lang="en-US" smtClean="0"/>
+              <a:t>Chef Software, Inc.</a:t>
+            </a:r>
+            <a:endParaRPr lang="en-US" dirty="0"/>
           </a:p>
         </p:txBody>
       </p:sp>
@@ -2535,12 +2246,12 @@
       </p:sp>
       <p:sp>
         <p:nvSpPr>
-          <p:cNvPr id="4" name="Slide Number Placeholder 3"/>
+          <p:cNvPr id="5" name="Header Placeholder 4"/>
           <p:cNvSpPr>
             <a:spLocks noGrp="1"/>
           </p:cNvSpPr>
           <p:nvPr>
-            <p:ph type="sldNum" sz="quarter" idx="10"/>
+            <p:ph type="hdr" sz="quarter" idx="11"/>
           </p:nvPr>
         </p:nvSpPr>
         <p:spPr/>
@@ -2551,25 +2262,22 @@
             <a:pPr>
               <a:defRPr/>
             </a:pPr>
-            <a:fld id="{DC3734AA-3150-D947-AC52-2F5DF48BFCD5}" type="slidenum">
+            <a:r>
               <a:rPr lang="en-US" smtClean="0"/>
-              <a:pPr>
-                <a:defRPr/>
-              </a:pPr>
-              <a:t>18</a:t>
-            </a:fld>
-            <a:endParaRPr lang="en-US" dirty="0"/>
-          </a:p>
-        </p:txBody>
-      </p:sp>
-      <p:sp>
-        <p:nvSpPr>
-          <p:cNvPr id="5" name="Header Placeholder 4"/>
+              <a:t>Test Driven Cookbook Development</a:t>
+            </a:r>
+            <a:endParaRPr lang="en-US"/>
+          </a:p>
+        </p:txBody>
+      </p:sp>
+      <p:sp>
+        <p:nvSpPr>
+          <p:cNvPr id="7" name="Date Placeholder 6"/>
           <p:cNvSpPr>
             <a:spLocks noGrp="1"/>
           </p:cNvSpPr>
           <p:nvPr>
-            <p:ph type="hdr" sz="quarter" idx="11"/>
+            <p:ph type="dt" idx="13"/>
           </p:nvPr>
         </p:nvSpPr>
         <p:spPr/>
@@ -2580,29 +2288,11 @@
             <a:pPr>
               <a:defRPr/>
             </a:pPr>
-            <a:endParaRPr lang="en-US"/>
-          </a:p>
-        </p:txBody>
-      </p:sp>
-      <p:sp>
-        <p:nvSpPr>
-          <p:cNvPr id="6" name="Footer Placeholder 5"/>
-          <p:cNvSpPr>
-            <a:spLocks noGrp="1"/>
-          </p:cNvSpPr>
-          <p:nvPr>
-            <p:ph type="ftr" sz="quarter" idx="12"/>
-          </p:nvPr>
-        </p:nvSpPr>
-        <p:spPr/>
-        <p:txBody>
-          <a:bodyPr/>
-          <a:lstStyle/>
-          <a:p>
-            <a:pPr>
-              <a:defRPr/>
-            </a:pPr>
-            <a:endParaRPr lang="en-US"/>
+            <a:r>
+              <a:rPr lang="en-US" smtClean="0"/>
+              <a:t>Chef Software, Inc.</a:t>
+            </a:r>
+            <a:endParaRPr lang="en-US" dirty="0"/>
           </a:p>
         </p:txBody>
       </p:sp>
@@ -2685,12 +2375,12 @@
       </p:sp>
       <p:sp>
         <p:nvSpPr>
-          <p:cNvPr id="4" name="Slide Number Placeholder 3"/>
+          <p:cNvPr id="5" name="Header Placeholder 4"/>
           <p:cNvSpPr>
             <a:spLocks noGrp="1"/>
           </p:cNvSpPr>
           <p:nvPr>
-            <p:ph type="sldNum" sz="quarter" idx="10"/>
+            <p:ph type="hdr" sz="quarter" idx="11"/>
           </p:nvPr>
         </p:nvSpPr>
         <p:spPr/>
@@ -2701,25 +2391,22 @@
             <a:pPr>
               <a:defRPr/>
             </a:pPr>
-            <a:fld id="{DC3734AA-3150-D947-AC52-2F5DF48BFCD5}" type="slidenum">
+            <a:r>
               <a:rPr lang="en-US" smtClean="0"/>
-              <a:pPr>
-                <a:defRPr/>
-              </a:pPr>
-              <a:t>19</a:t>
-            </a:fld>
-            <a:endParaRPr lang="en-US" dirty="0"/>
-          </a:p>
-        </p:txBody>
-      </p:sp>
-      <p:sp>
-        <p:nvSpPr>
-          <p:cNvPr id="5" name="Header Placeholder 4"/>
+              <a:t>Test Driven Cookbook Development</a:t>
+            </a:r>
+            <a:endParaRPr lang="en-US"/>
+          </a:p>
+        </p:txBody>
+      </p:sp>
+      <p:sp>
+        <p:nvSpPr>
+          <p:cNvPr id="7" name="Date Placeholder 6"/>
           <p:cNvSpPr>
             <a:spLocks noGrp="1"/>
           </p:cNvSpPr>
           <p:nvPr>
-            <p:ph type="hdr" sz="quarter" idx="11"/>
+            <p:ph type="dt" idx="13"/>
           </p:nvPr>
         </p:nvSpPr>
         <p:spPr/>
@@ -2730,29 +2417,11 @@
             <a:pPr>
               <a:defRPr/>
             </a:pPr>
-            <a:endParaRPr lang="en-US"/>
-          </a:p>
-        </p:txBody>
-      </p:sp>
-      <p:sp>
-        <p:nvSpPr>
-          <p:cNvPr id="6" name="Footer Placeholder 5"/>
-          <p:cNvSpPr>
-            <a:spLocks noGrp="1"/>
-          </p:cNvSpPr>
-          <p:nvPr>
-            <p:ph type="ftr" sz="quarter" idx="12"/>
-          </p:nvPr>
-        </p:nvSpPr>
-        <p:spPr/>
-        <p:txBody>
-          <a:bodyPr/>
-          <a:lstStyle/>
-          <a:p>
-            <a:pPr>
-              <a:defRPr/>
-            </a:pPr>
-            <a:endParaRPr lang="en-US"/>
+            <a:r>
+              <a:rPr lang="en-US" smtClean="0"/>
+              <a:t>Chef Software, Inc.</a:t>
+            </a:r>
+            <a:endParaRPr lang="en-US" dirty="0"/>
           </a:p>
         </p:txBody>
       </p:sp>
@@ -2822,12 +2491,12 @@
       </p:sp>
       <p:sp>
         <p:nvSpPr>
-          <p:cNvPr id="4" name="Slide Number Placeholder 3"/>
+          <p:cNvPr id="5" name="Header Placeholder 4"/>
           <p:cNvSpPr>
             <a:spLocks noGrp="1"/>
           </p:cNvSpPr>
           <p:nvPr>
-            <p:ph type="sldNum" sz="quarter" idx="10"/>
+            <p:ph type="hdr" sz="quarter" idx="11"/>
           </p:nvPr>
         </p:nvSpPr>
         <p:spPr/>
@@ -2838,25 +2507,22 @@
             <a:pPr>
               <a:defRPr/>
             </a:pPr>
-            <a:fld id="{DC3734AA-3150-D947-AC52-2F5DF48BFCD5}" type="slidenum">
+            <a:r>
               <a:rPr lang="en-US" smtClean="0"/>
-              <a:pPr>
-                <a:defRPr/>
-              </a:pPr>
-              <a:t>2</a:t>
-            </a:fld>
-            <a:endParaRPr lang="en-US" dirty="0"/>
-          </a:p>
-        </p:txBody>
-      </p:sp>
-      <p:sp>
-        <p:nvSpPr>
-          <p:cNvPr id="5" name="Header Placeholder 4"/>
+              <a:t>Test Driven Cookbook Development</a:t>
+            </a:r>
+            <a:endParaRPr lang="en-US"/>
+          </a:p>
+        </p:txBody>
+      </p:sp>
+      <p:sp>
+        <p:nvSpPr>
+          <p:cNvPr id="7" name="Date Placeholder 6"/>
           <p:cNvSpPr>
             <a:spLocks noGrp="1"/>
           </p:cNvSpPr>
           <p:nvPr>
-            <p:ph type="hdr" sz="quarter" idx="11"/>
+            <p:ph type="dt" idx="13"/>
           </p:nvPr>
         </p:nvSpPr>
         <p:spPr/>
@@ -2867,29 +2533,11 @@
             <a:pPr>
               <a:defRPr/>
             </a:pPr>
-            <a:endParaRPr lang="en-US"/>
-          </a:p>
-        </p:txBody>
-      </p:sp>
-      <p:sp>
-        <p:nvSpPr>
-          <p:cNvPr id="6" name="Footer Placeholder 5"/>
-          <p:cNvSpPr>
-            <a:spLocks noGrp="1"/>
-          </p:cNvSpPr>
-          <p:nvPr>
-            <p:ph type="ftr" sz="quarter" idx="12"/>
-          </p:nvPr>
-        </p:nvSpPr>
-        <p:spPr/>
-        <p:txBody>
-          <a:bodyPr/>
-          <a:lstStyle/>
-          <a:p>
-            <a:pPr>
-              <a:defRPr/>
-            </a:pPr>
-            <a:endParaRPr lang="en-US"/>
+            <a:r>
+              <a:rPr lang="en-US" smtClean="0"/>
+              <a:t>Chef Software, Inc.</a:t>
+            </a:r>
+            <a:endParaRPr lang="en-US" dirty="0"/>
           </a:p>
         </p:txBody>
       </p:sp>
@@ -2964,12 +2612,12 @@
       </p:sp>
       <p:sp>
         <p:nvSpPr>
-          <p:cNvPr id="4" name="Slide Number Placeholder 3"/>
+          <p:cNvPr id="5" name="Header Placeholder 4"/>
           <p:cNvSpPr>
             <a:spLocks noGrp="1"/>
           </p:cNvSpPr>
           <p:nvPr>
-            <p:ph type="sldNum" sz="quarter" idx="10"/>
+            <p:ph type="hdr" sz="quarter" idx="11"/>
           </p:nvPr>
         </p:nvSpPr>
         <p:spPr/>
@@ -2980,25 +2628,22 @@
             <a:pPr>
               <a:defRPr/>
             </a:pPr>
-            <a:fld id="{DC3734AA-3150-D947-AC52-2F5DF48BFCD5}" type="slidenum">
+            <a:r>
               <a:rPr lang="en-US" smtClean="0"/>
-              <a:pPr>
-                <a:defRPr/>
-              </a:pPr>
-              <a:t>20</a:t>
-            </a:fld>
-            <a:endParaRPr lang="en-US" dirty="0"/>
-          </a:p>
-        </p:txBody>
-      </p:sp>
-      <p:sp>
-        <p:nvSpPr>
-          <p:cNvPr id="5" name="Header Placeholder 4"/>
+              <a:t>Test Driven Cookbook Development</a:t>
+            </a:r>
+            <a:endParaRPr lang="en-US"/>
+          </a:p>
+        </p:txBody>
+      </p:sp>
+      <p:sp>
+        <p:nvSpPr>
+          <p:cNvPr id="7" name="Date Placeholder 6"/>
           <p:cNvSpPr>
             <a:spLocks noGrp="1"/>
           </p:cNvSpPr>
           <p:nvPr>
-            <p:ph type="hdr" sz="quarter" idx="11"/>
+            <p:ph type="dt" idx="13"/>
           </p:nvPr>
         </p:nvSpPr>
         <p:spPr/>
@@ -3009,29 +2654,11 @@
             <a:pPr>
               <a:defRPr/>
             </a:pPr>
-            <a:endParaRPr lang="en-US"/>
-          </a:p>
-        </p:txBody>
-      </p:sp>
-      <p:sp>
-        <p:nvSpPr>
-          <p:cNvPr id="6" name="Footer Placeholder 5"/>
-          <p:cNvSpPr>
-            <a:spLocks noGrp="1"/>
-          </p:cNvSpPr>
-          <p:nvPr>
-            <p:ph type="ftr" sz="quarter" idx="12"/>
-          </p:nvPr>
-        </p:nvSpPr>
-        <p:spPr/>
-        <p:txBody>
-          <a:bodyPr/>
-          <a:lstStyle/>
-          <a:p>
-            <a:pPr>
-              <a:defRPr/>
-            </a:pPr>
-            <a:endParaRPr lang="en-US"/>
+            <a:r>
+              <a:rPr lang="en-US" smtClean="0"/>
+              <a:t>Chef Software, Inc.</a:t>
+            </a:r>
+            <a:endParaRPr lang="en-US" dirty="0"/>
           </a:p>
         </p:txBody>
       </p:sp>
@@ -3106,12 +2733,12 @@
       </p:sp>
       <p:sp>
         <p:nvSpPr>
-          <p:cNvPr id="4" name="Slide Number Placeholder 3"/>
+          <p:cNvPr id="5" name="Header Placeholder 4"/>
           <p:cNvSpPr>
             <a:spLocks noGrp="1"/>
           </p:cNvSpPr>
           <p:nvPr>
-            <p:ph type="sldNum" sz="quarter" idx="10"/>
+            <p:ph type="hdr" sz="quarter" idx="11"/>
           </p:nvPr>
         </p:nvSpPr>
         <p:spPr/>
@@ -3122,25 +2749,22 @@
             <a:pPr>
               <a:defRPr/>
             </a:pPr>
-            <a:fld id="{DC3734AA-3150-D947-AC52-2F5DF48BFCD5}" type="slidenum">
+            <a:r>
               <a:rPr lang="en-US" smtClean="0"/>
-              <a:pPr>
-                <a:defRPr/>
-              </a:pPr>
-              <a:t>21</a:t>
-            </a:fld>
-            <a:endParaRPr lang="en-US" dirty="0"/>
-          </a:p>
-        </p:txBody>
-      </p:sp>
-      <p:sp>
-        <p:nvSpPr>
-          <p:cNvPr id="5" name="Header Placeholder 4"/>
+              <a:t>Test Driven Cookbook Development</a:t>
+            </a:r>
+            <a:endParaRPr lang="en-US"/>
+          </a:p>
+        </p:txBody>
+      </p:sp>
+      <p:sp>
+        <p:nvSpPr>
+          <p:cNvPr id="7" name="Date Placeholder 6"/>
           <p:cNvSpPr>
             <a:spLocks noGrp="1"/>
           </p:cNvSpPr>
           <p:nvPr>
-            <p:ph type="hdr" sz="quarter" idx="11"/>
+            <p:ph type="dt" idx="13"/>
           </p:nvPr>
         </p:nvSpPr>
         <p:spPr/>
@@ -3151,29 +2775,11 @@
             <a:pPr>
               <a:defRPr/>
             </a:pPr>
-            <a:endParaRPr lang="en-US"/>
-          </a:p>
-        </p:txBody>
-      </p:sp>
-      <p:sp>
-        <p:nvSpPr>
-          <p:cNvPr id="6" name="Footer Placeholder 5"/>
-          <p:cNvSpPr>
-            <a:spLocks noGrp="1"/>
-          </p:cNvSpPr>
-          <p:nvPr>
-            <p:ph type="ftr" sz="quarter" idx="12"/>
-          </p:nvPr>
-        </p:nvSpPr>
-        <p:spPr/>
-        <p:txBody>
-          <a:bodyPr/>
-          <a:lstStyle/>
-          <a:p>
-            <a:pPr>
-              <a:defRPr/>
-            </a:pPr>
-            <a:endParaRPr lang="en-US"/>
+            <a:r>
+              <a:rPr lang="en-US" smtClean="0"/>
+              <a:t>Chef Software, Inc.</a:t>
+            </a:r>
+            <a:endParaRPr lang="en-US" dirty="0"/>
           </a:p>
         </p:txBody>
       </p:sp>
@@ -3248,12 +2854,12 @@
       </p:sp>
       <p:sp>
         <p:nvSpPr>
-          <p:cNvPr id="4" name="Slide Number Placeholder 3"/>
+          <p:cNvPr id="5" name="Header Placeholder 4"/>
           <p:cNvSpPr>
             <a:spLocks noGrp="1"/>
           </p:cNvSpPr>
           <p:nvPr>
-            <p:ph type="sldNum" sz="quarter" idx="10"/>
+            <p:ph type="hdr" sz="quarter" idx="11"/>
           </p:nvPr>
         </p:nvSpPr>
         <p:spPr/>
@@ -3264,25 +2870,22 @@
             <a:pPr>
               <a:defRPr/>
             </a:pPr>
-            <a:fld id="{DC3734AA-3150-D947-AC52-2F5DF48BFCD5}" type="slidenum">
+            <a:r>
               <a:rPr lang="en-US" smtClean="0"/>
-              <a:pPr>
-                <a:defRPr/>
-              </a:pPr>
-              <a:t>22</a:t>
-            </a:fld>
-            <a:endParaRPr lang="en-US" dirty="0"/>
-          </a:p>
-        </p:txBody>
-      </p:sp>
-      <p:sp>
-        <p:nvSpPr>
-          <p:cNvPr id="5" name="Header Placeholder 4"/>
+              <a:t>Test Driven Cookbook Development</a:t>
+            </a:r>
+            <a:endParaRPr lang="en-US"/>
+          </a:p>
+        </p:txBody>
+      </p:sp>
+      <p:sp>
+        <p:nvSpPr>
+          <p:cNvPr id="7" name="Date Placeholder 6"/>
           <p:cNvSpPr>
             <a:spLocks noGrp="1"/>
           </p:cNvSpPr>
           <p:nvPr>
-            <p:ph type="hdr" sz="quarter" idx="11"/>
+            <p:ph type="dt" idx="13"/>
           </p:nvPr>
         </p:nvSpPr>
         <p:spPr/>
@@ -3293,29 +2896,11 @@
             <a:pPr>
               <a:defRPr/>
             </a:pPr>
-            <a:endParaRPr lang="en-US"/>
-          </a:p>
-        </p:txBody>
-      </p:sp>
-      <p:sp>
-        <p:nvSpPr>
-          <p:cNvPr id="6" name="Footer Placeholder 5"/>
-          <p:cNvSpPr>
-            <a:spLocks noGrp="1"/>
-          </p:cNvSpPr>
-          <p:nvPr>
-            <p:ph type="ftr" sz="quarter" idx="12"/>
-          </p:nvPr>
-        </p:nvSpPr>
-        <p:spPr/>
-        <p:txBody>
-          <a:bodyPr/>
-          <a:lstStyle/>
-          <a:p>
-            <a:pPr>
-              <a:defRPr/>
-            </a:pPr>
-            <a:endParaRPr lang="en-US"/>
+            <a:r>
+              <a:rPr lang="en-US" smtClean="0"/>
+              <a:t>Chef Software, Inc.</a:t>
+            </a:r>
+            <a:endParaRPr lang="en-US" dirty="0"/>
           </a:p>
         </p:txBody>
       </p:sp>
@@ -3438,12 +3023,12 @@
       </p:sp>
       <p:sp>
         <p:nvSpPr>
-          <p:cNvPr id="4" name="Slide Number Placeholder 3"/>
+          <p:cNvPr id="5" name="Header Placeholder 4"/>
           <p:cNvSpPr>
             <a:spLocks noGrp="1"/>
           </p:cNvSpPr>
           <p:nvPr>
-            <p:ph type="sldNum" sz="quarter" idx="10"/>
+            <p:ph type="hdr" sz="quarter" idx="11"/>
           </p:nvPr>
         </p:nvSpPr>
         <p:spPr/>
@@ -3454,25 +3039,22 @@
             <a:pPr>
               <a:defRPr/>
             </a:pPr>
-            <a:fld id="{DC3734AA-3150-D947-AC52-2F5DF48BFCD5}" type="slidenum">
+            <a:r>
               <a:rPr lang="en-US" smtClean="0"/>
-              <a:pPr>
-                <a:defRPr/>
-              </a:pPr>
-              <a:t>23</a:t>
-            </a:fld>
-            <a:endParaRPr lang="en-US" dirty="0"/>
-          </a:p>
-        </p:txBody>
-      </p:sp>
-      <p:sp>
-        <p:nvSpPr>
-          <p:cNvPr id="5" name="Header Placeholder 4"/>
+              <a:t>Test Driven Cookbook Development</a:t>
+            </a:r>
+            <a:endParaRPr lang="en-US"/>
+          </a:p>
+        </p:txBody>
+      </p:sp>
+      <p:sp>
+        <p:nvSpPr>
+          <p:cNvPr id="7" name="Date Placeholder 6"/>
           <p:cNvSpPr>
             <a:spLocks noGrp="1"/>
           </p:cNvSpPr>
           <p:nvPr>
-            <p:ph type="hdr" sz="quarter" idx="11"/>
+            <p:ph type="dt" idx="13"/>
           </p:nvPr>
         </p:nvSpPr>
         <p:spPr/>
@@ -3483,29 +3065,11 @@
             <a:pPr>
               <a:defRPr/>
             </a:pPr>
-            <a:endParaRPr lang="en-US"/>
-          </a:p>
-        </p:txBody>
-      </p:sp>
-      <p:sp>
-        <p:nvSpPr>
-          <p:cNvPr id="6" name="Footer Placeholder 5"/>
-          <p:cNvSpPr>
-            <a:spLocks noGrp="1"/>
-          </p:cNvSpPr>
-          <p:nvPr>
-            <p:ph type="ftr" sz="quarter" idx="12"/>
-          </p:nvPr>
-        </p:nvSpPr>
-        <p:spPr/>
-        <p:txBody>
-          <a:bodyPr/>
-          <a:lstStyle/>
-          <a:p>
-            <a:pPr>
-              <a:defRPr/>
-            </a:pPr>
-            <a:endParaRPr lang="en-US"/>
+            <a:r>
+              <a:rPr lang="en-US" smtClean="0"/>
+              <a:t>Chef Software, Inc.</a:t>
+            </a:r>
+            <a:endParaRPr lang="en-US" dirty="0"/>
           </a:p>
         </p:txBody>
       </p:sp>
@@ -3587,12 +3151,12 @@
       </p:sp>
       <p:sp>
         <p:nvSpPr>
-          <p:cNvPr id="4" name="Slide Number Placeholder 3"/>
+          <p:cNvPr id="5" name="Header Placeholder 4"/>
           <p:cNvSpPr>
             <a:spLocks noGrp="1"/>
           </p:cNvSpPr>
           <p:nvPr>
-            <p:ph type="sldNum" sz="quarter" idx="10"/>
+            <p:ph type="hdr" sz="quarter" idx="11"/>
           </p:nvPr>
         </p:nvSpPr>
         <p:spPr/>
@@ -3603,25 +3167,22 @@
             <a:pPr>
               <a:defRPr/>
             </a:pPr>
-            <a:fld id="{DC3734AA-3150-D947-AC52-2F5DF48BFCD5}" type="slidenum">
+            <a:r>
               <a:rPr lang="en-US" smtClean="0"/>
-              <a:pPr>
-                <a:defRPr/>
-              </a:pPr>
-              <a:t>24</a:t>
-            </a:fld>
-            <a:endParaRPr lang="en-US" dirty="0"/>
-          </a:p>
-        </p:txBody>
-      </p:sp>
-      <p:sp>
-        <p:nvSpPr>
-          <p:cNvPr id="5" name="Header Placeholder 4"/>
+              <a:t>Test Driven Cookbook Development</a:t>
+            </a:r>
+            <a:endParaRPr lang="en-US"/>
+          </a:p>
+        </p:txBody>
+      </p:sp>
+      <p:sp>
+        <p:nvSpPr>
+          <p:cNvPr id="7" name="Date Placeholder 6"/>
           <p:cNvSpPr>
             <a:spLocks noGrp="1"/>
           </p:cNvSpPr>
           <p:nvPr>
-            <p:ph type="hdr" sz="quarter" idx="11"/>
+            <p:ph type="dt" idx="13"/>
           </p:nvPr>
         </p:nvSpPr>
         <p:spPr/>
@@ -3632,29 +3193,11 @@
             <a:pPr>
               <a:defRPr/>
             </a:pPr>
-            <a:endParaRPr lang="en-US"/>
-          </a:p>
-        </p:txBody>
-      </p:sp>
-      <p:sp>
-        <p:nvSpPr>
-          <p:cNvPr id="6" name="Footer Placeholder 5"/>
-          <p:cNvSpPr>
-            <a:spLocks noGrp="1"/>
-          </p:cNvSpPr>
-          <p:nvPr>
-            <p:ph type="ftr" sz="quarter" idx="12"/>
-          </p:nvPr>
-        </p:nvSpPr>
-        <p:spPr/>
-        <p:txBody>
-          <a:bodyPr/>
-          <a:lstStyle/>
-          <a:p>
-            <a:pPr>
-              <a:defRPr/>
-            </a:pPr>
-            <a:endParaRPr lang="en-US"/>
+            <a:r>
+              <a:rPr lang="en-US" smtClean="0"/>
+              <a:t>Chef Software, Inc.</a:t>
+            </a:r>
+            <a:endParaRPr lang="en-US" dirty="0"/>
           </a:p>
         </p:txBody>
       </p:sp>
@@ -3745,12 +3288,12 @@
       </p:sp>
       <p:sp>
         <p:nvSpPr>
-          <p:cNvPr id="4" name="Slide Number Placeholder 3"/>
+          <p:cNvPr id="5" name="Header Placeholder 4"/>
           <p:cNvSpPr>
             <a:spLocks noGrp="1"/>
           </p:cNvSpPr>
           <p:nvPr>
-            <p:ph type="sldNum" sz="quarter" idx="10"/>
+            <p:ph type="hdr" sz="quarter" idx="11"/>
           </p:nvPr>
         </p:nvSpPr>
         <p:spPr/>
@@ -3761,25 +3304,22 @@
             <a:pPr>
               <a:defRPr/>
             </a:pPr>
-            <a:fld id="{DC3734AA-3150-D947-AC52-2F5DF48BFCD5}" type="slidenum">
+            <a:r>
               <a:rPr lang="en-US" smtClean="0"/>
-              <a:pPr>
-                <a:defRPr/>
-              </a:pPr>
-              <a:t>25</a:t>
-            </a:fld>
-            <a:endParaRPr lang="en-US" dirty="0"/>
-          </a:p>
-        </p:txBody>
-      </p:sp>
-      <p:sp>
-        <p:nvSpPr>
-          <p:cNvPr id="5" name="Header Placeholder 4"/>
+              <a:t>Test Driven Cookbook Development</a:t>
+            </a:r>
+            <a:endParaRPr lang="en-US"/>
+          </a:p>
+        </p:txBody>
+      </p:sp>
+      <p:sp>
+        <p:nvSpPr>
+          <p:cNvPr id="7" name="Date Placeholder 6"/>
           <p:cNvSpPr>
             <a:spLocks noGrp="1"/>
           </p:cNvSpPr>
           <p:nvPr>
-            <p:ph type="hdr" sz="quarter" idx="11"/>
+            <p:ph type="dt" idx="13"/>
           </p:nvPr>
         </p:nvSpPr>
         <p:spPr/>
@@ -3790,29 +3330,11 @@
             <a:pPr>
               <a:defRPr/>
             </a:pPr>
-            <a:endParaRPr lang="en-US"/>
-          </a:p>
-        </p:txBody>
-      </p:sp>
-      <p:sp>
-        <p:nvSpPr>
-          <p:cNvPr id="6" name="Footer Placeholder 5"/>
-          <p:cNvSpPr>
-            <a:spLocks noGrp="1"/>
-          </p:cNvSpPr>
-          <p:nvPr>
-            <p:ph type="ftr" sz="quarter" idx="12"/>
-          </p:nvPr>
-        </p:nvSpPr>
-        <p:spPr/>
-        <p:txBody>
-          <a:bodyPr/>
-          <a:lstStyle/>
-          <a:p>
-            <a:pPr>
-              <a:defRPr/>
-            </a:pPr>
-            <a:endParaRPr lang="en-US"/>
+            <a:r>
+              <a:rPr lang="en-US" smtClean="0"/>
+              <a:t>Chef Software, Inc.</a:t>
+            </a:r>
+            <a:endParaRPr lang="en-US" dirty="0"/>
           </a:p>
         </p:txBody>
       </p:sp>
@@ -3886,12 +3408,12 @@
       </p:sp>
       <p:sp>
         <p:nvSpPr>
-          <p:cNvPr id="4" name="Slide Number Placeholder 3"/>
+          <p:cNvPr id="5" name="Header Placeholder 4"/>
           <p:cNvSpPr>
             <a:spLocks noGrp="1"/>
           </p:cNvSpPr>
           <p:nvPr>
-            <p:ph type="sldNum" sz="quarter" idx="10"/>
+            <p:ph type="hdr" sz="quarter" idx="11"/>
           </p:nvPr>
         </p:nvSpPr>
         <p:spPr/>
@@ -3902,25 +3424,22 @@
             <a:pPr>
               <a:defRPr/>
             </a:pPr>
-            <a:fld id="{DC3734AA-3150-D947-AC52-2F5DF48BFCD5}" type="slidenum">
+            <a:r>
               <a:rPr lang="en-US" smtClean="0"/>
-              <a:pPr>
-                <a:defRPr/>
-              </a:pPr>
-              <a:t>26</a:t>
-            </a:fld>
-            <a:endParaRPr lang="en-US" dirty="0"/>
-          </a:p>
-        </p:txBody>
-      </p:sp>
-      <p:sp>
-        <p:nvSpPr>
-          <p:cNvPr id="5" name="Header Placeholder 4"/>
+              <a:t>Test Driven Cookbook Development</a:t>
+            </a:r>
+            <a:endParaRPr lang="en-US"/>
+          </a:p>
+        </p:txBody>
+      </p:sp>
+      <p:sp>
+        <p:nvSpPr>
+          <p:cNvPr id="7" name="Date Placeholder 6"/>
           <p:cNvSpPr>
             <a:spLocks noGrp="1"/>
           </p:cNvSpPr>
           <p:nvPr>
-            <p:ph type="hdr" sz="quarter" idx="11"/>
+            <p:ph type="dt" idx="13"/>
           </p:nvPr>
         </p:nvSpPr>
         <p:spPr/>
@@ -3931,29 +3450,11 @@
             <a:pPr>
               <a:defRPr/>
             </a:pPr>
-            <a:endParaRPr lang="en-US"/>
-          </a:p>
-        </p:txBody>
-      </p:sp>
-      <p:sp>
-        <p:nvSpPr>
-          <p:cNvPr id="6" name="Footer Placeholder 5"/>
-          <p:cNvSpPr>
-            <a:spLocks noGrp="1"/>
-          </p:cNvSpPr>
-          <p:nvPr>
-            <p:ph type="ftr" sz="quarter" idx="12"/>
-          </p:nvPr>
-        </p:nvSpPr>
-        <p:spPr/>
-        <p:txBody>
-          <a:bodyPr/>
-          <a:lstStyle/>
-          <a:p>
-            <a:pPr>
-              <a:defRPr/>
-            </a:pPr>
-            <a:endParaRPr lang="en-US"/>
+            <a:r>
+              <a:rPr lang="en-US" smtClean="0"/>
+              <a:t>Chef Software, Inc.</a:t>
+            </a:r>
+            <a:endParaRPr lang="en-US" dirty="0"/>
           </a:p>
         </p:txBody>
       </p:sp>
@@ -4028,12 +3529,12 @@
       </p:sp>
       <p:sp>
         <p:nvSpPr>
-          <p:cNvPr id="4" name="Slide Number Placeholder 3"/>
+          <p:cNvPr id="5" name="Header Placeholder 4"/>
           <p:cNvSpPr>
             <a:spLocks noGrp="1"/>
           </p:cNvSpPr>
           <p:nvPr>
-            <p:ph type="sldNum" sz="quarter" idx="10"/>
+            <p:ph type="hdr" sz="quarter" idx="11"/>
           </p:nvPr>
         </p:nvSpPr>
         <p:spPr/>
@@ -4044,25 +3545,22 @@
             <a:pPr>
               <a:defRPr/>
             </a:pPr>
-            <a:fld id="{DC3734AA-3150-D947-AC52-2F5DF48BFCD5}" type="slidenum">
+            <a:r>
               <a:rPr lang="en-US" smtClean="0"/>
-              <a:pPr>
-                <a:defRPr/>
-              </a:pPr>
-              <a:t>27</a:t>
-            </a:fld>
-            <a:endParaRPr lang="en-US" dirty="0"/>
-          </a:p>
-        </p:txBody>
-      </p:sp>
-      <p:sp>
-        <p:nvSpPr>
-          <p:cNvPr id="5" name="Header Placeholder 4"/>
+              <a:t>Test Driven Cookbook Development</a:t>
+            </a:r>
+            <a:endParaRPr lang="en-US"/>
+          </a:p>
+        </p:txBody>
+      </p:sp>
+      <p:sp>
+        <p:nvSpPr>
+          <p:cNvPr id="7" name="Date Placeholder 6"/>
           <p:cNvSpPr>
             <a:spLocks noGrp="1"/>
           </p:cNvSpPr>
           <p:nvPr>
-            <p:ph type="hdr" sz="quarter" idx="11"/>
+            <p:ph type="dt" idx="13"/>
           </p:nvPr>
         </p:nvSpPr>
         <p:spPr/>
@@ -4073,29 +3571,11 @@
             <a:pPr>
               <a:defRPr/>
             </a:pPr>
-            <a:endParaRPr lang="en-US"/>
-          </a:p>
-        </p:txBody>
-      </p:sp>
-      <p:sp>
-        <p:nvSpPr>
-          <p:cNvPr id="6" name="Footer Placeholder 5"/>
-          <p:cNvSpPr>
-            <a:spLocks noGrp="1"/>
-          </p:cNvSpPr>
-          <p:nvPr>
-            <p:ph type="ftr" sz="quarter" idx="12"/>
-          </p:nvPr>
-        </p:nvSpPr>
-        <p:spPr/>
-        <p:txBody>
-          <a:bodyPr/>
-          <a:lstStyle/>
-          <a:p>
-            <a:pPr>
-              <a:defRPr/>
-            </a:pPr>
-            <a:endParaRPr lang="en-US"/>
+            <a:r>
+              <a:rPr lang="en-US" smtClean="0"/>
+              <a:t>Chef Software, Inc.</a:t>
+            </a:r>
+            <a:endParaRPr lang="en-US" dirty="0"/>
           </a:p>
         </p:txBody>
       </p:sp>
@@ -4178,12 +3658,12 @@
       </p:sp>
       <p:sp>
         <p:nvSpPr>
-          <p:cNvPr id="4" name="Slide Number Placeholder 3"/>
+          <p:cNvPr id="5" name="Header Placeholder 4"/>
           <p:cNvSpPr>
             <a:spLocks noGrp="1"/>
           </p:cNvSpPr>
           <p:nvPr>
-            <p:ph type="sldNum" sz="quarter" idx="10"/>
+            <p:ph type="hdr" sz="quarter" idx="11"/>
           </p:nvPr>
         </p:nvSpPr>
         <p:spPr/>
@@ -4194,25 +3674,22 @@
             <a:pPr>
               <a:defRPr/>
             </a:pPr>
-            <a:fld id="{DC3734AA-3150-D947-AC52-2F5DF48BFCD5}" type="slidenum">
+            <a:r>
               <a:rPr lang="en-US" smtClean="0"/>
-              <a:pPr>
-                <a:defRPr/>
-              </a:pPr>
-              <a:t>28</a:t>
-            </a:fld>
-            <a:endParaRPr lang="en-US" dirty="0"/>
-          </a:p>
-        </p:txBody>
-      </p:sp>
-      <p:sp>
-        <p:nvSpPr>
-          <p:cNvPr id="5" name="Header Placeholder 4"/>
+              <a:t>Test Driven Cookbook Development</a:t>
+            </a:r>
+            <a:endParaRPr lang="en-US"/>
+          </a:p>
+        </p:txBody>
+      </p:sp>
+      <p:sp>
+        <p:nvSpPr>
+          <p:cNvPr id="7" name="Date Placeholder 6"/>
           <p:cNvSpPr>
             <a:spLocks noGrp="1"/>
           </p:cNvSpPr>
           <p:nvPr>
-            <p:ph type="hdr" sz="quarter" idx="11"/>
+            <p:ph type="dt" idx="13"/>
           </p:nvPr>
         </p:nvSpPr>
         <p:spPr/>
@@ -4223,29 +3700,11 @@
             <a:pPr>
               <a:defRPr/>
             </a:pPr>
-            <a:endParaRPr lang="en-US"/>
-          </a:p>
-        </p:txBody>
-      </p:sp>
-      <p:sp>
-        <p:nvSpPr>
-          <p:cNvPr id="6" name="Footer Placeholder 5"/>
-          <p:cNvSpPr>
-            <a:spLocks noGrp="1"/>
-          </p:cNvSpPr>
-          <p:nvPr>
-            <p:ph type="ftr" sz="quarter" idx="12"/>
-          </p:nvPr>
-        </p:nvSpPr>
-        <p:spPr/>
-        <p:txBody>
-          <a:bodyPr/>
-          <a:lstStyle/>
-          <a:p>
-            <a:pPr>
-              <a:defRPr/>
-            </a:pPr>
-            <a:endParaRPr lang="en-US"/>
+            <a:r>
+              <a:rPr lang="en-US" smtClean="0"/>
+              <a:t>Chef Software, Inc.</a:t>
+            </a:r>
+            <a:endParaRPr lang="en-US" dirty="0"/>
           </a:p>
         </p:txBody>
       </p:sp>
@@ -4328,12 +3787,12 @@
       </p:sp>
       <p:sp>
         <p:nvSpPr>
-          <p:cNvPr id="4" name="Slide Number Placeholder 3"/>
+          <p:cNvPr id="5" name="Header Placeholder 4"/>
           <p:cNvSpPr>
             <a:spLocks noGrp="1"/>
           </p:cNvSpPr>
           <p:nvPr>
-            <p:ph type="sldNum" sz="quarter" idx="10"/>
+            <p:ph type="hdr" sz="quarter" idx="11"/>
           </p:nvPr>
         </p:nvSpPr>
         <p:spPr/>
@@ -4344,25 +3803,22 @@
             <a:pPr>
               <a:defRPr/>
             </a:pPr>
-            <a:fld id="{DC3734AA-3150-D947-AC52-2F5DF48BFCD5}" type="slidenum">
+            <a:r>
               <a:rPr lang="en-US" smtClean="0"/>
-              <a:pPr>
-                <a:defRPr/>
-              </a:pPr>
-              <a:t>29</a:t>
-            </a:fld>
-            <a:endParaRPr lang="en-US" dirty="0"/>
-          </a:p>
-        </p:txBody>
-      </p:sp>
-      <p:sp>
-        <p:nvSpPr>
-          <p:cNvPr id="5" name="Header Placeholder 4"/>
+              <a:t>Test Driven Cookbook Development</a:t>
+            </a:r>
+            <a:endParaRPr lang="en-US"/>
+          </a:p>
+        </p:txBody>
+      </p:sp>
+      <p:sp>
+        <p:nvSpPr>
+          <p:cNvPr id="7" name="Date Placeholder 6"/>
           <p:cNvSpPr>
             <a:spLocks noGrp="1"/>
           </p:cNvSpPr>
           <p:nvPr>
-            <p:ph type="hdr" sz="quarter" idx="11"/>
+            <p:ph type="dt" idx="13"/>
           </p:nvPr>
         </p:nvSpPr>
         <p:spPr/>
@@ -4373,29 +3829,11 @@
             <a:pPr>
               <a:defRPr/>
             </a:pPr>
-            <a:endParaRPr lang="en-US"/>
-          </a:p>
-        </p:txBody>
-      </p:sp>
-      <p:sp>
-        <p:nvSpPr>
-          <p:cNvPr id="6" name="Footer Placeholder 5"/>
-          <p:cNvSpPr>
-            <a:spLocks noGrp="1"/>
-          </p:cNvSpPr>
-          <p:nvPr>
-            <p:ph type="ftr" sz="quarter" idx="12"/>
-          </p:nvPr>
-        </p:nvSpPr>
-        <p:spPr/>
-        <p:txBody>
-          <a:bodyPr/>
-          <a:lstStyle/>
-          <a:p>
-            <a:pPr>
-              <a:defRPr/>
-            </a:pPr>
-            <a:endParaRPr lang="en-US"/>
+            <a:r>
+              <a:rPr lang="en-US" smtClean="0"/>
+              <a:t>Chef Software, Inc.</a:t>
+            </a:r>
+            <a:endParaRPr lang="en-US" dirty="0"/>
           </a:p>
         </p:txBody>
       </p:sp>
@@ -4470,12 +3908,12 @@
       </p:sp>
       <p:sp>
         <p:nvSpPr>
-          <p:cNvPr id="4" name="Slide Number Placeholder 3"/>
+          <p:cNvPr id="5" name="Header Placeholder 4"/>
           <p:cNvSpPr>
             <a:spLocks noGrp="1"/>
           </p:cNvSpPr>
           <p:nvPr>
-            <p:ph type="sldNum" sz="quarter" idx="10"/>
+            <p:ph type="hdr" sz="quarter" idx="11"/>
           </p:nvPr>
         </p:nvSpPr>
         <p:spPr/>
@@ -4486,25 +3924,22 @@
             <a:pPr>
               <a:defRPr/>
             </a:pPr>
-            <a:fld id="{DC3734AA-3150-D947-AC52-2F5DF48BFCD5}" type="slidenum">
+            <a:r>
               <a:rPr lang="en-US" smtClean="0"/>
-              <a:pPr>
-                <a:defRPr/>
-              </a:pPr>
-              <a:t>3</a:t>
-            </a:fld>
-            <a:endParaRPr lang="en-US" dirty="0"/>
-          </a:p>
-        </p:txBody>
-      </p:sp>
-      <p:sp>
-        <p:nvSpPr>
-          <p:cNvPr id="5" name="Header Placeholder 4"/>
+              <a:t>Test Driven Cookbook Development</a:t>
+            </a:r>
+            <a:endParaRPr lang="en-US"/>
+          </a:p>
+        </p:txBody>
+      </p:sp>
+      <p:sp>
+        <p:nvSpPr>
+          <p:cNvPr id="7" name="Date Placeholder 6"/>
           <p:cNvSpPr>
             <a:spLocks noGrp="1"/>
           </p:cNvSpPr>
           <p:nvPr>
-            <p:ph type="hdr" sz="quarter" idx="11"/>
+            <p:ph type="dt" idx="13"/>
           </p:nvPr>
         </p:nvSpPr>
         <p:spPr/>
@@ -4515,29 +3950,11 @@
             <a:pPr>
               <a:defRPr/>
             </a:pPr>
-            <a:endParaRPr lang="en-US"/>
-          </a:p>
-        </p:txBody>
-      </p:sp>
-      <p:sp>
-        <p:nvSpPr>
-          <p:cNvPr id="6" name="Footer Placeholder 5"/>
-          <p:cNvSpPr>
-            <a:spLocks noGrp="1"/>
-          </p:cNvSpPr>
-          <p:nvPr>
-            <p:ph type="ftr" sz="quarter" idx="12"/>
-          </p:nvPr>
-        </p:nvSpPr>
-        <p:spPr/>
-        <p:txBody>
-          <a:bodyPr/>
-          <a:lstStyle/>
-          <a:p>
-            <a:pPr>
-              <a:defRPr/>
-            </a:pPr>
-            <a:endParaRPr lang="en-US"/>
+            <a:r>
+              <a:rPr lang="en-US" smtClean="0"/>
+              <a:t>Chef Software, Inc.</a:t>
+            </a:r>
+            <a:endParaRPr lang="en-US" dirty="0"/>
           </a:p>
         </p:txBody>
       </p:sp>
@@ -4635,12 +4052,12 @@
       </p:sp>
       <p:sp>
         <p:nvSpPr>
-          <p:cNvPr id="4" name="Slide Number Placeholder 3"/>
+          <p:cNvPr id="5" name="Header Placeholder 4"/>
           <p:cNvSpPr>
             <a:spLocks noGrp="1"/>
           </p:cNvSpPr>
           <p:nvPr>
-            <p:ph type="sldNum" sz="quarter" idx="10"/>
+            <p:ph type="hdr" sz="quarter" idx="11"/>
           </p:nvPr>
         </p:nvSpPr>
         <p:spPr/>
@@ -4651,25 +4068,22 @@
             <a:pPr>
               <a:defRPr/>
             </a:pPr>
-            <a:fld id="{DC3734AA-3150-D947-AC52-2F5DF48BFCD5}" type="slidenum">
+            <a:r>
               <a:rPr lang="en-US" smtClean="0"/>
-              <a:pPr>
-                <a:defRPr/>
-              </a:pPr>
-              <a:t>30</a:t>
-            </a:fld>
-            <a:endParaRPr lang="en-US" dirty="0"/>
-          </a:p>
-        </p:txBody>
-      </p:sp>
-      <p:sp>
-        <p:nvSpPr>
-          <p:cNvPr id="5" name="Header Placeholder 4"/>
+              <a:t>Test Driven Cookbook Development</a:t>
+            </a:r>
+            <a:endParaRPr lang="en-US"/>
+          </a:p>
+        </p:txBody>
+      </p:sp>
+      <p:sp>
+        <p:nvSpPr>
+          <p:cNvPr id="7" name="Date Placeholder 6"/>
           <p:cNvSpPr>
             <a:spLocks noGrp="1"/>
           </p:cNvSpPr>
           <p:nvPr>
-            <p:ph type="hdr" sz="quarter" idx="11"/>
+            <p:ph type="dt" idx="13"/>
           </p:nvPr>
         </p:nvSpPr>
         <p:spPr/>
@@ -4680,29 +4094,11 @@
             <a:pPr>
               <a:defRPr/>
             </a:pPr>
-            <a:endParaRPr lang="en-US"/>
-          </a:p>
-        </p:txBody>
-      </p:sp>
-      <p:sp>
-        <p:nvSpPr>
-          <p:cNvPr id="6" name="Footer Placeholder 5"/>
-          <p:cNvSpPr>
-            <a:spLocks noGrp="1"/>
-          </p:cNvSpPr>
-          <p:nvPr>
-            <p:ph type="ftr" sz="quarter" idx="12"/>
-          </p:nvPr>
-        </p:nvSpPr>
-        <p:spPr/>
-        <p:txBody>
-          <a:bodyPr/>
-          <a:lstStyle/>
-          <a:p>
-            <a:pPr>
-              <a:defRPr/>
-            </a:pPr>
-            <a:endParaRPr lang="en-US"/>
+            <a:r>
+              <a:rPr lang="en-US" smtClean="0"/>
+              <a:t>Chef Software, Inc.</a:t>
+            </a:r>
+            <a:endParaRPr lang="en-US" dirty="0"/>
           </a:p>
         </p:txBody>
       </p:sp>
@@ -4776,12 +4172,12 @@
       </p:sp>
       <p:sp>
         <p:nvSpPr>
-          <p:cNvPr id="4" name="Slide Number Placeholder 3"/>
+          <p:cNvPr id="5" name="Header Placeholder 4"/>
           <p:cNvSpPr>
             <a:spLocks noGrp="1"/>
           </p:cNvSpPr>
           <p:nvPr>
-            <p:ph type="sldNum" sz="quarter" idx="10"/>
+            <p:ph type="hdr" sz="quarter" idx="11"/>
           </p:nvPr>
         </p:nvSpPr>
         <p:spPr/>
@@ -4792,25 +4188,22 @@
             <a:pPr>
               <a:defRPr/>
             </a:pPr>
-            <a:fld id="{DC3734AA-3150-D947-AC52-2F5DF48BFCD5}" type="slidenum">
+            <a:r>
               <a:rPr lang="en-US" smtClean="0"/>
-              <a:pPr>
-                <a:defRPr/>
-              </a:pPr>
-              <a:t>31</a:t>
-            </a:fld>
-            <a:endParaRPr lang="en-US" dirty="0"/>
-          </a:p>
-        </p:txBody>
-      </p:sp>
-      <p:sp>
-        <p:nvSpPr>
-          <p:cNvPr id="5" name="Header Placeholder 4"/>
+              <a:t>Test Driven Cookbook Development</a:t>
+            </a:r>
+            <a:endParaRPr lang="en-US"/>
+          </a:p>
+        </p:txBody>
+      </p:sp>
+      <p:sp>
+        <p:nvSpPr>
+          <p:cNvPr id="7" name="Date Placeholder 6"/>
           <p:cNvSpPr>
             <a:spLocks noGrp="1"/>
           </p:cNvSpPr>
           <p:nvPr>
-            <p:ph type="hdr" sz="quarter" idx="11"/>
+            <p:ph type="dt" idx="13"/>
           </p:nvPr>
         </p:nvSpPr>
         <p:spPr/>
@@ -4821,29 +4214,11 @@
             <a:pPr>
               <a:defRPr/>
             </a:pPr>
-            <a:endParaRPr lang="en-US"/>
-          </a:p>
-        </p:txBody>
-      </p:sp>
-      <p:sp>
-        <p:nvSpPr>
-          <p:cNvPr id="6" name="Footer Placeholder 5"/>
-          <p:cNvSpPr>
-            <a:spLocks noGrp="1"/>
-          </p:cNvSpPr>
-          <p:nvPr>
-            <p:ph type="ftr" sz="quarter" idx="12"/>
-          </p:nvPr>
-        </p:nvSpPr>
-        <p:spPr/>
-        <p:txBody>
-          <a:bodyPr/>
-          <a:lstStyle/>
-          <a:p>
-            <a:pPr>
-              <a:defRPr/>
-            </a:pPr>
-            <a:endParaRPr lang="en-US"/>
+            <a:r>
+              <a:rPr lang="en-US" smtClean="0"/>
+              <a:t>Chef Software, Inc.</a:t>
+            </a:r>
+            <a:endParaRPr lang="en-US" dirty="0"/>
           </a:p>
         </p:txBody>
       </p:sp>
@@ -4918,12 +4293,12 @@
       </p:sp>
       <p:sp>
         <p:nvSpPr>
-          <p:cNvPr id="4" name="Slide Number Placeholder 3"/>
+          <p:cNvPr id="5" name="Header Placeholder 4"/>
           <p:cNvSpPr>
             <a:spLocks noGrp="1"/>
           </p:cNvSpPr>
           <p:nvPr>
-            <p:ph type="sldNum" sz="quarter" idx="10"/>
+            <p:ph type="hdr" sz="quarter" idx="11"/>
           </p:nvPr>
         </p:nvSpPr>
         <p:spPr/>
@@ -4934,25 +4309,22 @@
             <a:pPr>
               <a:defRPr/>
             </a:pPr>
-            <a:fld id="{DC3734AA-3150-D947-AC52-2F5DF48BFCD5}" type="slidenum">
+            <a:r>
               <a:rPr lang="en-US" smtClean="0"/>
-              <a:pPr>
-                <a:defRPr/>
-              </a:pPr>
-              <a:t>32</a:t>
-            </a:fld>
-            <a:endParaRPr lang="en-US" dirty="0"/>
-          </a:p>
-        </p:txBody>
-      </p:sp>
-      <p:sp>
-        <p:nvSpPr>
-          <p:cNvPr id="5" name="Header Placeholder 4"/>
+              <a:t>Test Driven Cookbook Development</a:t>
+            </a:r>
+            <a:endParaRPr lang="en-US"/>
+          </a:p>
+        </p:txBody>
+      </p:sp>
+      <p:sp>
+        <p:nvSpPr>
+          <p:cNvPr id="7" name="Date Placeholder 6"/>
           <p:cNvSpPr>
             <a:spLocks noGrp="1"/>
           </p:cNvSpPr>
           <p:nvPr>
-            <p:ph type="hdr" sz="quarter" idx="11"/>
+            <p:ph type="dt" idx="13"/>
           </p:nvPr>
         </p:nvSpPr>
         <p:spPr/>
@@ -4963,29 +4335,11 @@
             <a:pPr>
               <a:defRPr/>
             </a:pPr>
-            <a:endParaRPr lang="en-US"/>
-          </a:p>
-        </p:txBody>
-      </p:sp>
-      <p:sp>
-        <p:nvSpPr>
-          <p:cNvPr id="6" name="Footer Placeholder 5"/>
-          <p:cNvSpPr>
-            <a:spLocks noGrp="1"/>
-          </p:cNvSpPr>
-          <p:nvPr>
-            <p:ph type="ftr" sz="quarter" idx="12"/>
-          </p:nvPr>
-        </p:nvSpPr>
-        <p:spPr/>
-        <p:txBody>
-          <a:bodyPr/>
-          <a:lstStyle/>
-          <a:p>
-            <a:pPr>
-              <a:defRPr/>
-            </a:pPr>
-            <a:endParaRPr lang="en-US"/>
+            <a:r>
+              <a:rPr lang="en-US" smtClean="0"/>
+              <a:t>Chef Software, Inc.</a:t>
+            </a:r>
+            <a:endParaRPr lang="en-US" dirty="0"/>
           </a:p>
         </p:txBody>
       </p:sp>
@@ -5076,12 +4430,12 @@
       </p:sp>
       <p:sp>
         <p:nvSpPr>
-          <p:cNvPr id="4" name="Slide Number Placeholder 3"/>
+          <p:cNvPr id="5" name="Header Placeholder 4"/>
           <p:cNvSpPr>
             <a:spLocks noGrp="1"/>
           </p:cNvSpPr>
           <p:nvPr>
-            <p:ph type="sldNum" sz="quarter" idx="10"/>
+            <p:ph type="hdr" sz="quarter" idx="11"/>
           </p:nvPr>
         </p:nvSpPr>
         <p:spPr/>
@@ -5092,25 +4446,22 @@
             <a:pPr>
               <a:defRPr/>
             </a:pPr>
-            <a:fld id="{DC3734AA-3150-D947-AC52-2F5DF48BFCD5}" type="slidenum">
+            <a:r>
               <a:rPr lang="en-US" smtClean="0"/>
-              <a:pPr>
-                <a:defRPr/>
-              </a:pPr>
-              <a:t>33</a:t>
-            </a:fld>
-            <a:endParaRPr lang="en-US" dirty="0"/>
-          </a:p>
-        </p:txBody>
-      </p:sp>
-      <p:sp>
-        <p:nvSpPr>
-          <p:cNvPr id="5" name="Header Placeholder 4"/>
+              <a:t>Test Driven Cookbook Development</a:t>
+            </a:r>
+            <a:endParaRPr lang="en-US"/>
+          </a:p>
+        </p:txBody>
+      </p:sp>
+      <p:sp>
+        <p:nvSpPr>
+          <p:cNvPr id="7" name="Date Placeholder 6"/>
           <p:cNvSpPr>
             <a:spLocks noGrp="1"/>
           </p:cNvSpPr>
           <p:nvPr>
-            <p:ph type="hdr" sz="quarter" idx="11"/>
+            <p:ph type="dt" idx="13"/>
           </p:nvPr>
         </p:nvSpPr>
         <p:spPr/>
@@ -5121,29 +4472,11 @@
             <a:pPr>
               <a:defRPr/>
             </a:pPr>
-            <a:endParaRPr lang="en-US"/>
-          </a:p>
-        </p:txBody>
-      </p:sp>
-      <p:sp>
-        <p:nvSpPr>
-          <p:cNvPr id="6" name="Footer Placeholder 5"/>
-          <p:cNvSpPr>
-            <a:spLocks noGrp="1"/>
-          </p:cNvSpPr>
-          <p:nvPr>
-            <p:ph type="ftr" sz="quarter" idx="12"/>
-          </p:nvPr>
-        </p:nvSpPr>
-        <p:spPr/>
-        <p:txBody>
-          <a:bodyPr/>
-          <a:lstStyle/>
-          <a:p>
-            <a:pPr>
-              <a:defRPr/>
-            </a:pPr>
-            <a:endParaRPr lang="en-US"/>
+            <a:r>
+              <a:rPr lang="en-US" smtClean="0"/>
+              <a:t>Chef Software, Inc.</a:t>
+            </a:r>
+            <a:endParaRPr lang="en-US" dirty="0"/>
           </a:p>
         </p:txBody>
       </p:sp>
@@ -5218,12 +4551,12 @@
       </p:sp>
       <p:sp>
         <p:nvSpPr>
-          <p:cNvPr id="4" name="Slide Number Placeholder 3"/>
+          <p:cNvPr id="5" name="Header Placeholder 4"/>
           <p:cNvSpPr>
             <a:spLocks noGrp="1"/>
           </p:cNvSpPr>
           <p:nvPr>
-            <p:ph type="sldNum" sz="quarter" idx="10"/>
+            <p:ph type="hdr" sz="quarter" idx="11"/>
           </p:nvPr>
         </p:nvSpPr>
         <p:spPr/>
@@ -5234,25 +4567,22 @@
             <a:pPr>
               <a:defRPr/>
             </a:pPr>
-            <a:fld id="{DC3734AA-3150-D947-AC52-2F5DF48BFCD5}" type="slidenum">
+            <a:r>
               <a:rPr lang="en-US" smtClean="0"/>
-              <a:pPr>
-                <a:defRPr/>
-              </a:pPr>
-              <a:t>34</a:t>
-            </a:fld>
-            <a:endParaRPr lang="en-US" dirty="0"/>
-          </a:p>
-        </p:txBody>
-      </p:sp>
-      <p:sp>
-        <p:nvSpPr>
-          <p:cNvPr id="5" name="Header Placeholder 4"/>
+              <a:t>Test Driven Cookbook Development</a:t>
+            </a:r>
+            <a:endParaRPr lang="en-US"/>
+          </a:p>
+        </p:txBody>
+      </p:sp>
+      <p:sp>
+        <p:nvSpPr>
+          <p:cNvPr id="7" name="Date Placeholder 6"/>
           <p:cNvSpPr>
             <a:spLocks noGrp="1"/>
           </p:cNvSpPr>
           <p:nvPr>
-            <p:ph type="hdr" sz="quarter" idx="11"/>
+            <p:ph type="dt" idx="13"/>
           </p:nvPr>
         </p:nvSpPr>
         <p:spPr/>
@@ -5263,29 +4593,11 @@
             <a:pPr>
               <a:defRPr/>
             </a:pPr>
-            <a:endParaRPr lang="en-US"/>
-          </a:p>
-        </p:txBody>
-      </p:sp>
-      <p:sp>
-        <p:nvSpPr>
-          <p:cNvPr id="6" name="Footer Placeholder 5"/>
-          <p:cNvSpPr>
-            <a:spLocks noGrp="1"/>
-          </p:cNvSpPr>
-          <p:nvPr>
-            <p:ph type="ftr" sz="quarter" idx="12"/>
-          </p:nvPr>
-        </p:nvSpPr>
-        <p:spPr/>
-        <p:txBody>
-          <a:bodyPr/>
-          <a:lstStyle/>
-          <a:p>
-            <a:pPr>
-              <a:defRPr/>
-            </a:pPr>
-            <a:endParaRPr lang="en-US"/>
+            <a:r>
+              <a:rPr lang="en-US" smtClean="0"/>
+              <a:t>Chef Software, Inc.</a:t>
+            </a:r>
+            <a:endParaRPr lang="en-US" dirty="0"/>
           </a:p>
         </p:txBody>
       </p:sp>
@@ -5368,12 +4680,12 @@
       </p:sp>
       <p:sp>
         <p:nvSpPr>
-          <p:cNvPr id="4" name="Slide Number Placeholder 3"/>
+          <p:cNvPr id="5" name="Header Placeholder 4"/>
           <p:cNvSpPr>
             <a:spLocks noGrp="1"/>
           </p:cNvSpPr>
           <p:nvPr>
-            <p:ph type="sldNum" sz="quarter" idx="10"/>
+            <p:ph type="hdr" sz="quarter" idx="11"/>
           </p:nvPr>
         </p:nvSpPr>
         <p:spPr/>
@@ -5384,25 +4696,22 @@
             <a:pPr>
               <a:defRPr/>
             </a:pPr>
-            <a:fld id="{DC3734AA-3150-D947-AC52-2F5DF48BFCD5}" type="slidenum">
+            <a:r>
               <a:rPr lang="en-US" smtClean="0"/>
-              <a:pPr>
-                <a:defRPr/>
-              </a:pPr>
-              <a:t>35</a:t>
-            </a:fld>
-            <a:endParaRPr lang="en-US" dirty="0"/>
-          </a:p>
-        </p:txBody>
-      </p:sp>
-      <p:sp>
-        <p:nvSpPr>
-          <p:cNvPr id="5" name="Header Placeholder 4"/>
+              <a:t>Test Driven Cookbook Development</a:t>
+            </a:r>
+            <a:endParaRPr lang="en-US"/>
+          </a:p>
+        </p:txBody>
+      </p:sp>
+      <p:sp>
+        <p:nvSpPr>
+          <p:cNvPr id="7" name="Date Placeholder 6"/>
           <p:cNvSpPr>
             <a:spLocks noGrp="1"/>
           </p:cNvSpPr>
           <p:nvPr>
-            <p:ph type="hdr" sz="quarter" idx="11"/>
+            <p:ph type="dt" idx="13"/>
           </p:nvPr>
         </p:nvSpPr>
         <p:spPr/>
@@ -5413,29 +4722,11 @@
             <a:pPr>
               <a:defRPr/>
             </a:pPr>
-            <a:endParaRPr lang="en-US"/>
-          </a:p>
-        </p:txBody>
-      </p:sp>
-      <p:sp>
-        <p:nvSpPr>
-          <p:cNvPr id="6" name="Footer Placeholder 5"/>
-          <p:cNvSpPr>
-            <a:spLocks noGrp="1"/>
-          </p:cNvSpPr>
-          <p:nvPr>
-            <p:ph type="ftr" sz="quarter" idx="12"/>
-          </p:nvPr>
-        </p:nvSpPr>
-        <p:spPr/>
-        <p:txBody>
-          <a:bodyPr/>
-          <a:lstStyle/>
-          <a:p>
-            <a:pPr>
-              <a:defRPr/>
-            </a:pPr>
-            <a:endParaRPr lang="en-US"/>
+            <a:r>
+              <a:rPr lang="en-US" smtClean="0"/>
+              <a:t>Chef Software, Inc.</a:t>
+            </a:r>
+            <a:endParaRPr lang="en-US" dirty="0"/>
           </a:p>
         </p:txBody>
       </p:sp>
@@ -5543,12 +4834,12 @@
       </p:sp>
       <p:sp>
         <p:nvSpPr>
-          <p:cNvPr id="4" name="Slide Number Placeholder 3"/>
+          <p:cNvPr id="5" name="Header Placeholder 4"/>
           <p:cNvSpPr>
             <a:spLocks noGrp="1"/>
           </p:cNvSpPr>
           <p:nvPr>
-            <p:ph type="sldNum" sz="quarter" idx="10"/>
+            <p:ph type="hdr" sz="quarter" idx="11"/>
           </p:nvPr>
         </p:nvSpPr>
         <p:spPr/>
@@ -5559,25 +4850,22 @@
             <a:pPr>
               <a:defRPr/>
             </a:pPr>
-            <a:fld id="{DC3734AA-3150-D947-AC52-2F5DF48BFCD5}" type="slidenum">
+            <a:r>
               <a:rPr lang="en-US" smtClean="0"/>
-              <a:pPr>
-                <a:defRPr/>
-              </a:pPr>
-              <a:t>36</a:t>
-            </a:fld>
-            <a:endParaRPr lang="en-US" dirty="0"/>
-          </a:p>
-        </p:txBody>
-      </p:sp>
-      <p:sp>
-        <p:nvSpPr>
-          <p:cNvPr id="5" name="Header Placeholder 4"/>
+              <a:t>Test Driven Cookbook Development</a:t>
+            </a:r>
+            <a:endParaRPr lang="en-US"/>
+          </a:p>
+        </p:txBody>
+      </p:sp>
+      <p:sp>
+        <p:nvSpPr>
+          <p:cNvPr id="7" name="Date Placeholder 6"/>
           <p:cNvSpPr>
             <a:spLocks noGrp="1"/>
           </p:cNvSpPr>
           <p:nvPr>
-            <p:ph type="hdr" sz="quarter" idx="11"/>
+            <p:ph type="dt" idx="13"/>
           </p:nvPr>
         </p:nvSpPr>
         <p:spPr/>
@@ -5588,29 +4876,11 @@
             <a:pPr>
               <a:defRPr/>
             </a:pPr>
-            <a:endParaRPr lang="en-US"/>
-          </a:p>
-        </p:txBody>
-      </p:sp>
-      <p:sp>
-        <p:nvSpPr>
-          <p:cNvPr id="6" name="Footer Placeholder 5"/>
-          <p:cNvSpPr>
-            <a:spLocks noGrp="1"/>
-          </p:cNvSpPr>
-          <p:nvPr>
-            <p:ph type="ftr" sz="quarter" idx="12"/>
-          </p:nvPr>
-        </p:nvSpPr>
-        <p:spPr/>
-        <p:txBody>
-          <a:bodyPr/>
-          <a:lstStyle/>
-          <a:p>
-            <a:pPr>
-              <a:defRPr/>
-            </a:pPr>
-            <a:endParaRPr lang="en-US"/>
+            <a:r>
+              <a:rPr lang="en-US" smtClean="0"/>
+              <a:t>Chef Software, Inc.</a:t>
+            </a:r>
+            <a:endParaRPr lang="en-US" dirty="0"/>
           </a:p>
         </p:txBody>
       </p:sp>
@@ -5701,12 +4971,12 @@
       </p:sp>
       <p:sp>
         <p:nvSpPr>
-          <p:cNvPr id="4" name="Slide Number Placeholder 3"/>
+          <p:cNvPr id="5" name="Header Placeholder 4"/>
           <p:cNvSpPr>
             <a:spLocks noGrp="1"/>
           </p:cNvSpPr>
           <p:nvPr>
-            <p:ph type="sldNum" sz="quarter" idx="10"/>
+            <p:ph type="hdr" sz="quarter" idx="11"/>
           </p:nvPr>
         </p:nvSpPr>
         <p:spPr/>
@@ -5717,25 +4987,22 @@
             <a:pPr>
               <a:defRPr/>
             </a:pPr>
-            <a:fld id="{DC3734AA-3150-D947-AC52-2F5DF48BFCD5}" type="slidenum">
+            <a:r>
               <a:rPr lang="en-US" smtClean="0"/>
-              <a:pPr>
-                <a:defRPr/>
-              </a:pPr>
-              <a:t>37</a:t>
-            </a:fld>
-            <a:endParaRPr lang="en-US" dirty="0"/>
-          </a:p>
-        </p:txBody>
-      </p:sp>
-      <p:sp>
-        <p:nvSpPr>
-          <p:cNvPr id="5" name="Header Placeholder 4"/>
+              <a:t>Test Driven Cookbook Development</a:t>
+            </a:r>
+            <a:endParaRPr lang="en-US"/>
+          </a:p>
+        </p:txBody>
+      </p:sp>
+      <p:sp>
+        <p:nvSpPr>
+          <p:cNvPr id="7" name="Date Placeholder 6"/>
           <p:cNvSpPr>
             <a:spLocks noGrp="1"/>
           </p:cNvSpPr>
           <p:nvPr>
-            <p:ph type="hdr" sz="quarter" idx="11"/>
+            <p:ph type="dt" idx="13"/>
           </p:nvPr>
         </p:nvSpPr>
         <p:spPr/>
@@ -5746,29 +5013,11 @@
             <a:pPr>
               <a:defRPr/>
             </a:pPr>
-            <a:endParaRPr lang="en-US"/>
-          </a:p>
-        </p:txBody>
-      </p:sp>
-      <p:sp>
-        <p:nvSpPr>
-          <p:cNvPr id="6" name="Footer Placeholder 5"/>
-          <p:cNvSpPr>
-            <a:spLocks noGrp="1"/>
-          </p:cNvSpPr>
-          <p:nvPr>
-            <p:ph type="ftr" sz="quarter" idx="12"/>
-          </p:nvPr>
-        </p:nvSpPr>
-        <p:spPr/>
-        <p:txBody>
-          <a:bodyPr/>
-          <a:lstStyle/>
-          <a:p>
-            <a:pPr>
-              <a:defRPr/>
-            </a:pPr>
-            <a:endParaRPr lang="en-US"/>
+            <a:r>
+              <a:rPr lang="en-US" smtClean="0"/>
+              <a:t>Chef Software, Inc.</a:t>
+            </a:r>
+            <a:endParaRPr lang="en-US" dirty="0"/>
           </a:p>
         </p:txBody>
       </p:sp>
@@ -5860,12 +5109,12 @@
       </p:sp>
       <p:sp>
         <p:nvSpPr>
-          <p:cNvPr id="4" name="Slide Number Placeholder 3"/>
+          <p:cNvPr id="5" name="Header Placeholder 4"/>
           <p:cNvSpPr>
             <a:spLocks noGrp="1"/>
           </p:cNvSpPr>
           <p:nvPr>
-            <p:ph type="sldNum" sz="quarter" idx="10"/>
+            <p:ph type="hdr" sz="quarter" idx="11"/>
           </p:nvPr>
         </p:nvSpPr>
         <p:spPr/>
@@ -5876,25 +5125,22 @@
             <a:pPr>
               <a:defRPr/>
             </a:pPr>
-            <a:fld id="{DC3734AA-3150-D947-AC52-2F5DF48BFCD5}" type="slidenum">
+            <a:r>
               <a:rPr lang="en-US" smtClean="0"/>
-              <a:pPr>
-                <a:defRPr/>
-              </a:pPr>
-              <a:t>38</a:t>
-            </a:fld>
-            <a:endParaRPr lang="en-US" dirty="0"/>
-          </a:p>
-        </p:txBody>
-      </p:sp>
-      <p:sp>
-        <p:nvSpPr>
-          <p:cNvPr id="5" name="Header Placeholder 4"/>
+              <a:t>Test Driven Cookbook Development</a:t>
+            </a:r>
+            <a:endParaRPr lang="en-US"/>
+          </a:p>
+        </p:txBody>
+      </p:sp>
+      <p:sp>
+        <p:nvSpPr>
+          <p:cNvPr id="7" name="Date Placeholder 6"/>
           <p:cNvSpPr>
             <a:spLocks noGrp="1"/>
           </p:cNvSpPr>
           <p:nvPr>
-            <p:ph type="hdr" sz="quarter" idx="11"/>
+            <p:ph type="dt" idx="13"/>
           </p:nvPr>
         </p:nvSpPr>
         <p:spPr/>
@@ -5905,29 +5151,11 @@
             <a:pPr>
               <a:defRPr/>
             </a:pPr>
-            <a:endParaRPr lang="en-US"/>
-          </a:p>
-        </p:txBody>
-      </p:sp>
-      <p:sp>
-        <p:nvSpPr>
-          <p:cNvPr id="6" name="Footer Placeholder 5"/>
-          <p:cNvSpPr>
-            <a:spLocks noGrp="1"/>
-          </p:cNvSpPr>
-          <p:nvPr>
-            <p:ph type="ftr" sz="quarter" idx="12"/>
-          </p:nvPr>
-        </p:nvSpPr>
-        <p:spPr/>
-        <p:txBody>
-          <a:bodyPr/>
-          <a:lstStyle/>
-          <a:p>
-            <a:pPr>
-              <a:defRPr/>
-            </a:pPr>
-            <a:endParaRPr lang="en-US"/>
+            <a:r>
+              <a:rPr lang="en-US" smtClean="0"/>
+              <a:t>Chef Software, Inc.</a:t>
+            </a:r>
+            <a:endParaRPr lang="en-US" dirty="0"/>
           </a:p>
         </p:txBody>
       </p:sp>
@@ -6019,12 +5247,12 @@
       </p:sp>
       <p:sp>
         <p:nvSpPr>
-          <p:cNvPr id="4" name="Slide Number Placeholder 3"/>
+          <p:cNvPr id="5" name="Header Placeholder 4"/>
           <p:cNvSpPr>
             <a:spLocks noGrp="1"/>
           </p:cNvSpPr>
           <p:nvPr>
-            <p:ph type="sldNum" sz="quarter" idx="10"/>
+            <p:ph type="hdr" sz="quarter" idx="11"/>
           </p:nvPr>
         </p:nvSpPr>
         <p:spPr/>
@@ -6035,25 +5263,22 @@
             <a:pPr>
               <a:defRPr/>
             </a:pPr>
-            <a:fld id="{DC3734AA-3150-D947-AC52-2F5DF48BFCD5}" type="slidenum">
+            <a:r>
               <a:rPr lang="en-US" smtClean="0"/>
-              <a:pPr>
-                <a:defRPr/>
-              </a:pPr>
-              <a:t>39</a:t>
-            </a:fld>
-            <a:endParaRPr lang="en-US" dirty="0"/>
-          </a:p>
-        </p:txBody>
-      </p:sp>
-      <p:sp>
-        <p:nvSpPr>
-          <p:cNvPr id="5" name="Header Placeholder 4"/>
+              <a:t>Test Driven Cookbook Development</a:t>
+            </a:r>
+            <a:endParaRPr lang="en-US"/>
+          </a:p>
+        </p:txBody>
+      </p:sp>
+      <p:sp>
+        <p:nvSpPr>
+          <p:cNvPr id="7" name="Date Placeholder 6"/>
           <p:cNvSpPr>
             <a:spLocks noGrp="1"/>
           </p:cNvSpPr>
           <p:nvPr>
-            <p:ph type="hdr" sz="quarter" idx="11"/>
+            <p:ph type="dt" idx="13"/>
           </p:nvPr>
         </p:nvSpPr>
         <p:spPr/>
@@ -6064,29 +5289,11 @@
             <a:pPr>
               <a:defRPr/>
             </a:pPr>
-            <a:endParaRPr lang="en-US"/>
-          </a:p>
-        </p:txBody>
-      </p:sp>
-      <p:sp>
-        <p:nvSpPr>
-          <p:cNvPr id="6" name="Footer Placeholder 5"/>
-          <p:cNvSpPr>
-            <a:spLocks noGrp="1"/>
-          </p:cNvSpPr>
-          <p:nvPr>
-            <p:ph type="ftr" sz="quarter" idx="12"/>
-          </p:nvPr>
-        </p:nvSpPr>
-        <p:spPr/>
-        <p:txBody>
-          <a:bodyPr/>
-          <a:lstStyle/>
-          <a:p>
-            <a:pPr>
-              <a:defRPr/>
-            </a:pPr>
-            <a:endParaRPr lang="en-US"/>
+            <a:r>
+              <a:rPr lang="en-US" smtClean="0"/>
+              <a:t>Chef Software, Inc.</a:t>
+            </a:r>
+            <a:endParaRPr lang="en-US" dirty="0"/>
           </a:p>
         </p:txBody>
       </p:sp>
@@ -6164,12 +5371,12 @@
       </p:sp>
       <p:sp>
         <p:nvSpPr>
-          <p:cNvPr id="4" name="Slide Number Placeholder 3"/>
+          <p:cNvPr id="5" name="Header Placeholder 4"/>
           <p:cNvSpPr>
             <a:spLocks noGrp="1"/>
           </p:cNvSpPr>
           <p:nvPr>
-            <p:ph type="sldNum" sz="quarter" idx="10"/>
+            <p:ph type="hdr" sz="quarter" idx="11"/>
           </p:nvPr>
         </p:nvSpPr>
         <p:spPr/>
@@ -6180,25 +5387,22 @@
             <a:pPr>
               <a:defRPr/>
             </a:pPr>
-            <a:fld id="{DC3734AA-3150-D947-AC52-2F5DF48BFCD5}" type="slidenum">
+            <a:r>
               <a:rPr lang="en-US" smtClean="0"/>
-              <a:pPr>
-                <a:defRPr/>
-              </a:pPr>
-              <a:t>4</a:t>
-            </a:fld>
-            <a:endParaRPr lang="en-US" dirty="0"/>
-          </a:p>
-        </p:txBody>
-      </p:sp>
-      <p:sp>
-        <p:nvSpPr>
-          <p:cNvPr id="5" name="Header Placeholder 4"/>
+              <a:t>Test Driven Cookbook Development</a:t>
+            </a:r>
+            <a:endParaRPr lang="en-US"/>
+          </a:p>
+        </p:txBody>
+      </p:sp>
+      <p:sp>
+        <p:nvSpPr>
+          <p:cNvPr id="7" name="Date Placeholder 6"/>
           <p:cNvSpPr>
             <a:spLocks noGrp="1"/>
           </p:cNvSpPr>
           <p:nvPr>
-            <p:ph type="hdr" sz="quarter" idx="11"/>
+            <p:ph type="dt" idx="13"/>
           </p:nvPr>
         </p:nvSpPr>
         <p:spPr/>
@@ -6209,29 +5413,11 @@
             <a:pPr>
               <a:defRPr/>
             </a:pPr>
-            <a:endParaRPr lang="en-US"/>
-          </a:p>
-        </p:txBody>
-      </p:sp>
-      <p:sp>
-        <p:nvSpPr>
-          <p:cNvPr id="6" name="Footer Placeholder 5"/>
-          <p:cNvSpPr>
-            <a:spLocks noGrp="1"/>
-          </p:cNvSpPr>
-          <p:nvPr>
-            <p:ph type="ftr" sz="quarter" idx="12"/>
-          </p:nvPr>
-        </p:nvSpPr>
-        <p:spPr/>
-        <p:txBody>
-          <a:bodyPr/>
-          <a:lstStyle/>
-          <a:p>
-            <a:pPr>
-              <a:defRPr/>
-            </a:pPr>
-            <a:endParaRPr lang="en-US"/>
+            <a:r>
+              <a:rPr lang="en-US" smtClean="0"/>
+              <a:t>Chef Software, Inc.</a:t>
+            </a:r>
+            <a:endParaRPr lang="en-US" dirty="0"/>
           </a:p>
         </p:txBody>
       </p:sp>
@@ -6305,12 +5491,12 @@
       </p:sp>
       <p:sp>
         <p:nvSpPr>
-          <p:cNvPr id="4" name="Slide Number Placeholder 3"/>
+          <p:cNvPr id="5" name="Header Placeholder 4"/>
           <p:cNvSpPr>
             <a:spLocks noGrp="1"/>
           </p:cNvSpPr>
           <p:nvPr>
-            <p:ph type="sldNum" sz="quarter" idx="10"/>
+            <p:ph type="hdr" sz="quarter" idx="11"/>
           </p:nvPr>
         </p:nvSpPr>
         <p:spPr/>
@@ -6321,25 +5507,22 @@
             <a:pPr>
               <a:defRPr/>
             </a:pPr>
-            <a:fld id="{DC3734AA-3150-D947-AC52-2F5DF48BFCD5}" type="slidenum">
+            <a:r>
               <a:rPr lang="en-US" smtClean="0"/>
-              <a:pPr>
-                <a:defRPr/>
-              </a:pPr>
-              <a:t>5</a:t>
-            </a:fld>
-            <a:endParaRPr lang="en-US" dirty="0"/>
-          </a:p>
-        </p:txBody>
-      </p:sp>
-      <p:sp>
-        <p:nvSpPr>
-          <p:cNvPr id="5" name="Header Placeholder 4"/>
+              <a:t>Test Driven Cookbook Development</a:t>
+            </a:r>
+            <a:endParaRPr lang="en-US"/>
+          </a:p>
+        </p:txBody>
+      </p:sp>
+      <p:sp>
+        <p:nvSpPr>
+          <p:cNvPr id="7" name="Date Placeholder 6"/>
           <p:cNvSpPr>
             <a:spLocks noGrp="1"/>
           </p:cNvSpPr>
           <p:nvPr>
-            <p:ph type="hdr" sz="quarter" idx="11"/>
+            <p:ph type="dt" idx="13"/>
           </p:nvPr>
         </p:nvSpPr>
         <p:spPr/>
@@ -6350,29 +5533,11 @@
             <a:pPr>
               <a:defRPr/>
             </a:pPr>
-            <a:endParaRPr lang="en-US"/>
-          </a:p>
-        </p:txBody>
-      </p:sp>
-      <p:sp>
-        <p:nvSpPr>
-          <p:cNvPr id="6" name="Footer Placeholder 5"/>
-          <p:cNvSpPr>
-            <a:spLocks noGrp="1"/>
-          </p:cNvSpPr>
-          <p:nvPr>
-            <p:ph type="ftr" sz="quarter" idx="12"/>
-          </p:nvPr>
-        </p:nvSpPr>
-        <p:spPr/>
-        <p:txBody>
-          <a:bodyPr/>
-          <a:lstStyle/>
-          <a:p>
-            <a:pPr>
-              <a:defRPr/>
-            </a:pPr>
-            <a:endParaRPr lang="en-US"/>
+            <a:r>
+              <a:rPr lang="en-US" smtClean="0"/>
+              <a:t>Chef Software, Inc.</a:t>
+            </a:r>
+            <a:endParaRPr lang="en-US" dirty="0"/>
           </a:p>
         </p:txBody>
       </p:sp>
@@ -6469,12 +5634,12 @@
       </p:sp>
       <p:sp>
         <p:nvSpPr>
-          <p:cNvPr id="4" name="Slide Number Placeholder 3"/>
+          <p:cNvPr id="5" name="Header Placeholder 4"/>
           <p:cNvSpPr>
             <a:spLocks noGrp="1"/>
           </p:cNvSpPr>
           <p:nvPr>
-            <p:ph type="sldNum" sz="quarter" idx="10"/>
+            <p:ph type="hdr" sz="quarter" idx="11"/>
           </p:nvPr>
         </p:nvSpPr>
         <p:spPr/>
@@ -6485,25 +5650,22 @@
             <a:pPr>
               <a:defRPr/>
             </a:pPr>
-            <a:fld id="{DC3734AA-3150-D947-AC52-2F5DF48BFCD5}" type="slidenum">
+            <a:r>
               <a:rPr lang="en-US" smtClean="0"/>
-              <a:pPr>
-                <a:defRPr/>
-              </a:pPr>
-              <a:t>6</a:t>
-            </a:fld>
-            <a:endParaRPr lang="en-US" dirty="0"/>
-          </a:p>
-        </p:txBody>
-      </p:sp>
-      <p:sp>
-        <p:nvSpPr>
-          <p:cNvPr id="5" name="Header Placeholder 4"/>
+              <a:t>Test Driven Cookbook Development</a:t>
+            </a:r>
+            <a:endParaRPr lang="en-US"/>
+          </a:p>
+        </p:txBody>
+      </p:sp>
+      <p:sp>
+        <p:nvSpPr>
+          <p:cNvPr id="7" name="Date Placeholder 6"/>
           <p:cNvSpPr>
             <a:spLocks noGrp="1"/>
           </p:cNvSpPr>
           <p:nvPr>
-            <p:ph type="hdr" sz="quarter" idx="11"/>
+            <p:ph type="dt" idx="13"/>
           </p:nvPr>
         </p:nvSpPr>
         <p:spPr/>
@@ -6514,29 +5676,11 @@
             <a:pPr>
               <a:defRPr/>
             </a:pPr>
-            <a:endParaRPr lang="en-US"/>
-          </a:p>
-        </p:txBody>
-      </p:sp>
-      <p:sp>
-        <p:nvSpPr>
-          <p:cNvPr id="6" name="Footer Placeholder 5"/>
-          <p:cNvSpPr>
-            <a:spLocks noGrp="1"/>
-          </p:cNvSpPr>
-          <p:nvPr>
-            <p:ph type="ftr" sz="quarter" idx="12"/>
-          </p:nvPr>
-        </p:nvSpPr>
-        <p:spPr/>
-        <p:txBody>
-          <a:bodyPr/>
-          <a:lstStyle/>
-          <a:p>
-            <a:pPr>
-              <a:defRPr/>
-            </a:pPr>
-            <a:endParaRPr lang="en-US"/>
+            <a:r>
+              <a:rPr lang="en-US" smtClean="0"/>
+              <a:t>Chef Software, Inc.</a:t>
+            </a:r>
+            <a:endParaRPr lang="en-US" dirty="0"/>
           </a:p>
         </p:txBody>
       </p:sp>
@@ -6625,23 +5769,19 @@
             </a:r>
             <a:r>
               <a:rPr lang="en-US" baseline="0" dirty="0" smtClean="0"/>
-              <a:t> is </a:t>
-            </a:r>
-            <a:r>
-              <a:rPr lang="en-US" baseline="0" dirty="0" smtClean="0"/>
-              <a:t>built on top of RSpec; relying on it to provide the core framework and language. The benefit to us is that a lot of the same language constructs are employed.</a:t>
-            </a:r>
-          </a:p>
-        </p:txBody>
-      </p:sp>
-      <p:sp>
-        <p:nvSpPr>
-          <p:cNvPr id="4" name="Slide Number Placeholder 3"/>
+              <a:t> is built on top of RSpec; relying on it to provide the core framework and language. The benefit to us is that a lot of the same language constructs are employed.</a:t>
+            </a:r>
+          </a:p>
+        </p:txBody>
+      </p:sp>
+      <p:sp>
+        <p:nvSpPr>
+          <p:cNvPr id="5" name="Header Placeholder 4"/>
           <p:cNvSpPr>
             <a:spLocks noGrp="1"/>
           </p:cNvSpPr>
           <p:nvPr>
-            <p:ph type="sldNum" sz="quarter" idx="10"/>
+            <p:ph type="hdr" sz="quarter" idx="11"/>
           </p:nvPr>
         </p:nvSpPr>
         <p:spPr/>
@@ -6652,25 +5792,22 @@
             <a:pPr>
               <a:defRPr/>
             </a:pPr>
-            <a:fld id="{DC3734AA-3150-D947-AC52-2F5DF48BFCD5}" type="slidenum">
+            <a:r>
               <a:rPr lang="en-US" smtClean="0"/>
-              <a:pPr>
-                <a:defRPr/>
-              </a:pPr>
-              <a:t>7</a:t>
-            </a:fld>
-            <a:endParaRPr lang="en-US" dirty="0"/>
-          </a:p>
-        </p:txBody>
-      </p:sp>
-      <p:sp>
-        <p:nvSpPr>
-          <p:cNvPr id="5" name="Header Placeholder 4"/>
+              <a:t>Test Driven Cookbook Development</a:t>
+            </a:r>
+            <a:endParaRPr lang="en-US"/>
+          </a:p>
+        </p:txBody>
+      </p:sp>
+      <p:sp>
+        <p:nvSpPr>
+          <p:cNvPr id="7" name="Date Placeholder 6"/>
           <p:cNvSpPr>
             <a:spLocks noGrp="1"/>
           </p:cNvSpPr>
           <p:nvPr>
-            <p:ph type="hdr" sz="quarter" idx="11"/>
+            <p:ph type="dt" idx="13"/>
           </p:nvPr>
         </p:nvSpPr>
         <p:spPr/>
@@ -6681,29 +5818,11 @@
             <a:pPr>
               <a:defRPr/>
             </a:pPr>
-            <a:endParaRPr lang="en-US"/>
-          </a:p>
-        </p:txBody>
-      </p:sp>
-      <p:sp>
-        <p:nvSpPr>
-          <p:cNvPr id="6" name="Footer Placeholder 5"/>
-          <p:cNvSpPr>
-            <a:spLocks noGrp="1"/>
-          </p:cNvSpPr>
-          <p:nvPr>
-            <p:ph type="ftr" sz="quarter" idx="12"/>
-          </p:nvPr>
-        </p:nvSpPr>
-        <p:spPr/>
-        <p:txBody>
-          <a:bodyPr/>
-          <a:lstStyle/>
-          <a:p>
-            <a:pPr>
-              <a:defRPr/>
-            </a:pPr>
-            <a:endParaRPr lang="en-US"/>
+            <a:r>
+              <a:rPr lang="en-US" smtClean="0"/>
+              <a:t>Chef Software, Inc.</a:t>
+            </a:r>
+            <a:endParaRPr lang="en-US" dirty="0"/>
           </a:p>
         </p:txBody>
       </p:sp>
@@ -6781,12 +5900,12 @@
       </p:sp>
       <p:sp>
         <p:nvSpPr>
-          <p:cNvPr id="4" name="Slide Number Placeholder 3"/>
+          <p:cNvPr id="5" name="Header Placeholder 4"/>
           <p:cNvSpPr>
             <a:spLocks noGrp="1"/>
           </p:cNvSpPr>
           <p:nvPr>
-            <p:ph type="sldNum" sz="quarter" idx="10"/>
+            <p:ph type="hdr" sz="quarter" idx="11"/>
           </p:nvPr>
         </p:nvSpPr>
         <p:spPr/>
@@ -6797,25 +5916,22 @@
             <a:pPr>
               <a:defRPr/>
             </a:pPr>
-            <a:fld id="{DC3734AA-3150-D947-AC52-2F5DF48BFCD5}" type="slidenum">
+            <a:r>
               <a:rPr lang="en-US" smtClean="0"/>
-              <a:pPr>
-                <a:defRPr/>
-              </a:pPr>
-              <a:t>8</a:t>
-            </a:fld>
-            <a:endParaRPr lang="en-US" dirty="0"/>
-          </a:p>
-        </p:txBody>
-      </p:sp>
-      <p:sp>
-        <p:nvSpPr>
-          <p:cNvPr id="5" name="Header Placeholder 4"/>
+              <a:t>Test Driven Cookbook Development</a:t>
+            </a:r>
+            <a:endParaRPr lang="en-US"/>
+          </a:p>
+        </p:txBody>
+      </p:sp>
+      <p:sp>
+        <p:nvSpPr>
+          <p:cNvPr id="7" name="Date Placeholder 6"/>
           <p:cNvSpPr>
             <a:spLocks noGrp="1"/>
           </p:cNvSpPr>
           <p:nvPr>
-            <p:ph type="hdr" sz="quarter" idx="11"/>
+            <p:ph type="dt" idx="13"/>
           </p:nvPr>
         </p:nvSpPr>
         <p:spPr/>
@@ -6826,29 +5942,11 @@
             <a:pPr>
               <a:defRPr/>
             </a:pPr>
-            <a:endParaRPr lang="en-US"/>
-          </a:p>
-        </p:txBody>
-      </p:sp>
-      <p:sp>
-        <p:nvSpPr>
-          <p:cNvPr id="6" name="Footer Placeholder 5"/>
-          <p:cNvSpPr>
-            <a:spLocks noGrp="1"/>
-          </p:cNvSpPr>
-          <p:nvPr>
-            <p:ph type="ftr" sz="quarter" idx="12"/>
-          </p:nvPr>
-        </p:nvSpPr>
-        <p:spPr/>
-        <p:txBody>
-          <a:bodyPr/>
-          <a:lstStyle/>
-          <a:p>
-            <a:pPr>
-              <a:defRPr/>
-            </a:pPr>
-            <a:endParaRPr lang="en-US"/>
+            <a:r>
+              <a:rPr lang="en-US" smtClean="0"/>
+              <a:t>Chef Software, Inc.</a:t>
+            </a:r>
+            <a:endParaRPr lang="en-US" dirty="0"/>
           </a:p>
         </p:txBody>
       </p:sp>
@@ -6923,11 +6021,7 @@
             </a:r>
             <a:r>
               <a:rPr lang="en-US" baseline="0" dirty="0" smtClean="0"/>
-              <a:t>, </a:t>
-            </a:r>
-            <a:r>
-              <a:rPr lang="en-US" baseline="0" dirty="0" smtClean="0"/>
-              <a:t>executed through Test Kitchen to ensure the recipes we write behave as we expect on the test instances we define. The benefit of writing tests focused around the Resource Collection will allow us to gain feedback quickly and build a better development workflow.</a:t>
+              <a:t>, executed through Test Kitchen to ensure the recipes we write behave as we expect on the test instances we define. The benefit of writing tests focused around the Resource Collection will allow us to gain feedback quickly and build a better development workflow.</a:t>
             </a:r>
           </a:p>
           <a:p>
@@ -6952,12 +6046,12 @@
       </p:sp>
       <p:sp>
         <p:nvSpPr>
-          <p:cNvPr id="4" name="Slide Number Placeholder 3"/>
+          <p:cNvPr id="5" name="Header Placeholder 4"/>
           <p:cNvSpPr>
             <a:spLocks noGrp="1"/>
           </p:cNvSpPr>
           <p:nvPr>
-            <p:ph type="sldNum" sz="quarter" idx="10"/>
+            <p:ph type="hdr" sz="quarter" idx="11"/>
           </p:nvPr>
         </p:nvSpPr>
         <p:spPr/>
@@ -6968,25 +6062,22 @@
             <a:pPr>
               <a:defRPr/>
             </a:pPr>
-            <a:fld id="{DC3734AA-3150-D947-AC52-2F5DF48BFCD5}" type="slidenum">
+            <a:r>
               <a:rPr lang="en-US" smtClean="0"/>
-              <a:pPr>
-                <a:defRPr/>
-              </a:pPr>
-              <a:t>9</a:t>
-            </a:fld>
-            <a:endParaRPr lang="en-US" dirty="0"/>
-          </a:p>
-        </p:txBody>
-      </p:sp>
-      <p:sp>
-        <p:nvSpPr>
-          <p:cNvPr id="5" name="Header Placeholder 4"/>
+              <a:t>Test Driven Cookbook Development</a:t>
+            </a:r>
+            <a:endParaRPr lang="en-US"/>
+          </a:p>
+        </p:txBody>
+      </p:sp>
+      <p:sp>
+        <p:nvSpPr>
+          <p:cNvPr id="7" name="Date Placeholder 6"/>
           <p:cNvSpPr>
             <a:spLocks noGrp="1"/>
           </p:cNvSpPr>
           <p:nvPr>
-            <p:ph type="hdr" sz="quarter" idx="11"/>
+            <p:ph type="dt" idx="13"/>
           </p:nvPr>
         </p:nvSpPr>
         <p:spPr/>
@@ -6997,29 +6088,11 @@
             <a:pPr>
               <a:defRPr/>
             </a:pPr>
-            <a:endParaRPr lang="en-US"/>
-          </a:p>
-        </p:txBody>
-      </p:sp>
-      <p:sp>
-        <p:nvSpPr>
-          <p:cNvPr id="6" name="Footer Placeholder 5"/>
-          <p:cNvSpPr>
-            <a:spLocks noGrp="1"/>
-          </p:cNvSpPr>
-          <p:nvPr>
-            <p:ph type="ftr" sz="quarter" idx="12"/>
-          </p:nvPr>
-        </p:nvSpPr>
-        <p:spPr/>
-        <p:txBody>
-          <a:bodyPr/>
-          <a:lstStyle/>
-          <a:p>
-            <a:pPr>
-              <a:defRPr/>
-            </a:pPr>
-            <a:endParaRPr lang="en-US"/>
+            <a:r>
+              <a:rPr lang="en-US" smtClean="0"/>
+              <a:t>Chef Software, Inc.</a:t>
+            </a:r>
+            <a:endParaRPr lang="en-US" dirty="0"/>
           </a:p>
         </p:txBody>
       </p:sp>
@@ -13244,7 +12317,7 @@
               <a:defRPr/>
             </a:pPr>
             <a:r>
-              <a:rPr lang="en-US" dirty="0">
+              <a:rPr lang="en-US" dirty="0" smtClean="0">
                 <a:solidFill>
                   <a:srgbClr val="7D868C"/>
                 </a:solidFill>
@@ -13255,6 +12328,17 @@
               <a:t>©</a:t>
             </a:r>
             <a:r>
+              <a:rPr lang="is-IS" dirty="0" smtClean="0">
+                <a:solidFill>
+                  <a:srgbClr val="7D868C"/>
+                </a:solidFill>
+                <a:latin typeface="+mn-lt"/>
+                <a:ea typeface="+mn-ea"/>
+                <a:cs typeface="+mn-cs"/>
+              </a:rPr>
+              <a:t>2017</a:t>
+            </a:r>
+            <a:r>
               <a:rPr lang="en-US" dirty="0" smtClean="0">
                 <a:solidFill>
                   <a:srgbClr val="7D868C"/>
@@ -13263,7 +12347,7 @@
                 <a:ea typeface="+mn-ea"/>
                 <a:cs typeface="+mn-cs"/>
               </a:rPr>
-              <a:t>2016 </a:t>
+              <a:t> </a:t>
             </a:r>
             <a:r>
               <a:rPr lang="en-US" dirty="0">
@@ -14024,7 +13108,7 @@
               <a:defRPr/>
             </a:pPr>
             <a:r>
-              <a:rPr lang="en-US" dirty="0">
+              <a:rPr lang="en-US" dirty="0" smtClean="0">
                 <a:solidFill>
                   <a:srgbClr val="7D868C"/>
                 </a:solidFill>
@@ -14035,6 +13119,17 @@
               <a:t>©</a:t>
             </a:r>
             <a:r>
+              <a:rPr lang="is-IS" dirty="0" smtClean="0">
+                <a:solidFill>
+                  <a:srgbClr val="7D868C"/>
+                </a:solidFill>
+                <a:latin typeface="+mn-lt"/>
+                <a:ea typeface="+mn-ea"/>
+                <a:cs typeface="+mn-cs"/>
+              </a:rPr>
+              <a:t>2017</a:t>
+            </a:r>
+            <a:r>
               <a:rPr lang="en-US" dirty="0" smtClean="0">
                 <a:solidFill>
                   <a:srgbClr val="7D868C"/>
@@ -14043,7 +13138,7 @@
                 <a:ea typeface="+mn-ea"/>
                 <a:cs typeface="+mn-cs"/>
               </a:rPr>
-              <a:t>2016 </a:t>
+              <a:t> </a:t>
             </a:r>
             <a:r>
               <a:rPr lang="en-US" dirty="0">
@@ -17622,7 +16717,7 @@
         </p:nvCxnSpPr>
         <p:spPr>
           <a:xfrm>
-            <a:off x="3922643" y="6427304"/>
+            <a:off x="3922643" y="6479676"/>
             <a:ext cx="1524000" cy="0"/>
           </a:xfrm>
           <a:prstGeom prst="line">
@@ -17657,7 +16752,7 @@
         </p:nvCxnSpPr>
         <p:spPr>
           <a:xfrm>
-            <a:off x="2630556" y="4075044"/>
+            <a:off x="2630556" y="4114323"/>
             <a:ext cx="1782418" cy="0"/>
           </a:xfrm>
           <a:prstGeom prst="line">
@@ -17724,14 +16819,12 @@
       <p:cxnSp>
         <p:nvCxnSpPr>
           <p:cNvPr id="15" name="Straight Connector 14"/>
-          <p:cNvCxnSpPr>
-            <a:endCxn id="5" idx="0"/>
-          </p:cNvCxnSpPr>
+          <p:cNvCxnSpPr/>
           <p:nvPr/>
         </p:nvCxnSpPr>
         <p:spPr>
           <a:xfrm flipH="1">
-            <a:off x="2307401" y="6427304"/>
+            <a:off x="2307401" y="6492769"/>
             <a:ext cx="2377242" cy="516048"/>
           </a:xfrm>
           <a:prstGeom prst="line">
@@ -18888,7 +17981,7 @@
             </a:r>
             <a:r>
               <a:rPr lang="is-IS" dirty="0" smtClean="0"/>
-              <a:t>2016</a:t>
+              <a:t>2017</a:t>
             </a:r>
             <a:r>
               <a:rPr lang="en-US" dirty="0" smtClean="0"/>
@@ -22140,7 +21233,7 @@
             </a:r>
             <a:r>
               <a:rPr lang="is-IS" dirty="0" smtClean="0"/>
-              <a:t>2016</a:t>
+              <a:t>2017</a:t>
             </a:r>
             <a:r>
               <a:rPr lang="en-US" dirty="0" smtClean="0"/>
@@ -23048,7 +22141,7 @@
             </a:r>
             <a:r>
               <a:rPr lang="is-IS" dirty="0" smtClean="0"/>
-              <a:t>2016</a:t>
+              <a:t>2017</a:t>
             </a:r>
             <a:r>
               <a:rPr lang="en-US" dirty="0" smtClean="0"/>
@@ -23810,7 +22903,7 @@
             </a:r>
             <a:r>
               <a:rPr lang="is-IS" dirty="0" smtClean="0"/>
-              <a:t>2016</a:t>
+              <a:t>2017</a:t>
             </a:r>
             <a:r>
               <a:rPr lang="en-US" dirty="0" smtClean="0"/>
@@ -24447,11 +23540,7 @@
             </a:r>
             <a:r>
               <a:rPr lang="en-US" dirty="0" smtClean="0"/>
-              <a:t> test</a:t>
-            </a:r>
-            <a:r>
-              <a:rPr lang="en-US" dirty="0" smtClean="0"/>
-              <a:t>?</a:t>
+              <a:t> test?</a:t>
             </a:r>
           </a:p>
         </p:txBody>
